--- a/3_security-compliance-trust/3_security-compliance-trust.pptx
+++ b/3_security-compliance-trust/3_security-compliance-trust.pptx
@@ -15,17 +15,17 @@
     <p:sldId id="257" r:id="rId6"/>
     <p:sldId id="1885" r:id="rId7"/>
     <p:sldId id="259" r:id="rId8"/>
-    <p:sldId id="1929" r:id="rId9"/>
-    <p:sldId id="1930" r:id="rId10"/>
-    <p:sldId id="1931" r:id="rId11"/>
-    <p:sldId id="1961" r:id="rId12"/>
-    <p:sldId id="1860" r:id="rId13"/>
-    <p:sldId id="1932" r:id="rId14"/>
-    <p:sldId id="1933" r:id="rId15"/>
+    <p:sldId id="1860" r:id="rId9"/>
+    <p:sldId id="1933" r:id="rId10"/>
+    <p:sldId id="1929" r:id="rId11"/>
+    <p:sldId id="1930" r:id="rId12"/>
+    <p:sldId id="1931" r:id="rId13"/>
+    <p:sldId id="1961" r:id="rId14"/>
+    <p:sldId id="1932" r:id="rId15"/>
     <p:sldId id="1889" r:id="rId16"/>
     <p:sldId id="1903" r:id="rId17"/>
     <p:sldId id="1934" r:id="rId18"/>
-    <p:sldId id="1935" r:id="rId19"/>
+    <p:sldId id="1866" r:id="rId19"/>
     <p:sldId id="1896" r:id="rId20"/>
     <p:sldId id="1936" r:id="rId21"/>
     <p:sldId id="1937" r:id="rId22"/>
@@ -37,7 +37,7 @@
     <p:sldId id="1926" r:id="rId28"/>
     <p:sldId id="1910" r:id="rId29"/>
     <p:sldId id="1911" r:id="rId30"/>
-    <p:sldId id="1943" r:id="rId31"/>
+    <p:sldId id="1912" r:id="rId31"/>
     <p:sldId id="1963" r:id="rId32"/>
     <p:sldId id="1913" r:id="rId33"/>
     <p:sldId id="1945" r:id="rId34"/>
@@ -166,17 +166,17 @@
             <p14:sldId id="257"/>
             <p14:sldId id="1885"/>
             <p14:sldId id="259"/>
+            <p14:sldId id="1860"/>
+            <p14:sldId id="1933"/>
             <p14:sldId id="1929"/>
             <p14:sldId id="1930"/>
             <p14:sldId id="1931"/>
             <p14:sldId id="1961"/>
-            <p14:sldId id="1860"/>
             <p14:sldId id="1932"/>
-            <p14:sldId id="1933"/>
             <p14:sldId id="1889"/>
             <p14:sldId id="1903"/>
             <p14:sldId id="1934"/>
-            <p14:sldId id="1935"/>
+            <p14:sldId id="1866"/>
             <p14:sldId id="1896"/>
             <p14:sldId id="1936"/>
             <p14:sldId id="1937"/>
@@ -188,7 +188,7 @@
             <p14:sldId id="1926"/>
             <p14:sldId id="1910"/>
             <p14:sldId id="1911"/>
-            <p14:sldId id="1943"/>
+            <p14:sldId id="1912"/>
             <p14:sldId id="1963"/>
             <p14:sldId id="1913"/>
             <p14:sldId id="1945"/>
@@ -327,7 +327,7 @@
           <a:p>
             <a:fld id="{48782496-95A0-4193-B09F-6AD27878C74F}" type="datetimeFigureOut">
               <a:rPr lang="en-US" smtClean="0"/>
-              <a:t>10/1/2019</a:t>
+              <a:t>12/16/2019</a:t>
             </a:fld>
             <a:endParaRPr lang="en-US"/>
           </a:p>
@@ -405,7 +405,7 @@
           <a:p>
             <a:fld id="{FF7E545E-6309-4C3C-B4C1-C7B100EED122}" type="slidenum">
               <a:rPr lang="en-US" smtClean="0"/>
-              <a:t>‹Nr.›</a:t>
+              <a:t>‹#›</a:t>
             </a:fld>
             <a:endParaRPr lang="en-US"/>
           </a:p>
@@ -504,7 +504,7 @@
           <a:p>
             <a:fld id="{41A012BF-EEA3-45CC-947C-015BB12AB8BD}" type="datetimeFigureOut">
               <a:rPr lang="en-US" smtClean="0"/>
-              <a:t>10/1/2019</a:t>
+              <a:t>12/16/2019</a:t>
             </a:fld>
             <a:endParaRPr lang="en-US"/>
           </a:p>
@@ -662,7 +662,7 @@
           <a:p>
             <a:fld id="{526BFB95-F7E9-4E12-8F4D-EDB340397A7D}" type="slidenum">
               <a:rPr lang="en-US" smtClean="0"/>
-              <a:t>‹Nr.›</a:t>
+              <a:t>‹#›</a:t>
             </a:fld>
             <a:endParaRPr lang="en-US"/>
           </a:p>
@@ -899,9 +899,52 @@
           <a:bodyPr/>
           <a:lstStyle/>
           <a:p>
-            <a:r>
-              <a:rPr lang="en-US" dirty="0"/>
-              <a:t>This is to be kept high level, general concepts.</a:t>
+            <a:endParaRPr lang="en-IE" sz="900" b="0" i="0" u="none" strike="noStrike" kern="1200" dirty="0">
+              <a:solidFill>
+                <a:schemeClr val="tx1"/>
+              </a:solidFill>
+              <a:effectLst/>
+              <a:latin typeface="Segoe UI Light" pitchFamily="34" charset="0"/>
+              <a:ea typeface="+mn-ea"/>
+              <a:cs typeface="+mn-cs"/>
+            </a:endParaRPr>
+          </a:p>
+          <a:p>
+            <a:r>
+              <a:rPr lang="en-IE" sz="900" b="0" i="0" u="none" strike="noStrike" kern="1200" dirty="0">
+                <a:solidFill>
+                  <a:schemeClr val="tx1"/>
+                </a:solidFill>
+                <a:effectLst/>
+                <a:latin typeface="Segoe UI Light" pitchFamily="34" charset="0"/>
+                <a:ea typeface="+mn-ea"/>
+                <a:cs typeface="+mn-cs"/>
+              </a:rPr>
+              <a:t>For details about</a:t>
+            </a:r>
+            <a:r>
+              <a:rPr lang="en-IE" sz="900" b="0" i="0" u="none" strike="noStrike" kern="1200" baseline="0" dirty="0">
+                <a:solidFill>
+                  <a:schemeClr val="tx1"/>
+                </a:solidFill>
+                <a:effectLst/>
+                <a:latin typeface="Segoe UI Light" pitchFamily="34" charset="0"/>
+                <a:ea typeface="+mn-ea"/>
+                <a:cs typeface="+mn-cs"/>
+              </a:rPr>
+              <a:t> A</a:t>
+            </a:r>
+            <a:r>
+              <a:rPr lang="en-IE" sz="900" b="0" i="0" u="none" strike="noStrike" kern="1200" dirty="0">
+                <a:solidFill>
+                  <a:schemeClr val="tx1"/>
+                </a:solidFill>
+                <a:effectLst/>
+                <a:latin typeface="Segoe UI Light" pitchFamily="34" charset="0"/>
+                <a:ea typeface="+mn-ea"/>
+                <a:cs typeface="+mn-cs"/>
+              </a:rPr>
+              <a:t>SG, see : https://docs.microsoft.com/en-us/azure/virtual-network/security-overview#application-security-groups</a:t>
             </a:r>
           </a:p>
         </p:txBody>
@@ -913,7 +956,7 @@
             <a:spLocks noGrp="1"/>
           </p:cNvSpPr>
           <p:nvPr>
-            <p:ph type="hdr" sz="quarter"/>
+            <p:ph type="hdr" sz="quarter" idx="10"/>
           </p:nvPr>
         </p:nvSpPr>
         <p:spPr/>
@@ -932,7 +975,7 @@
             <a:spLocks noGrp="1"/>
           </p:cNvSpPr>
           <p:nvPr>
-            <p:ph type="ftr" sz="quarter" idx="4"/>
+            <p:ph type="ftr" sz="quarter" idx="11"/>
           </p:nvPr>
         </p:nvSpPr>
         <p:spPr/>
@@ -970,7 +1013,7 @@
             <a:spLocks noGrp="1"/>
           </p:cNvSpPr>
           <p:nvPr>
-            <p:ph type="dt" idx="1"/>
+            <p:ph type="dt" idx="12"/>
           </p:nvPr>
         </p:nvSpPr>
         <p:spPr/>
@@ -978,9 +1021,9 @@
           <a:bodyPr/>
           <a:lstStyle/>
           <a:p>
-            <a:fld id="{386CE63F-9E7F-4C04-9D0D-FCA25A8E9E86}" type="datetime8">
+            <a:fld id="{9427A7F7-BB1E-479D-AFAA-B52F4D0C99F2}" type="datetime8">
               <a:rPr lang="en-US" smtClean="0"/>
-              <a:t>10/1/2019 2:41 PM</a:t>
+              <a:t>12/16/2019 10:46 PM</a:t>
             </a:fld>
             <a:endParaRPr lang="en-US" dirty="0"/>
           </a:p>
@@ -993,7 +1036,7 @@
             <a:spLocks noGrp="1"/>
           </p:cNvSpPr>
           <p:nvPr>
-            <p:ph type="sldNum" sz="quarter" idx="5"/>
+            <p:ph type="sldNum" sz="quarter" idx="13"/>
           </p:nvPr>
         </p:nvSpPr>
         <p:spPr/>
@@ -1013,7 +1056,7 @@
     </p:spTree>
     <p:extLst>
       <p:ext uri="{BB962C8B-B14F-4D97-AF65-F5344CB8AC3E}">
-        <p14:creationId xmlns:p14="http://schemas.microsoft.com/office/powerpoint/2010/main" val="1375837200"/>
+        <p14:creationId xmlns:p14="http://schemas.microsoft.com/office/powerpoint/2010/main" val="4139056591"/>
       </p:ext>
     </p:extLst>
   </p:cSld>
@@ -1069,7 +1112,7 @@
           <a:p>
             <a:r>
               <a:rPr lang="en-US" dirty="0"/>
-              <a:t>Again it is conceptual, to be kept high level, the graphic shows the shared responsibility split between provider (Microsoft), customer and both, for on-premises and different cloud service types.</a:t>
+              <a:t>This is to be kept high level, general concepts.</a:t>
             </a:r>
           </a:p>
         </p:txBody>
@@ -1148,7 +1191,7 @@
           <a:p>
             <a:fld id="{386CE63F-9E7F-4C04-9D0D-FCA25A8E9E86}" type="datetime8">
               <a:rPr lang="en-US" smtClean="0"/>
-              <a:t>10/1/2019 2:41 PM</a:t>
+              <a:t>12/16/2019 10:46 PM</a:t>
             </a:fld>
             <a:endParaRPr lang="en-US" dirty="0"/>
           </a:p>
@@ -1181,7 +1224,7 @@
     </p:spTree>
     <p:extLst>
       <p:ext uri="{BB962C8B-B14F-4D97-AF65-F5344CB8AC3E}">
-        <p14:creationId xmlns:p14="http://schemas.microsoft.com/office/powerpoint/2010/main" val="1176015503"/>
+        <p14:creationId xmlns:p14="http://schemas.microsoft.com/office/powerpoint/2010/main" val="1375837200"/>
       </p:ext>
     </p:extLst>
   </p:cSld>
@@ -1489,7 +1532,7 @@
           <a:p>
             <a:fld id="{9427A7F7-BB1E-479D-AFAA-B52F4D0C99F2}" type="datetime8">
               <a:rPr lang="en-US" smtClean="0"/>
-              <a:t>10/1/2019 2:44 PM</a:t>
+              <a:t>12/16/2019 10:46 PM</a:t>
             </a:fld>
             <a:endParaRPr lang="en-US" dirty="0"/>
           </a:p>
@@ -1910,7 +1953,7 @@
           <a:p>
             <a:fld id="{386CE63F-9E7F-4C04-9D0D-FCA25A8E9E86}" type="datetime8">
               <a:rPr lang="en-US" smtClean="0"/>
-              <a:t>10/1/2019 2:41 PM</a:t>
+              <a:t>12/16/2019 10:46 PM</a:t>
             </a:fld>
             <a:endParaRPr lang="en-US" dirty="0"/>
           </a:p>
@@ -1997,17 +2040,13 @@
           <a:bodyPr/>
           <a:lstStyle/>
           <a:p>
-            <a:r>
-              <a:rPr lang="en-IE" sz="1200" b="0" i="0" u="none" strike="noStrike" kern="1200" dirty="0">
-                <a:solidFill>
-                  <a:schemeClr val="tx1"/>
-                </a:solidFill>
-                <a:effectLst/>
-                <a:latin typeface="+mn-lt"/>
-                <a:ea typeface="+mn-ea"/>
-                <a:cs typeface="+mn-cs"/>
-              </a:rPr>
-              <a:t>MFA comes as part of the following Azure service offerings:</a:t>
+            <a:pPr marL="0" indent="0">
+              <a:buFont typeface="Arial" panose="020B0604020202020204" pitchFamily="34" charset="0"/>
+              <a:buNone/>
+            </a:pPr>
+            <a:r>
+              <a:rPr lang="en-IE" sz="900" b="0" i="1" dirty="0"/>
+              <a:t>Discuss what could qualify for each of the items listed</a:t>
             </a:r>
           </a:p>
           <a:p>
@@ -2016,16 +2055,16 @@
               <a:buChar char="•"/>
             </a:pPr>
             <a:r>
-              <a:rPr lang="en-IE" sz="1200" b="0" i="0" u="none" strike="noStrike" kern="1200" dirty="0">
-                <a:solidFill>
-                  <a:schemeClr val="tx1"/>
-                </a:solidFill>
-                <a:effectLst/>
-                <a:latin typeface="+mn-lt"/>
-                <a:ea typeface="+mn-ea"/>
-                <a:cs typeface="+mn-cs"/>
-              </a:rPr>
-              <a:t>Azure Active Directory Premium licenses. These licenses provide full-featured use of Azure Multi-Factor Authentication Service (cloud) or Azure Multi-Factor Authentication Server (on-premises).</a:t>
+              <a:rPr lang="en-IE" sz="900" b="1" i="1" dirty="0"/>
+              <a:t>Something you know</a:t>
+            </a:r>
+            <a:r>
+              <a:rPr lang="en-IE" sz="900" i="1" dirty="0"/>
+              <a:t>:</a:t>
+            </a:r>
+            <a:r>
+              <a:rPr lang="en-IE" sz="900" dirty="0"/>
+              <a:t> This could be a password or the answer to a security question.</a:t>
             </a:r>
           </a:p>
           <a:p>
@@ -2034,16 +2073,16 @@
               <a:buChar char="•"/>
             </a:pPr>
             <a:r>
-              <a:rPr lang="en-IE" sz="1200" b="0" i="0" u="none" strike="noStrike" kern="1200" dirty="0">
-                <a:solidFill>
-                  <a:schemeClr val="tx1"/>
-                </a:solidFill>
-                <a:effectLst/>
-                <a:latin typeface="+mn-lt"/>
-                <a:ea typeface="+mn-ea"/>
-                <a:cs typeface="+mn-cs"/>
-              </a:rPr>
-              <a:t>Multi-Factor Authentication for Office 365. A subset of Azure Multi-Factor Authentication capabilities are available as a part of your Office 365 subscription.</a:t>
+              <a:rPr lang="en-IE" sz="900" b="1" i="1" dirty="0"/>
+              <a:t>Something you possess</a:t>
+            </a:r>
+            <a:r>
+              <a:rPr lang="en-IE" sz="900" i="1" dirty="0"/>
+              <a:t>:</a:t>
+            </a:r>
+            <a:r>
+              <a:rPr lang="en-IE" sz="900" dirty="0"/>
+              <a:t> This might be a mobile app that receives a notification, or a token-generating device.</a:t>
             </a:r>
           </a:p>
           <a:p>
@@ -2052,72 +2091,72 @@
               <a:buChar char="•"/>
             </a:pPr>
             <a:r>
-              <a:rPr lang="en-IE" sz="1200" b="0" i="0" u="none" strike="noStrike" kern="1200" dirty="0">
-                <a:solidFill>
-                  <a:schemeClr val="tx1"/>
-                </a:solidFill>
-                <a:effectLst/>
-                <a:latin typeface="+mn-lt"/>
-                <a:ea typeface="+mn-ea"/>
-                <a:cs typeface="+mn-cs"/>
-              </a:rPr>
-              <a:t>Azure Active Directory global administrators. Because global administrator accounts are highly sensitive, a subset of Azure Multi-Factor Authentication capabilities are available as a means to protect these accounts.</a:t>
-            </a:r>
-          </a:p>
-          <a:p>
-            <a:endParaRPr lang="en-IE" sz="1200" b="1" kern="1200" dirty="0">
+              <a:rPr lang="en-IE" sz="900" b="1" i="1" dirty="0"/>
+              <a:t>Something you are</a:t>
+            </a:r>
+            <a:r>
+              <a:rPr lang="en-IE" sz="900" i="1" dirty="0"/>
+              <a:t>:</a:t>
+            </a:r>
+            <a:r>
+              <a:rPr lang="en-IE" sz="900" dirty="0"/>
+              <a:t> This is typically some sort of biometric property, such as a fingerprint or face scan used on many mobile devices.</a:t>
+            </a:r>
+          </a:p>
+          <a:p>
+            <a:endParaRPr lang="en-IE" sz="900" b="0" i="0" u="none" strike="noStrike" kern="1200" dirty="0">
               <a:solidFill>
                 <a:schemeClr val="tx1"/>
               </a:solidFill>
               <a:effectLst/>
-              <a:latin typeface="+mn-lt"/>
+              <a:latin typeface="Segoe UI Light" pitchFamily="34" charset="0"/>
               <a:ea typeface="+mn-ea"/>
               <a:cs typeface="+mn-cs"/>
             </a:endParaRPr>
           </a:p>
           <a:p>
             <a:r>
-              <a:rPr lang="en-IE" sz="1200" b="1" kern="1200" dirty="0">
+              <a:rPr lang="en-IE" sz="900" b="1" kern="1200" dirty="0">
                 <a:solidFill>
                   <a:schemeClr val="tx1"/>
                 </a:solidFill>
                 <a:effectLst/>
-                <a:latin typeface="+mn-lt"/>
-                <a:ea typeface="+mn-ea"/>
-                <a:cs typeface="+mn-cs"/>
-              </a:rPr>
-              <a:t>Note</a:t>
-            </a:r>
-            <a:r>
-              <a:rPr lang="en-IE" sz="1200" kern="1200" dirty="0">
+                <a:latin typeface="Segoe UI Light" pitchFamily="34" charset="0"/>
+                <a:ea typeface="+mn-ea"/>
+                <a:cs typeface="+mn-cs"/>
+              </a:rPr>
+              <a:t>MFA - </a:t>
+            </a:r>
+            <a:r>
+              <a:rPr lang="en-IE" sz="900" kern="1200" dirty="0">
                 <a:solidFill>
                   <a:schemeClr val="tx1"/>
                 </a:solidFill>
                 <a:effectLst/>
-                <a:latin typeface="+mn-lt"/>
-                <a:ea typeface="+mn-ea"/>
-                <a:cs typeface="+mn-cs"/>
-              </a:rPr>
-              <a:t>: You can read more about MFA at </a:t>
-            </a:r>
-            <a:r>
-              <a:rPr lang="en-IE" sz="1200" b="0" i="0" u="none" strike="noStrike" kern="1200" dirty="0">
+                <a:latin typeface="Segoe UI Light" pitchFamily="34" charset="0"/>
+                <a:ea typeface="+mn-ea"/>
+                <a:cs typeface="+mn-cs"/>
+              </a:rPr>
+              <a:t> </a:t>
+            </a:r>
+            <a:r>
+              <a:rPr lang="en-IE" sz="900" b="0" i="0" u="none" strike="noStrike" kern="1200" dirty="0">
                 <a:solidFill>
                   <a:schemeClr val="tx1"/>
                 </a:solidFill>
                 <a:effectLst/>
-                <a:latin typeface="+mn-lt"/>
+                <a:latin typeface="Segoe UI Light" pitchFamily="34" charset="0"/>
                 <a:ea typeface="+mn-ea"/>
                 <a:cs typeface="+mn-cs"/>
               </a:rPr>
               <a:t>https://docs.microsoft.com/en-us/azure/active-directory/authentication/concept-mfa-howitworks</a:t>
             </a:r>
-            <a:endParaRPr lang="en-IE" sz="1200" kern="1200" dirty="0">
+            <a:endParaRPr lang="en-IE" sz="900" kern="1200" dirty="0">
               <a:solidFill>
                 <a:schemeClr val="tx1"/>
               </a:solidFill>
               <a:effectLst/>
-              <a:latin typeface="+mn-lt"/>
+              <a:latin typeface="Segoe UI Light" pitchFamily="34" charset="0"/>
               <a:ea typeface="+mn-ea"/>
               <a:cs typeface="+mn-cs"/>
             </a:endParaRPr>
@@ -2131,7 +2170,7 @@
             <a:spLocks noGrp="1"/>
           </p:cNvSpPr>
           <p:nvPr>
-            <p:ph type="hdr" sz="quarter"/>
+            <p:ph type="hdr" sz="quarter" idx="10"/>
           </p:nvPr>
         </p:nvSpPr>
         <p:spPr/>
@@ -2150,7 +2189,7 @@
             <a:spLocks noGrp="1"/>
           </p:cNvSpPr>
           <p:nvPr>
-            <p:ph type="ftr" sz="quarter" idx="4"/>
+            <p:ph type="ftr" sz="quarter" idx="11"/>
           </p:nvPr>
         </p:nvSpPr>
         <p:spPr/>
@@ -2188,7 +2227,7 @@
             <a:spLocks noGrp="1"/>
           </p:cNvSpPr>
           <p:nvPr>
-            <p:ph type="dt" idx="1"/>
+            <p:ph type="dt" idx="12"/>
           </p:nvPr>
         </p:nvSpPr>
         <p:spPr/>
@@ -2196,9 +2235,9 @@
           <a:bodyPr/>
           <a:lstStyle/>
           <a:p>
-            <a:fld id="{386CE63F-9E7F-4C04-9D0D-FCA25A8E9E86}" type="datetime8">
+            <a:fld id="{9427A7F7-BB1E-479D-AFAA-B52F4D0C99F2}" type="datetime8">
               <a:rPr lang="en-US" smtClean="0"/>
-              <a:t>10/1/2019 2:41 PM</a:t>
+              <a:t>12/16/2019 10:48 PM</a:t>
             </a:fld>
             <a:endParaRPr lang="en-US" dirty="0"/>
           </a:p>
@@ -2211,7 +2250,7 @@
             <a:spLocks noGrp="1"/>
           </p:cNvSpPr>
           <p:nvPr>
-            <p:ph type="sldNum" sz="quarter" idx="5"/>
+            <p:ph type="sldNum" sz="quarter" idx="13"/>
           </p:nvPr>
         </p:nvSpPr>
         <p:spPr/>
@@ -2231,7 +2270,7 @@
     </p:spTree>
     <p:extLst>
       <p:ext uri="{BB962C8B-B14F-4D97-AF65-F5344CB8AC3E}">
-        <p14:creationId xmlns:p14="http://schemas.microsoft.com/office/powerpoint/2010/main" val="335441945"/>
+        <p14:creationId xmlns:p14="http://schemas.microsoft.com/office/powerpoint/2010/main" val="3960289928"/>
       </p:ext>
     </p:extLst>
   </p:cSld>
@@ -2609,7 +2648,7 @@
           <a:p>
             <a:fld id="{386CE63F-9E7F-4C04-9D0D-FCA25A8E9E86}" type="datetime8">
               <a:rPr lang="en-US" smtClean="0"/>
-              <a:t>10/1/2019 2:41 PM</a:t>
+              <a:t>12/16/2019 10:46 PM</a:t>
             </a:fld>
             <a:endParaRPr lang="en-US" dirty="0"/>
           </a:p>
@@ -2978,7 +3017,7 @@
           <a:p>
             <a:fld id="{386CE63F-9E7F-4C04-9D0D-FCA25A8E9E86}" type="datetime8">
               <a:rPr lang="en-US" smtClean="0"/>
-              <a:t>10/1/2019 2:41 PM</a:t>
+              <a:t>12/16/2019 10:46 PM</a:t>
             </a:fld>
             <a:endParaRPr lang="en-US" dirty="0"/>
           </a:p>
@@ -3321,7 +3360,7 @@
           <a:p>
             <a:fld id="{386CE63F-9E7F-4C04-9D0D-FCA25A8E9E86}" type="datetime8">
               <a:rPr lang="en-US" smtClean="0"/>
-              <a:t>10/1/2019 2:41 PM</a:t>
+              <a:t>12/16/2019 10:46 PM</a:t>
             </a:fld>
             <a:endParaRPr lang="en-US" dirty="0"/>
           </a:p>
@@ -3678,7 +3717,7 @@
           <a:p>
             <a:fld id="{386CE63F-9E7F-4C04-9D0D-FCA25A8E9E86}" type="datetime8">
               <a:rPr lang="en-US" smtClean="0"/>
-              <a:t>10/1/2019 2:41 PM</a:t>
+              <a:t>12/16/2019 10:46 PM</a:t>
             </a:fld>
             <a:endParaRPr lang="en-US" dirty="0"/>
           </a:p>
@@ -4063,7 +4102,7 @@
           <a:p>
             <a:fld id="{386CE63F-9E7F-4C04-9D0D-FCA25A8E9E86}" type="datetime8">
               <a:rPr lang="en-US" smtClean="0"/>
-              <a:t>10/1/2019 2:41 PM</a:t>
+              <a:t>12/16/2019 10:46 PM</a:t>
             </a:fld>
             <a:endParaRPr lang="en-US" dirty="0"/>
           </a:p>
@@ -4398,7 +4437,7 @@
           <a:p>
             <a:fld id="{386CE63F-9E7F-4C04-9D0D-FCA25A8E9E86}" type="datetime8">
               <a:rPr lang="en-US" smtClean="0"/>
-              <a:t>10/1/2019 2:41 PM</a:t>
+              <a:t>12/16/2019 10:46 PM</a:t>
             </a:fld>
             <a:endParaRPr lang="en-US" dirty="0"/>
           </a:p>
@@ -4962,7 +5001,7 @@
           <a:p>
             <a:fld id="{9427A7F7-BB1E-479D-AFAA-B52F4D0C99F2}" type="datetime8">
               <a:rPr lang="en-US" smtClean="0"/>
-              <a:t>10/1/2019 2:57 PM</a:t>
+              <a:t>12/16/2019 10:46 PM</a:t>
             </a:fld>
             <a:endParaRPr lang="en-US" dirty="0"/>
           </a:p>
@@ -5384,7 +5423,7 @@
           <a:p>
             <a:fld id="{9427A7F7-BB1E-479D-AFAA-B52F4D0C99F2}" type="datetime8">
               <a:rPr lang="en-US" smtClean="0"/>
-              <a:t>10/1/2019 2:58 PM</a:t>
+              <a:t>12/16/2019 10:46 PM</a:t>
             </a:fld>
             <a:endParaRPr lang="en-US" dirty="0"/>
           </a:p>
@@ -5472,176 +5511,51 @@
           <a:lstStyle/>
           <a:p>
             <a:r>
-              <a:rPr lang="en-IE" sz="1200" b="0" i="0" u="none" strike="noStrike" kern="1200" dirty="0">
+              <a:rPr lang="en-IE" sz="900" b="1" kern="1200" dirty="0">
                 <a:solidFill>
                   <a:schemeClr val="tx1"/>
                 </a:solidFill>
                 <a:effectLst/>
-                <a:latin typeface="+mn-lt"/>
-                <a:ea typeface="+mn-ea"/>
-                <a:cs typeface="+mn-cs"/>
-              </a:rPr>
-              <a:t>You may want to show RBAC in the Azure Portal</a:t>
-            </a:r>
-          </a:p>
-          <a:p>
-            <a:endParaRPr lang="en-IE" sz="1200" b="0" i="0" u="none" strike="noStrike" kern="1200" dirty="0">
+                <a:latin typeface="Segoe UI Light" pitchFamily="34" charset="0"/>
+                <a:ea typeface="+mn-ea"/>
+                <a:cs typeface="+mn-cs"/>
+              </a:rPr>
+              <a:t>Azure RBAC </a:t>
+            </a:r>
+            <a:r>
+              <a:rPr lang="en-IE" sz="900" b="0" kern="1200" dirty="0">
+                <a:solidFill>
+                  <a:schemeClr val="tx1"/>
+                </a:solidFill>
+                <a:effectLst/>
+                <a:latin typeface="Segoe UI Light" pitchFamily="34" charset="0"/>
+                <a:ea typeface="+mn-ea"/>
+                <a:cs typeface="+mn-cs"/>
+              </a:rPr>
+              <a:t>- </a:t>
+            </a:r>
+            <a:r>
+              <a:rPr lang="en-IE" sz="900" b="0" i="0" u="none" strike="noStrike" kern="1200" dirty="0">
+                <a:solidFill>
+                  <a:schemeClr val="tx1"/>
+                </a:solidFill>
+                <a:effectLst/>
+                <a:latin typeface="Segoe UI Light" pitchFamily="34" charset="0"/>
+                <a:ea typeface="+mn-ea"/>
+                <a:cs typeface="+mn-cs"/>
+              </a:rPr>
+              <a:t>https://docs.microsoft.com/en-us/azure/role-based-access-control/overview</a:t>
+            </a:r>
+            <a:endParaRPr lang="en-IE" sz="900" b="0" kern="1200" dirty="0">
               <a:solidFill>
                 <a:schemeClr val="tx1"/>
               </a:solidFill>
               <a:effectLst/>
-              <a:latin typeface="+mn-lt"/>
+              <a:latin typeface="Segoe UI Light" pitchFamily="34" charset="0"/>
               <a:ea typeface="+mn-ea"/>
               <a:cs typeface="+mn-cs"/>
             </a:endParaRPr>
           </a:p>
-          <a:p>
-            <a:r>
-              <a:rPr lang="en-IE" sz="1200" b="0" i="0" u="none" strike="noStrike" kern="1200" dirty="0">
-                <a:solidFill>
-                  <a:schemeClr val="tx1"/>
-                </a:solidFill>
-                <a:effectLst/>
-                <a:latin typeface="+mn-lt"/>
-                <a:ea typeface="+mn-ea"/>
-                <a:cs typeface="+mn-cs"/>
-              </a:rPr>
-              <a:t>To view access permissions, access the Access control (IAM) blade in the Azure portal. On this blade, you can see who has access to an area and their role. Using this same blade, you can grant or remove access.</a:t>
-            </a:r>
-          </a:p>
-          <a:p>
-            <a:endParaRPr lang="en-IE" sz="1200" b="0" i="0" u="none" strike="noStrike" kern="1200" dirty="0">
-              <a:solidFill>
-                <a:schemeClr val="tx1"/>
-              </a:solidFill>
-              <a:effectLst/>
-              <a:latin typeface="+mn-lt"/>
-              <a:ea typeface="+mn-ea"/>
-              <a:cs typeface="+mn-cs"/>
-            </a:endParaRPr>
-          </a:p>
-          <a:p>
-            <a:r>
-              <a:rPr lang="en-IE" sz="1200" b="1" i="0" u="none" strike="noStrike" kern="1200" dirty="0">
-                <a:solidFill>
-                  <a:schemeClr val="tx1"/>
-                </a:solidFill>
-                <a:effectLst/>
-                <a:latin typeface="+mn-lt"/>
-                <a:ea typeface="+mn-ea"/>
-                <a:cs typeface="+mn-cs"/>
-              </a:rPr>
-              <a:t>Best Practices</a:t>
-            </a:r>
-          </a:p>
-          <a:p>
-            <a:r>
-              <a:rPr lang="en-IE" sz="1200" b="0" i="0" u="none" strike="noStrike" kern="1200" dirty="0">
-                <a:solidFill>
-                  <a:schemeClr val="tx1"/>
-                </a:solidFill>
-                <a:effectLst/>
-                <a:latin typeface="+mn-lt"/>
-                <a:ea typeface="+mn-ea"/>
-                <a:cs typeface="+mn-cs"/>
-              </a:rPr>
-              <a:t>The following list details RBAC best practices:</a:t>
-            </a:r>
-          </a:p>
-          <a:p>
-            <a:pPr marL="171450" indent="-171450">
-              <a:buFont typeface="Arial" panose="020B0604020202020204" pitchFamily="34" charset="0"/>
-              <a:buChar char="•"/>
-            </a:pPr>
-            <a:r>
-              <a:rPr lang="en-IE" sz="1200" b="0" i="0" u="none" strike="noStrike" kern="1200" dirty="0">
-                <a:solidFill>
-                  <a:schemeClr val="tx1"/>
-                </a:solidFill>
-                <a:effectLst/>
-                <a:latin typeface="+mn-lt"/>
-                <a:ea typeface="+mn-ea"/>
-                <a:cs typeface="+mn-cs"/>
-              </a:rPr>
-              <a:t>Using RBAC, segregate duties within your team and grant only the amount of access to users that they need to perform their jobs. Instead of giving everybody unrestricted permissions in your Azure subscription or resources, allow only certain actions at a particular scope.</a:t>
-            </a:r>
-          </a:p>
-          <a:p>
-            <a:pPr marL="171450" indent="-171450">
-              <a:buFont typeface="Arial" panose="020B0604020202020204" pitchFamily="34" charset="0"/>
-              <a:buChar char="•"/>
-            </a:pPr>
-            <a:r>
-              <a:rPr lang="en-IE" sz="1200" b="0" i="0" u="none" strike="noStrike" kern="1200" dirty="0">
-                <a:solidFill>
-                  <a:schemeClr val="tx1"/>
-                </a:solidFill>
-                <a:effectLst/>
-                <a:latin typeface="+mn-lt"/>
-                <a:ea typeface="+mn-ea"/>
-                <a:cs typeface="+mn-cs"/>
-              </a:rPr>
-              <a:t>When planning your access control strategy, grant users the least privilege to get their work done.</a:t>
-            </a:r>
-          </a:p>
-          <a:p>
-            <a:endParaRPr lang="en-IE" sz="1200" b="0" i="0" u="none" strike="noStrike" kern="1200" dirty="0">
-              <a:solidFill>
-                <a:schemeClr val="tx1"/>
-              </a:solidFill>
-              <a:effectLst/>
-              <a:latin typeface="+mn-lt"/>
-              <a:ea typeface="+mn-ea"/>
-              <a:cs typeface="+mn-cs"/>
-            </a:endParaRPr>
-          </a:p>
-          <a:p>
-            <a:r>
-              <a:rPr lang="en-IE" sz="1200" b="1" kern="1200" dirty="0">
-                <a:solidFill>
-                  <a:schemeClr val="tx1"/>
-                </a:solidFill>
-                <a:effectLst/>
-                <a:latin typeface="+mn-lt"/>
-                <a:ea typeface="+mn-ea"/>
-                <a:cs typeface="+mn-cs"/>
-              </a:rPr>
-              <a:t>Note</a:t>
-            </a:r>
-            <a:r>
-              <a:rPr lang="en-IE" sz="1200" kern="1200" dirty="0">
-                <a:solidFill>
-                  <a:schemeClr val="tx1"/>
-                </a:solidFill>
-                <a:effectLst/>
-                <a:latin typeface="+mn-lt"/>
-                <a:ea typeface="+mn-ea"/>
-                <a:cs typeface="+mn-cs"/>
-              </a:rPr>
-              <a:t>: You can read more about RBAC at </a:t>
-            </a:r>
-            <a:r>
-              <a:rPr lang="en-IE" sz="1200" b="0" i="0" u="none" strike="noStrike" kern="1200" dirty="0">
-                <a:solidFill>
-                  <a:schemeClr val="tx1"/>
-                </a:solidFill>
-                <a:effectLst/>
-                <a:latin typeface="+mn-lt"/>
-                <a:ea typeface="+mn-ea"/>
-                <a:cs typeface="+mn-cs"/>
-              </a:rPr>
-              <a:t>https://docs.microsoft.com/en-us/azure/role-based-access-control/overview</a:t>
-            </a:r>
-            <a:endParaRPr lang="en-IE" sz="1200" kern="1200" dirty="0">
-              <a:solidFill>
-                <a:schemeClr val="tx1"/>
-              </a:solidFill>
-              <a:effectLst/>
-              <a:latin typeface="+mn-lt"/>
-              <a:ea typeface="+mn-ea"/>
-              <a:cs typeface="+mn-cs"/>
-            </a:endParaRPr>
-          </a:p>
         </p:txBody>
       </p:sp>
       <p:sp>
@@ -5651,7 +5565,7 @@
             <a:spLocks noGrp="1"/>
           </p:cNvSpPr>
           <p:nvPr>
-            <p:ph type="hdr" sz="quarter"/>
+            <p:ph type="hdr" sz="quarter" idx="10"/>
           </p:nvPr>
         </p:nvSpPr>
         <p:spPr/>
@@ -5670,7 +5584,7 @@
             <a:spLocks noGrp="1"/>
           </p:cNvSpPr>
           <p:nvPr>
-            <p:ph type="ftr" sz="quarter" idx="4"/>
+            <p:ph type="ftr" sz="quarter" idx="11"/>
           </p:nvPr>
         </p:nvSpPr>
         <p:spPr/>
@@ -5708,7 +5622,7 @@
             <a:spLocks noGrp="1"/>
           </p:cNvSpPr>
           <p:nvPr>
-            <p:ph type="dt" idx="1"/>
+            <p:ph type="dt" idx="12"/>
           </p:nvPr>
         </p:nvSpPr>
         <p:spPr/>
@@ -5716,9 +5630,9 @@
           <a:bodyPr/>
           <a:lstStyle/>
           <a:p>
-            <a:fld id="{386CE63F-9E7F-4C04-9D0D-FCA25A8E9E86}" type="datetime8">
+            <a:fld id="{72E0C910-0166-48E0-B8EF-5071277A02A8}" type="datetime8">
               <a:rPr lang="en-US" smtClean="0"/>
-              <a:t>10/1/2019 2:41 PM</a:t>
+              <a:t>12/16/2019 10:49 PM</a:t>
             </a:fld>
             <a:endParaRPr lang="en-US" dirty="0"/>
           </a:p>
@@ -5731,7 +5645,7 @@
             <a:spLocks noGrp="1"/>
           </p:cNvSpPr>
           <p:nvPr>
-            <p:ph type="sldNum" sz="quarter" idx="5"/>
+            <p:ph type="sldNum" sz="quarter" idx="13"/>
           </p:nvPr>
         </p:nvSpPr>
         <p:spPr/>
@@ -5751,7 +5665,7 @@
     </p:spTree>
     <p:extLst>
       <p:ext uri="{BB962C8B-B14F-4D97-AF65-F5344CB8AC3E}">
-        <p14:creationId xmlns:p14="http://schemas.microsoft.com/office/powerpoint/2010/main" val="4116170526"/>
+        <p14:creationId xmlns:p14="http://schemas.microsoft.com/office/powerpoint/2010/main" val="1601089676"/>
       </p:ext>
     </p:extLst>
   </p:cSld>
@@ -6014,7 +5928,7 @@
           <a:p>
             <a:fld id="{72E0C910-0166-48E0-B8EF-5071277A02A8}" type="datetime8">
               <a:rPr lang="en-US" smtClean="0"/>
-              <a:t>10/1/2019 2:59 PM</a:t>
+              <a:t>12/16/2019 10:46 PM</a:t>
             </a:fld>
             <a:endParaRPr lang="en-US" dirty="0"/>
           </a:p>
@@ -6199,7 +6113,7 @@
           <a:p>
             <a:fld id="{386CE63F-9E7F-4C04-9D0D-FCA25A8E9E86}" type="datetime8">
               <a:rPr lang="en-US" smtClean="0"/>
-              <a:t>10/1/2019 2:41 PM</a:t>
+              <a:t>12/16/2019 10:46 PM</a:t>
             </a:fld>
             <a:endParaRPr lang="en-US" dirty="0"/>
           </a:p>
@@ -6577,7 +6491,7 @@
           <a:p>
             <a:fld id="{386CE63F-9E7F-4C04-9D0D-FCA25A8E9E86}" type="datetime8">
               <a:rPr lang="en-US" smtClean="0"/>
-              <a:t>10/1/2019 2:41 PM</a:t>
+              <a:t>12/16/2019 10:46 PM</a:t>
             </a:fld>
             <a:endParaRPr lang="en-US" dirty="0"/>
           </a:p>
@@ -7049,7 +6963,7 @@
           <a:p>
             <a:fld id="{72E0C910-0166-48E0-B8EF-5071277A02A8}" type="datetime8">
               <a:rPr lang="en-US" smtClean="0"/>
-              <a:t>10/1/2019 3:01 PM</a:t>
+              <a:t>12/16/2019 10:46 PM</a:t>
             </a:fld>
             <a:endParaRPr lang="en-US" dirty="0"/>
           </a:p>
@@ -7717,7 +7631,7 @@
           <a:p>
             <a:fld id="{72E0C910-0166-48E0-B8EF-5071277A02A8}" type="datetime8">
               <a:rPr lang="en-US" smtClean="0"/>
-              <a:t>10/1/2019 3:01 PM</a:t>
+              <a:t>12/16/2019 10:46 PM</a:t>
             </a:fld>
             <a:endParaRPr lang="en-US" dirty="0"/>
           </a:p>
@@ -8192,7 +8106,7 @@
           <a:p>
             <a:fld id="{386CE63F-9E7F-4C04-9D0D-FCA25A8E9E86}" type="datetime8">
               <a:rPr lang="en-US" smtClean="0"/>
-              <a:t>10/1/2019 2:41 PM</a:t>
+              <a:t>12/16/2019 10:46 PM</a:t>
             </a:fld>
             <a:endParaRPr lang="en-US" dirty="0"/>
           </a:p>
@@ -8426,7 +8340,7 @@
           <a:p>
             <a:fld id="{386CE63F-9E7F-4C04-9D0D-FCA25A8E9E86}" type="datetime8">
               <a:rPr lang="en-US" smtClean="0"/>
-              <a:t>10/1/2019 2:41 PM</a:t>
+              <a:t>12/16/2019 10:46 PM</a:t>
             </a:fld>
             <a:endParaRPr lang="en-US" dirty="0"/>
           </a:p>
@@ -8904,7 +8818,7 @@
           <a:p>
             <a:fld id="{386CE63F-9E7F-4C04-9D0D-FCA25A8E9E86}" type="datetime8">
               <a:rPr lang="en-US" smtClean="0"/>
-              <a:t>10/1/2019 3:04 PM</a:t>
+              <a:t>12/16/2019 10:46 PM</a:t>
             </a:fld>
             <a:endParaRPr lang="en-US" dirty="0"/>
           </a:p>
@@ -9268,7 +9182,7 @@
           <a:p>
             <a:fld id="{386CE63F-9E7F-4C04-9D0D-FCA25A8E9E86}" type="datetime8">
               <a:rPr lang="en-US" smtClean="0"/>
-              <a:t>10/1/2019 2:41 PM</a:t>
+              <a:t>12/16/2019 10:46 PM</a:t>
             </a:fld>
             <a:endParaRPr lang="en-US" dirty="0"/>
           </a:p>
@@ -9441,7 +9355,7 @@
           <a:p>
             <a:fld id="{386CE63F-9E7F-4C04-9D0D-FCA25A8E9E86}" type="datetime8">
               <a:rPr lang="en-US" smtClean="0"/>
-              <a:t>10/1/2019 2:41 PM</a:t>
+              <a:t>12/16/2019 10:46 PM</a:t>
             </a:fld>
             <a:endParaRPr lang="en-US" dirty="0"/>
           </a:p>
@@ -9642,7 +9556,7 @@
           <a:p>
             <a:fld id="{386CE63F-9E7F-4C04-9D0D-FCA25A8E9E86}" type="datetime8">
               <a:rPr lang="en-US" smtClean="0"/>
-              <a:t>10/1/2019 2:41 PM</a:t>
+              <a:t>12/16/2019 10:46 PM</a:t>
             </a:fld>
             <a:endParaRPr lang="en-US" dirty="0"/>
           </a:p>
@@ -9995,7 +9909,7 @@
           <a:p>
             <a:fld id="{386CE63F-9E7F-4C04-9D0D-FCA25A8E9E86}" type="datetime8">
               <a:rPr lang="en-US" smtClean="0"/>
-              <a:t>10/1/2019 2:41 PM</a:t>
+              <a:t>12/16/2019 10:46 PM</a:t>
             </a:fld>
             <a:endParaRPr lang="en-US" dirty="0"/>
           </a:p>
@@ -10341,7 +10255,7 @@
           <a:p>
             <a:fld id="{386CE63F-9E7F-4C04-9D0D-FCA25A8E9E86}" type="datetime8">
               <a:rPr lang="en-US" smtClean="0"/>
-              <a:t>10/1/2019 2:41 PM</a:t>
+              <a:t>12/16/2019 10:46 PM</a:t>
             </a:fld>
             <a:endParaRPr lang="en-US" dirty="0"/>
           </a:p>
@@ -10539,7 +10453,7 @@
           <a:p>
             <a:fld id="{386CE63F-9E7F-4C04-9D0D-FCA25A8E9E86}" type="datetime8">
               <a:rPr lang="en-US" smtClean="0"/>
-              <a:t>10/1/2019 2:41 PM</a:t>
+              <a:t>12/16/2019 10:46 PM</a:t>
             </a:fld>
             <a:endParaRPr lang="en-US" dirty="0"/>
           </a:p>
@@ -10754,7 +10668,7 @@
           <a:p>
             <a:fld id="{386CE63F-9E7F-4C04-9D0D-FCA25A8E9E86}" type="datetime8">
               <a:rPr lang="en-US" smtClean="0"/>
-              <a:t>10/1/2019 2:41 PM</a:t>
+              <a:t>12/16/2019 10:46 PM</a:t>
             </a:fld>
             <a:endParaRPr lang="en-US" dirty="0"/>
           </a:p>
@@ -10966,7 +10880,7 @@
           <a:p>
             <a:fld id="{386CE63F-9E7F-4C04-9D0D-FCA25A8E9E86}" type="datetime8">
               <a:rPr lang="en-US" smtClean="0"/>
-              <a:t>10/1/2019 2:41 PM</a:t>
+              <a:t>12/16/2019 10:46 PM</a:t>
             </a:fld>
             <a:endParaRPr lang="en-US" dirty="0"/>
           </a:p>
@@ -11236,7 +11150,7 @@
               <a:pPr defTabSz="950464">
                 <a:defRPr/>
               </a:pPr>
-              <a:t>10/1/2019 2:41 PM</a:t>
+              <a:t>12/16/2019 10:46 PM</a:t>
             </a:fld>
             <a:endParaRPr lang="en-US">
               <a:solidFill>
@@ -11343,262 +11257,34 @@
           <a:bodyPr/>
           <a:lstStyle/>
           <a:p>
-            <a:r>
-              <a:rPr lang="en-IE" sz="1200" b="1" i="0" u="none" strike="noStrike" kern="1200" dirty="0">
+            <a:pPr marL="0" marR="0" lvl="0" indent="0" algn="l" defTabSz="914367" rtl="0" eaLnBrk="1" fontAlgn="auto" latinLnBrk="0" hangingPunct="1">
+              <a:lnSpc>
+                <a:spcPct val="90000"/>
+              </a:lnSpc>
+              <a:spcBef>
+                <a:spcPts val="0"/>
+              </a:spcBef>
+              <a:spcAft>
+                <a:spcPts val="333"/>
+              </a:spcAft>
+              <a:buClrTx/>
+              <a:buSzTx/>
+              <a:buFontTx/>
+              <a:buNone/>
+              <a:tabLst/>
+              <a:defRPr/>
+            </a:pPr>
+            <a:r>
+              <a:rPr lang="en-US" sz="900" b="0" i="0" u="none" strike="noStrike" kern="1200" dirty="0">
                 <a:solidFill>
                   <a:schemeClr val="tx1"/>
                 </a:solidFill>
                 <a:effectLst/>
-                <a:latin typeface="+mn-lt"/>
-                <a:ea typeface="+mn-ea"/>
-                <a:cs typeface="+mn-cs"/>
-              </a:rPr>
-              <a:t>Common Usage Scenarios</a:t>
-            </a:r>
-            <a:endParaRPr lang="en-IE" sz="1200" b="0" i="0" u="none" strike="noStrike" kern="1200" dirty="0">
-              <a:solidFill>
-                <a:schemeClr val="tx1"/>
-              </a:solidFill>
-              <a:effectLst/>
-              <a:latin typeface="+mn-lt"/>
-              <a:ea typeface="+mn-ea"/>
-              <a:cs typeface="+mn-cs"/>
-            </a:endParaRPr>
-          </a:p>
-          <a:p>
-            <a:r>
-              <a:rPr lang="en-IE" sz="1200" b="0" i="0" u="none" strike="noStrike" kern="1200" dirty="0">
-                <a:solidFill>
-                  <a:schemeClr val="tx1"/>
-                </a:solidFill>
-                <a:effectLst/>
-                <a:latin typeface="+mn-lt"/>
-                <a:ea typeface="+mn-ea"/>
-                <a:cs typeface="+mn-cs"/>
-              </a:rPr>
-              <a:t>You typically deploy Azure Firewall on a central virtual network to control general network access. With Azure Firewall you can configure:</a:t>
-            </a:r>
-          </a:p>
-          <a:p>
-            <a:pPr marL="171450" indent="-171450">
-              <a:buFont typeface="Arial" panose="020B0604020202020204" pitchFamily="34" charset="0"/>
-              <a:buChar char="•"/>
-            </a:pPr>
-            <a:r>
-              <a:rPr lang="en-IE" sz="1200" b="0" i="0" u="none" strike="noStrike" kern="1200" dirty="0">
-                <a:solidFill>
-                  <a:schemeClr val="tx1"/>
-                </a:solidFill>
-                <a:effectLst/>
-                <a:latin typeface="+mn-lt"/>
-                <a:ea typeface="+mn-ea"/>
-                <a:cs typeface="+mn-cs"/>
-              </a:rPr>
-              <a:t>Application rules that define fully qualified domain names (FQDNs) that can be accessed from a subnet.</a:t>
-            </a:r>
-          </a:p>
-          <a:p>
-            <a:pPr marL="171450" indent="-171450">
-              <a:buFont typeface="Arial" panose="020B0604020202020204" pitchFamily="34" charset="0"/>
-              <a:buChar char="•"/>
-            </a:pPr>
-            <a:r>
-              <a:rPr lang="en-IE" sz="1200" b="0" i="0" u="none" strike="noStrike" kern="1200" dirty="0">
-                <a:solidFill>
-                  <a:schemeClr val="tx1"/>
-                </a:solidFill>
-                <a:effectLst/>
-                <a:latin typeface="+mn-lt"/>
-                <a:ea typeface="+mn-ea"/>
-                <a:cs typeface="+mn-cs"/>
-              </a:rPr>
-              <a:t>Network rules that define source address, protocol, destination port, and destination address.</a:t>
-            </a:r>
-          </a:p>
-          <a:p>
-            <a:pPr marL="0" indent="0">
-              <a:buFont typeface="Arial" panose="020B0604020202020204" pitchFamily="34" charset="0"/>
-              <a:buNone/>
-            </a:pPr>
-            <a:endParaRPr lang="en-IE" sz="1200" b="0" i="0" u="none" strike="noStrike" kern="1200" dirty="0">
-              <a:solidFill>
-                <a:schemeClr val="tx1"/>
-              </a:solidFill>
-              <a:effectLst/>
-              <a:latin typeface="+mn-lt"/>
-              <a:ea typeface="+mn-ea"/>
-              <a:cs typeface="+mn-cs"/>
-            </a:endParaRPr>
-          </a:p>
-          <a:p>
-            <a:pPr marL="0" indent="0">
-              <a:buFont typeface="Arial" panose="020B0604020202020204" pitchFamily="34" charset="0"/>
-              <a:buNone/>
-            </a:pPr>
-            <a:r>
-              <a:rPr lang="en-IE" sz="1200" b="0" i="0" u="none" strike="noStrike" kern="1200" dirty="0">
-                <a:solidFill>
-                  <a:schemeClr val="tx1"/>
-                </a:solidFill>
-                <a:effectLst/>
-                <a:latin typeface="+mn-lt"/>
-                <a:ea typeface="+mn-ea"/>
-                <a:cs typeface="+mn-cs"/>
-              </a:rPr>
-              <a:t>Application Gateway also provides a firewall, the </a:t>
-            </a:r>
-            <a:r>
-              <a:rPr lang="en-IE" sz="1200" b="0" i="1" u="none" strike="noStrike" kern="1200" dirty="0">
-                <a:solidFill>
-                  <a:schemeClr val="tx1"/>
-                </a:solidFill>
-                <a:effectLst/>
-                <a:latin typeface="+mn-lt"/>
-                <a:ea typeface="+mn-ea"/>
-                <a:cs typeface="+mn-cs"/>
-              </a:rPr>
-              <a:t>web application firewall</a:t>
-            </a:r>
-            <a:r>
-              <a:rPr lang="en-IE" sz="1200" b="0" i="0" u="none" strike="noStrike" kern="1200" dirty="0">
-                <a:solidFill>
-                  <a:schemeClr val="tx1"/>
-                </a:solidFill>
-                <a:effectLst/>
-                <a:latin typeface="+mn-lt"/>
-                <a:ea typeface="+mn-ea"/>
-                <a:cs typeface="+mn-cs"/>
-              </a:rPr>
-              <a:t> (WAF). This is different to Azure Firewall. WAF provides centralized inbound protection of your web applications from common exploits and vulnerabilities, whereas Azure Firewall provides: </a:t>
-            </a:r>
-          </a:p>
-          <a:p>
-            <a:pPr marL="171450" indent="-171450">
-              <a:buFont typeface="Arial" panose="020B0604020202020204" pitchFamily="34" charset="0"/>
-              <a:buChar char="•"/>
-            </a:pPr>
-            <a:r>
-              <a:rPr lang="en-IE" sz="1200" b="0" i="0" u="none" strike="noStrike" kern="1200" dirty="0">
-                <a:solidFill>
-                  <a:schemeClr val="tx1"/>
-                </a:solidFill>
-                <a:effectLst/>
-                <a:latin typeface="+mn-lt"/>
-                <a:ea typeface="+mn-ea"/>
-                <a:cs typeface="+mn-cs"/>
-              </a:rPr>
-              <a:t>Inbound protection for non-HTTP/S protocols (for example, </a:t>
-            </a:r>
-          </a:p>
-          <a:p>
-            <a:pPr marL="171450" indent="-171450">
-              <a:buFont typeface="Arial" panose="020B0604020202020204" pitchFamily="34" charset="0"/>
-              <a:buChar char="•"/>
-            </a:pPr>
-            <a:r>
-              <a:rPr lang="en-IE" sz="1200" b="0" i="0" u="none" strike="noStrike" kern="1200" dirty="0">
-                <a:solidFill>
-                  <a:schemeClr val="tx1"/>
-                </a:solidFill>
-                <a:effectLst/>
-                <a:latin typeface="+mn-lt"/>
-                <a:ea typeface="+mn-ea"/>
-                <a:cs typeface="+mn-cs"/>
-              </a:rPr>
-              <a:t>Remote Desktop Protocol (RDP), Secure Shell (SSH), </a:t>
-            </a:r>
-          </a:p>
-          <a:p>
-            <a:pPr marL="171450" indent="-171450">
-              <a:buFont typeface="Arial" panose="020B0604020202020204" pitchFamily="34" charset="0"/>
-              <a:buChar char="•"/>
-            </a:pPr>
-            <a:r>
-              <a:rPr lang="en-IE" sz="1200" b="0" i="0" u="none" strike="noStrike" kern="1200" dirty="0">
-                <a:solidFill>
-                  <a:schemeClr val="tx1"/>
-                </a:solidFill>
-                <a:effectLst/>
-                <a:latin typeface="+mn-lt"/>
-                <a:ea typeface="+mn-ea"/>
-                <a:cs typeface="+mn-cs"/>
-              </a:rPr>
-              <a:t>File Transfer Protocol (FTP)), </a:t>
-            </a:r>
-          </a:p>
-          <a:p>
-            <a:pPr marL="171450" indent="-171450">
-              <a:buFont typeface="Arial" panose="020B0604020202020204" pitchFamily="34" charset="0"/>
-              <a:buChar char="•"/>
-            </a:pPr>
-            <a:r>
-              <a:rPr lang="en-IE" sz="1200" b="0" i="0" u="none" strike="noStrike" kern="1200" dirty="0">
-                <a:solidFill>
-                  <a:schemeClr val="tx1"/>
-                </a:solidFill>
-                <a:effectLst/>
-                <a:latin typeface="+mn-lt"/>
-                <a:ea typeface="+mn-ea"/>
-                <a:cs typeface="+mn-cs"/>
-              </a:rPr>
-              <a:t>Outbound network-level protection for all ports and protocols </a:t>
-            </a:r>
-          </a:p>
-          <a:p>
-            <a:pPr marL="171450" indent="-171450">
-              <a:buFont typeface="Arial" panose="020B0604020202020204" pitchFamily="34" charset="0"/>
-              <a:buChar char="•"/>
-            </a:pPr>
-            <a:r>
-              <a:rPr lang="en-IE" sz="1200" b="0" i="0" u="none" strike="noStrike" kern="1200" dirty="0">
-                <a:solidFill>
-                  <a:schemeClr val="tx1"/>
-                </a:solidFill>
-                <a:effectLst/>
-                <a:latin typeface="+mn-lt"/>
-                <a:ea typeface="+mn-ea"/>
-                <a:cs typeface="+mn-cs"/>
-              </a:rPr>
-              <a:t>Application-level protection for outbound HTTP/S.</a:t>
-            </a:r>
-          </a:p>
-          <a:p>
-            <a:r>
-              <a:rPr lang="en-IE" sz="1200" b="0" i="0" u="none" strike="noStrike" kern="1200" dirty="0">
-                <a:solidFill>
-                  <a:schemeClr val="tx1"/>
-                </a:solidFill>
-                <a:effectLst/>
-                <a:latin typeface="+mn-lt"/>
-                <a:ea typeface="+mn-ea"/>
-                <a:cs typeface="+mn-cs"/>
-              </a:rPr>
-              <a:t> Because Azure Firewall has more functionality available to it, it is intended for different use cases.</a:t>
-            </a:r>
-          </a:p>
-          <a:p>
-            <a:endParaRPr lang="en-IE" sz="1200" b="0" i="0" u="none" strike="noStrike" kern="1200" dirty="0">
-              <a:solidFill>
-                <a:schemeClr val="tx1"/>
-              </a:solidFill>
-              <a:effectLst/>
-              <a:latin typeface="+mn-lt"/>
-              <a:ea typeface="+mn-ea"/>
-              <a:cs typeface="+mn-cs"/>
-            </a:endParaRPr>
-          </a:p>
-          <a:p>
-            <a:r>
-              <a:rPr lang="en-IE" sz="1200" b="0" i="0" u="none" strike="noStrike" kern="1200" dirty="0">
-                <a:solidFill>
-                  <a:schemeClr val="tx1"/>
-                </a:solidFill>
-                <a:effectLst/>
-                <a:latin typeface="+mn-lt"/>
-                <a:ea typeface="+mn-ea"/>
-                <a:cs typeface="+mn-cs"/>
-              </a:rPr>
-              <a:t>For more details, see https://azure.microsoft.com/en-us/services/azure-firewall/ page.</a:t>
+                <a:latin typeface="Segoe UI Light" pitchFamily="34" charset="0"/>
+                <a:ea typeface="+mn-ea"/>
+                <a:cs typeface="+mn-cs"/>
+              </a:rPr>
+              <a:t>This is conceptual, to be kept high level, explaining how security options can be targeted at each layer. We will discuss two layers in more depth in the next slide.</a:t>
             </a:r>
           </a:p>
         </p:txBody>
@@ -11610,7 +11296,7 @@
             <a:spLocks noGrp="1"/>
           </p:cNvSpPr>
           <p:nvPr>
-            <p:ph type="hdr" sz="quarter"/>
+            <p:ph type="hdr" sz="quarter" idx="10"/>
           </p:nvPr>
         </p:nvSpPr>
         <p:spPr/>
@@ -11629,7 +11315,7 @@
             <a:spLocks noGrp="1"/>
           </p:cNvSpPr>
           <p:nvPr>
-            <p:ph type="ftr" sz="quarter" idx="4"/>
+            <p:ph type="ftr" sz="quarter" idx="11"/>
           </p:nvPr>
         </p:nvSpPr>
         <p:spPr/>
@@ -11667,7 +11353,7 @@
             <a:spLocks noGrp="1"/>
           </p:cNvSpPr>
           <p:nvPr>
-            <p:ph type="dt" idx="1"/>
+            <p:ph type="dt" idx="12"/>
           </p:nvPr>
         </p:nvSpPr>
         <p:spPr/>
@@ -11675,9 +11361,9 @@
           <a:bodyPr/>
           <a:lstStyle/>
           <a:p>
-            <a:fld id="{386CE63F-9E7F-4C04-9D0D-FCA25A8E9E86}" type="datetime8">
+            <a:fld id="{9427A7F7-BB1E-479D-AFAA-B52F4D0C99F2}" type="datetime8">
               <a:rPr lang="en-US" smtClean="0"/>
-              <a:t>10/1/2019 2:41 PM</a:t>
+              <a:t>12/16/2019 10:46 PM</a:t>
             </a:fld>
             <a:endParaRPr lang="en-US" dirty="0"/>
           </a:p>
@@ -11690,7 +11376,7 @@
             <a:spLocks noGrp="1"/>
           </p:cNvSpPr>
           <p:nvPr>
-            <p:ph type="sldNum" sz="quarter" idx="5"/>
+            <p:ph type="sldNum" sz="quarter" idx="13"/>
           </p:nvPr>
         </p:nvSpPr>
         <p:spPr/>
@@ -11710,7 +11396,7 @@
     </p:spTree>
     <p:extLst>
       <p:ext uri="{BB962C8B-B14F-4D97-AF65-F5344CB8AC3E}">
-        <p14:creationId xmlns:p14="http://schemas.microsoft.com/office/powerpoint/2010/main" val="1679847060"/>
+        <p14:creationId xmlns:p14="http://schemas.microsoft.com/office/powerpoint/2010/main" val="576915161"/>
       </p:ext>
     </p:extLst>
   </p:cSld>
@@ -11765,129 +11451,9 @@
           <a:lstStyle/>
           <a:p>
             <a:r>
-              <a:rPr lang="en-IE" sz="1200" b="0" i="0" u="none" strike="noStrike" kern="1200" dirty="0">
-                <a:solidFill>
-                  <a:schemeClr val="tx1"/>
-                </a:solidFill>
-                <a:effectLst/>
-                <a:latin typeface="+mn-lt"/>
-                <a:ea typeface="+mn-ea"/>
-                <a:cs typeface="+mn-cs"/>
-              </a:rPr>
-              <a:t>DDoS standard protection can mitigate the following types of attacks:</a:t>
-            </a:r>
-          </a:p>
-          <a:p>
-            <a:pPr marL="171450" indent="-171450">
-              <a:buFont typeface="Arial" panose="020B0604020202020204" pitchFamily="34" charset="0"/>
-              <a:buChar char="•"/>
-            </a:pPr>
-            <a:r>
-              <a:rPr lang="en-IE" sz="1200" b="0" i="0" u="none" strike="noStrike" kern="1200" dirty="0">
-                <a:solidFill>
-                  <a:schemeClr val="tx1"/>
-                </a:solidFill>
-                <a:effectLst/>
-                <a:latin typeface="+mn-lt"/>
-                <a:ea typeface="+mn-ea"/>
-                <a:cs typeface="+mn-cs"/>
-              </a:rPr>
-              <a:t>Volumetric attacks. The attack's goal is to flood the network layer with a substantial amount of seemingly legitimate traffic.</a:t>
-            </a:r>
-          </a:p>
-          <a:p>
-            <a:pPr marL="171450" indent="-171450">
-              <a:buFont typeface="Arial" panose="020B0604020202020204" pitchFamily="34" charset="0"/>
-              <a:buChar char="•"/>
-            </a:pPr>
-            <a:r>
-              <a:rPr lang="en-IE" sz="1200" b="0" i="0" u="none" strike="noStrike" kern="1200" dirty="0">
-                <a:solidFill>
-                  <a:schemeClr val="tx1"/>
-                </a:solidFill>
-                <a:effectLst/>
-                <a:latin typeface="+mn-lt"/>
-                <a:ea typeface="+mn-ea"/>
-                <a:cs typeface="+mn-cs"/>
-              </a:rPr>
-              <a:t>Protocol attacks. These attacks render a target inaccessible, by exploiting a weakness in the layer 3 and layer 4 protocol stack.</a:t>
-            </a:r>
-          </a:p>
-          <a:p>
-            <a:pPr marL="171450" indent="-171450">
-              <a:buFont typeface="Arial" panose="020B0604020202020204" pitchFamily="34" charset="0"/>
-              <a:buChar char="•"/>
-            </a:pPr>
-            <a:r>
-              <a:rPr lang="en-IE" sz="1200" b="0" i="0" u="none" strike="noStrike" kern="1200" dirty="0">
-                <a:solidFill>
-                  <a:schemeClr val="tx1"/>
-                </a:solidFill>
-                <a:effectLst/>
-                <a:latin typeface="+mn-lt"/>
-                <a:ea typeface="+mn-ea"/>
-                <a:cs typeface="+mn-cs"/>
-              </a:rPr>
-              <a:t>Resource (application) layer attacks. These attacks target web application packets to disrupt the transmission of data between hosts.</a:t>
-            </a:r>
-          </a:p>
-          <a:p>
-            <a:endParaRPr lang="en-IE" sz="1200" b="1" kern="1200" dirty="0">
-              <a:solidFill>
-                <a:schemeClr val="tx1"/>
-              </a:solidFill>
-              <a:effectLst/>
-              <a:latin typeface="+mn-lt"/>
-              <a:ea typeface="+mn-ea"/>
-              <a:cs typeface="+mn-cs"/>
-            </a:endParaRPr>
-          </a:p>
-          <a:p>
-            <a:r>
-              <a:rPr lang="en-IE" sz="1200" b="1" kern="1200" dirty="0">
-                <a:solidFill>
-                  <a:schemeClr val="tx1"/>
-                </a:solidFill>
-                <a:effectLst/>
-                <a:latin typeface="+mn-lt"/>
-                <a:ea typeface="+mn-ea"/>
-                <a:cs typeface="+mn-cs"/>
-              </a:rPr>
-              <a:t>Note</a:t>
-            </a:r>
-            <a:r>
-              <a:rPr lang="en-IE" sz="1200" kern="1200" dirty="0">
-                <a:solidFill>
-                  <a:schemeClr val="tx1"/>
-                </a:solidFill>
-                <a:effectLst/>
-                <a:latin typeface="+mn-lt"/>
-                <a:ea typeface="+mn-ea"/>
-                <a:cs typeface="+mn-cs"/>
-              </a:rPr>
-              <a:t>: You can read more about Azure DDoS Protection from the page </a:t>
-            </a:r>
-            <a:r>
-              <a:rPr lang="en-IE" sz="1200" b="0" i="0" u="none" strike="noStrike" kern="1200" dirty="0">
-                <a:solidFill>
-                  <a:schemeClr val="tx1"/>
-                </a:solidFill>
-                <a:effectLst/>
-                <a:latin typeface="+mn-lt"/>
-                <a:ea typeface="+mn-ea"/>
-                <a:cs typeface="+mn-cs"/>
-              </a:rPr>
-              <a:t>https://azure.microsoft.com/en-us/services/ddos-protection/</a:t>
-            </a:r>
-            <a:endParaRPr lang="en-IE" sz="1200" kern="1200" dirty="0">
-              <a:solidFill>
-                <a:schemeClr val="tx1"/>
-              </a:solidFill>
-              <a:effectLst/>
-              <a:latin typeface="+mn-lt"/>
-              <a:ea typeface="+mn-ea"/>
-              <a:cs typeface="+mn-cs"/>
-            </a:endParaRPr>
+              <a:rPr lang="en-US" dirty="0"/>
+              <a:t>Again it is conceptual, to be kept high level, the graphic shows the shared responsibility split between provider (Microsoft), customer and both, for on-premises and different cloud service types.</a:t>
+            </a:r>
           </a:p>
         </p:txBody>
       </p:sp>
@@ -11965,7 +11531,7 @@
           <a:p>
             <a:fld id="{386CE63F-9E7F-4C04-9D0D-FCA25A8E9E86}" type="datetime8">
               <a:rPr lang="en-US" smtClean="0"/>
-              <a:t>10/1/2019 2:41 PM</a:t>
+              <a:t>12/16/2019 10:46 PM</a:t>
             </a:fld>
             <a:endParaRPr lang="en-US" dirty="0"/>
           </a:p>
@@ -11998,7 +11564,7 @@
     </p:spTree>
     <p:extLst>
       <p:ext uri="{BB962C8B-B14F-4D97-AF65-F5344CB8AC3E}">
-        <p14:creationId xmlns:p14="http://schemas.microsoft.com/office/powerpoint/2010/main" val="591890538"/>
+        <p14:creationId xmlns:p14="http://schemas.microsoft.com/office/powerpoint/2010/main" val="1176015503"/>
       </p:ext>
     </p:extLst>
   </p:cSld>
@@ -12053,7 +11619,7 @@
           <a:lstStyle/>
           <a:p>
             <a:r>
-              <a:rPr lang="en-IE" sz="1200" b="0" i="0" u="none" strike="noStrike" kern="1200" dirty="0">
+              <a:rPr lang="en-IE" sz="1200" b="1" i="0" u="none" strike="noStrike" kern="1200" dirty="0">
                 <a:solidFill>
                   <a:schemeClr val="tx1"/>
                 </a:solidFill>
@@ -12062,10 +11628,8 @@
                 <a:ea typeface="+mn-ea"/>
                 <a:cs typeface="+mn-cs"/>
               </a:rPr>
-              <a:t>Each rule specifies the following properties:</a:t>
-            </a:r>
-          </a:p>
-          <a:p>
+              <a:t>Common Usage Scenarios</a:t>
+            </a:r>
             <a:endParaRPr lang="en-IE" sz="1200" b="0" i="0" u="none" strike="noStrike" kern="1200" dirty="0">
               <a:solidFill>
                 <a:schemeClr val="tx1"/>
@@ -12077,13 +11641,35 @@
             </a:endParaRPr>
           </a:p>
           <a:p>
+            <a:r>
+              <a:rPr lang="en-IE" sz="1200" b="0" i="0" u="none" strike="noStrike" kern="1200" dirty="0">
+                <a:solidFill>
+                  <a:schemeClr val="tx1"/>
+                </a:solidFill>
+                <a:effectLst/>
+                <a:latin typeface="+mn-lt"/>
+                <a:ea typeface="+mn-ea"/>
+                <a:cs typeface="+mn-cs"/>
+              </a:rPr>
+              <a:t>You typically deploy Azure Firewall on a central virtual network to control general network access. With Azure Firewall you can configure:</a:t>
+            </a:r>
+          </a:p>
+          <a:p>
             <a:pPr marL="171450" indent="-171450">
               <a:buFont typeface="Arial" panose="020B0604020202020204" pitchFamily="34" charset="0"/>
               <a:buChar char="•"/>
             </a:pPr>
             <a:r>
-              <a:rPr lang="en-IE" dirty="0"/>
-              <a:t>Property Explanation </a:t>
+              <a:rPr lang="en-IE" sz="1200" b="0" i="0" u="none" strike="noStrike" kern="1200" dirty="0">
+                <a:solidFill>
+                  <a:schemeClr val="tx1"/>
+                </a:solidFill>
+                <a:effectLst/>
+                <a:latin typeface="+mn-lt"/>
+                <a:ea typeface="+mn-ea"/>
+                <a:cs typeface="+mn-cs"/>
+              </a:rPr>
+              <a:t>Application rules that define fully qualified domain names (FQDNs) that can be accessed from a subnet.</a:t>
             </a:r>
           </a:p>
           <a:p>
@@ -12092,164 +11678,24 @@
               <a:buChar char="•"/>
             </a:pPr>
             <a:r>
-              <a:rPr lang="en-IE" dirty="0">
+              <a:rPr lang="en-IE" sz="1200" b="0" i="0" u="none" strike="noStrike" kern="1200" dirty="0">
+                <a:solidFill>
+                  <a:schemeClr val="tx1"/>
+                </a:solidFill>
                 <a:effectLst/>
-              </a:rPr>
-              <a:t>Name</a:t>
-            </a:r>
-            <a:r>
-              <a:rPr lang="en-IE" dirty="0"/>
-              <a:t> &gt; &gt; </a:t>
-            </a:r>
-            <a:r>
-              <a:rPr lang="en-IE" dirty="0">
-                <a:effectLst/>
-              </a:rPr>
-              <a:t>Unique name of the NSG.</a:t>
-            </a:r>
-            <a:r>
-              <a:rPr lang="en-IE" dirty="0"/>
-              <a:t> </a:t>
-            </a:r>
-          </a:p>
-          <a:p>
-            <a:pPr marL="171450" indent="-171450">
+                <a:latin typeface="+mn-lt"/>
+                <a:ea typeface="+mn-ea"/>
+                <a:cs typeface="+mn-cs"/>
+              </a:rPr>
+              <a:t>Network rules that define source address, protocol, destination port, and destination address.</a:t>
+            </a:r>
+          </a:p>
+          <a:p>
+            <a:pPr marL="0" indent="0">
               <a:buFont typeface="Arial" panose="020B0604020202020204" pitchFamily="34" charset="0"/>
-              <a:buChar char="•"/>
+              <a:buNone/>
             </a:pPr>
-            <a:r>
-              <a:rPr lang="en-IE" dirty="0">
-                <a:effectLst/>
-              </a:rPr>
-              <a:t>Priority</a:t>
-            </a:r>
-            <a:r>
-              <a:rPr lang="en-IE" dirty="0"/>
-              <a:t> &gt; </a:t>
-            </a:r>
-            <a:r>
-              <a:rPr lang="en-IE" dirty="0">
-                <a:effectLst/>
-              </a:rPr>
-              <a:t>A number between 100 and 4096. Rules are processed in priority order, with lower numbers processed before higher numbers.</a:t>
-            </a:r>
-          </a:p>
-          <a:p>
-            <a:pPr marL="171450" indent="-171450">
-              <a:buFont typeface="Arial" panose="020B0604020202020204" pitchFamily="34" charset="0"/>
-              <a:buChar char="•"/>
-            </a:pPr>
-            <a:r>
-              <a:rPr lang="en-IE" dirty="0">
-                <a:effectLst/>
-              </a:rPr>
-              <a:t>Source or Destination</a:t>
-            </a:r>
-            <a:r>
-              <a:rPr lang="en-IE" dirty="0"/>
-              <a:t> &gt; </a:t>
-            </a:r>
-            <a:r>
-              <a:rPr lang="en-IE" dirty="0">
-                <a:effectLst/>
-              </a:rPr>
-              <a:t>Individual IP address or IP address range, service tag, or application security group.</a:t>
-            </a:r>
-            <a:r>
-              <a:rPr lang="en-IE" dirty="0"/>
-              <a:t> </a:t>
-            </a:r>
-          </a:p>
-          <a:p>
-            <a:pPr marL="171450" indent="-171450">
-              <a:buFont typeface="Arial" panose="020B0604020202020204" pitchFamily="34" charset="0"/>
-              <a:buChar char="•"/>
-            </a:pPr>
-            <a:r>
-              <a:rPr lang="en-IE" dirty="0">
-                <a:effectLst/>
-              </a:rPr>
-              <a:t>Protocol</a:t>
-            </a:r>
-            <a:r>
-              <a:rPr lang="en-IE" dirty="0"/>
-              <a:t> &gt; </a:t>
-            </a:r>
-            <a:r>
-              <a:rPr lang="en-IE" dirty="0">
-                <a:effectLst/>
-              </a:rPr>
-              <a:t>TCP, UDP, or Any</a:t>
-            </a:r>
-            <a:r>
-              <a:rPr lang="en-IE" dirty="0"/>
-              <a:t> </a:t>
-            </a:r>
-          </a:p>
-          <a:p>
-            <a:pPr marL="171450" indent="-171450">
-              <a:buFont typeface="Arial" panose="020B0604020202020204" pitchFamily="34" charset="0"/>
-              <a:buChar char="•"/>
-            </a:pPr>
-            <a:r>
-              <a:rPr lang="en-IE" dirty="0">
-                <a:effectLst/>
-              </a:rPr>
-              <a:t>Direction</a:t>
-            </a:r>
-            <a:r>
-              <a:rPr lang="en-IE" dirty="0"/>
-              <a:t>  &gt; </a:t>
-            </a:r>
-            <a:r>
-              <a:rPr lang="en-IE" dirty="0">
-                <a:effectLst/>
-              </a:rPr>
-              <a:t>Whether the rule applies to inbound or outbound traffic.</a:t>
-            </a:r>
-            <a:r>
-              <a:rPr lang="en-IE" dirty="0"/>
-              <a:t> </a:t>
-            </a:r>
-            <a:r>
-              <a:rPr lang="en-IE" dirty="0">
-                <a:effectLst/>
-              </a:rPr>
-              <a:t>Port Range</a:t>
-            </a:r>
-            <a:r>
-              <a:rPr lang="en-IE" dirty="0"/>
-              <a:t> </a:t>
-            </a:r>
-            <a:r>
-              <a:rPr lang="en-IE" dirty="0">
-                <a:effectLst/>
-              </a:rPr>
-              <a:t>An individual or range of ports.</a:t>
-            </a:r>
-            <a:r>
-              <a:rPr lang="en-IE" dirty="0"/>
-              <a:t> </a:t>
-            </a:r>
-            <a:r>
-              <a:rPr lang="en-IE" dirty="0">
-                <a:effectLst/>
-              </a:rPr>
-              <a:t>Action</a:t>
-            </a:r>
-            <a:r>
-              <a:rPr lang="en-IE" dirty="0"/>
-              <a:t> </a:t>
-            </a:r>
-            <a:r>
-              <a:rPr lang="en-IE" dirty="0">
-                <a:effectLst/>
-              </a:rPr>
-              <a:t>Allow or deny</a:t>
-            </a:r>
-          </a:p>
-          <a:p>
-            <a:endParaRPr lang="en-IE" sz="1200" kern="1200" dirty="0">
+            <a:endParaRPr lang="en-IE" sz="1200" b="0" i="0" u="none" strike="noStrike" kern="1200" dirty="0">
               <a:solidFill>
                 <a:schemeClr val="tx1"/>
               </a:solidFill>
@@ -12260,6 +11706,10 @@
             </a:endParaRPr>
           </a:p>
           <a:p>
+            <a:pPr marL="0" indent="0">
+              <a:buFont typeface="Arial" panose="020B0604020202020204" pitchFamily="34" charset="0"/>
+              <a:buNone/>
+            </a:pPr>
             <a:r>
               <a:rPr lang="en-IE" sz="1200" b="0" i="0" u="none" strike="noStrike" kern="1200" dirty="0">
                 <a:solidFill>
@@ -12270,10 +11720,20 @@
                 <a:ea typeface="+mn-ea"/>
                 <a:cs typeface="+mn-cs"/>
               </a:rPr>
-              <a:t>You can read more about NSGs on the https://docs.microsoft.com/en-us/azure/virtual-network/security-overview#network-security-groups</a:t>
-            </a:r>
-          </a:p>
-          <a:p>
+              <a:t>Application Gateway also provides a firewall, the </a:t>
+            </a:r>
+            <a:r>
+              <a:rPr lang="en-IE" sz="1200" b="0" i="1" u="none" strike="noStrike" kern="1200" dirty="0">
+                <a:solidFill>
+                  <a:schemeClr val="tx1"/>
+                </a:solidFill>
+                <a:effectLst/>
+                <a:latin typeface="+mn-lt"/>
+                <a:ea typeface="+mn-ea"/>
+                <a:cs typeface="+mn-cs"/>
+              </a:rPr>
+              <a:t>web application firewall</a:t>
+            </a:r>
             <a:r>
               <a:rPr lang="en-IE" sz="1200" b="0" i="0" u="none" strike="noStrike" kern="1200" dirty="0">
                 <a:solidFill>
@@ -12284,9 +11744,115 @@
                 <a:ea typeface="+mn-ea"/>
                 <a:cs typeface="+mn-cs"/>
               </a:rPr>
-              <a:t>page.</a:t>
-            </a:r>
-            <a:endParaRPr lang="en-IE" sz="1200" kern="1200" dirty="0">
+              <a:t> (WAF). This is different to Azure Firewall. WAF provides centralized inbound protection of your web applications from common exploits and vulnerabilities, whereas Azure Firewall provides: </a:t>
+            </a:r>
+          </a:p>
+          <a:p>
+            <a:pPr marL="171450" indent="-171450">
+              <a:buFont typeface="Arial" panose="020B0604020202020204" pitchFamily="34" charset="0"/>
+              <a:buChar char="•"/>
+            </a:pPr>
+            <a:r>
+              <a:rPr lang="en-IE" sz="1200" b="0" i="0" u="none" strike="noStrike" kern="1200" dirty="0">
+                <a:solidFill>
+                  <a:schemeClr val="tx1"/>
+                </a:solidFill>
+                <a:effectLst/>
+                <a:latin typeface="+mn-lt"/>
+                <a:ea typeface="+mn-ea"/>
+                <a:cs typeface="+mn-cs"/>
+              </a:rPr>
+              <a:t>Inbound protection for non-HTTP/S protocols (for example, </a:t>
+            </a:r>
+          </a:p>
+          <a:p>
+            <a:pPr marL="171450" indent="-171450">
+              <a:buFont typeface="Arial" panose="020B0604020202020204" pitchFamily="34" charset="0"/>
+              <a:buChar char="•"/>
+            </a:pPr>
+            <a:r>
+              <a:rPr lang="en-IE" sz="1200" b="0" i="0" u="none" strike="noStrike" kern="1200" dirty="0">
+                <a:solidFill>
+                  <a:schemeClr val="tx1"/>
+                </a:solidFill>
+                <a:effectLst/>
+                <a:latin typeface="+mn-lt"/>
+                <a:ea typeface="+mn-ea"/>
+                <a:cs typeface="+mn-cs"/>
+              </a:rPr>
+              <a:t>Remote Desktop Protocol (RDP), Secure Shell (SSH), </a:t>
+            </a:r>
+          </a:p>
+          <a:p>
+            <a:pPr marL="171450" indent="-171450">
+              <a:buFont typeface="Arial" panose="020B0604020202020204" pitchFamily="34" charset="0"/>
+              <a:buChar char="•"/>
+            </a:pPr>
+            <a:r>
+              <a:rPr lang="en-IE" sz="1200" b="0" i="0" u="none" strike="noStrike" kern="1200" dirty="0">
+                <a:solidFill>
+                  <a:schemeClr val="tx1"/>
+                </a:solidFill>
+                <a:effectLst/>
+                <a:latin typeface="+mn-lt"/>
+                <a:ea typeface="+mn-ea"/>
+                <a:cs typeface="+mn-cs"/>
+              </a:rPr>
+              <a:t>File Transfer Protocol (FTP)), </a:t>
+            </a:r>
+          </a:p>
+          <a:p>
+            <a:pPr marL="171450" indent="-171450">
+              <a:buFont typeface="Arial" panose="020B0604020202020204" pitchFamily="34" charset="0"/>
+              <a:buChar char="•"/>
+            </a:pPr>
+            <a:r>
+              <a:rPr lang="en-IE" sz="1200" b="0" i="0" u="none" strike="noStrike" kern="1200" dirty="0">
+                <a:solidFill>
+                  <a:schemeClr val="tx1"/>
+                </a:solidFill>
+                <a:effectLst/>
+                <a:latin typeface="+mn-lt"/>
+                <a:ea typeface="+mn-ea"/>
+                <a:cs typeface="+mn-cs"/>
+              </a:rPr>
+              <a:t>Outbound network-level protection for all ports and protocols </a:t>
+            </a:r>
+          </a:p>
+          <a:p>
+            <a:pPr marL="171450" indent="-171450">
+              <a:buFont typeface="Arial" panose="020B0604020202020204" pitchFamily="34" charset="0"/>
+              <a:buChar char="•"/>
+            </a:pPr>
+            <a:r>
+              <a:rPr lang="en-IE" sz="1200" b="0" i="0" u="none" strike="noStrike" kern="1200" dirty="0">
+                <a:solidFill>
+                  <a:schemeClr val="tx1"/>
+                </a:solidFill>
+                <a:effectLst/>
+                <a:latin typeface="+mn-lt"/>
+                <a:ea typeface="+mn-ea"/>
+                <a:cs typeface="+mn-cs"/>
+              </a:rPr>
+              <a:t>Application-level protection for outbound HTTP/S.</a:t>
+            </a:r>
+          </a:p>
+          <a:p>
+            <a:r>
+              <a:rPr lang="en-IE" sz="1200" b="0" i="0" u="none" strike="noStrike" kern="1200" dirty="0">
+                <a:solidFill>
+                  <a:schemeClr val="tx1"/>
+                </a:solidFill>
+                <a:effectLst/>
+                <a:latin typeface="+mn-lt"/>
+                <a:ea typeface="+mn-ea"/>
+                <a:cs typeface="+mn-cs"/>
+              </a:rPr>
+              <a:t> Because Azure Firewall has more functionality available to it, it is intended for different use cases.</a:t>
+            </a:r>
+          </a:p>
+          <a:p>
+            <a:endParaRPr lang="en-IE" sz="1200" b="0" i="0" u="none" strike="noStrike" kern="1200" dirty="0">
               <a:solidFill>
                 <a:schemeClr val="tx1"/>
               </a:solidFill>
@@ -12295,6 +11861,20 @@
               <a:ea typeface="+mn-ea"/>
               <a:cs typeface="+mn-cs"/>
             </a:endParaRPr>
+          </a:p>
+          <a:p>
+            <a:r>
+              <a:rPr lang="en-IE" sz="1200" b="0" i="0" u="none" strike="noStrike" kern="1200" dirty="0">
+                <a:solidFill>
+                  <a:schemeClr val="tx1"/>
+                </a:solidFill>
+                <a:effectLst/>
+                <a:latin typeface="+mn-lt"/>
+                <a:ea typeface="+mn-ea"/>
+                <a:cs typeface="+mn-cs"/>
+              </a:rPr>
+              <a:t>For more details, see https://azure.microsoft.com/en-us/services/azure-firewall/ page.</a:t>
+            </a:r>
           </a:p>
         </p:txBody>
       </p:sp>
@@ -12372,7 +11952,7 @@
           <a:p>
             <a:fld id="{386CE63F-9E7F-4C04-9D0D-FCA25A8E9E86}" type="datetime8">
               <a:rPr lang="en-US" smtClean="0"/>
-              <a:t>10/1/2019 2:41 PM</a:t>
+              <a:t>12/16/2019 10:46 PM</a:t>
             </a:fld>
             <a:endParaRPr lang="en-US" dirty="0"/>
           </a:p>
@@ -12405,7 +11985,7 @@
     </p:spTree>
     <p:extLst>
       <p:ext uri="{BB962C8B-B14F-4D97-AF65-F5344CB8AC3E}">
-        <p14:creationId xmlns:p14="http://schemas.microsoft.com/office/powerpoint/2010/main" val="702812395"/>
+        <p14:creationId xmlns:p14="http://schemas.microsoft.com/office/powerpoint/2010/main" val="1679847060"/>
       </p:ext>
     </p:extLst>
   </p:cSld>
@@ -12459,53 +12039,130 @@
           <a:bodyPr/>
           <a:lstStyle/>
           <a:p>
-            <a:endParaRPr lang="en-IE" sz="900" b="0" i="0" u="none" strike="noStrike" kern="1200" dirty="0">
+            <a:r>
+              <a:rPr lang="en-IE" sz="1200" b="0" i="0" u="none" strike="noStrike" kern="1200" dirty="0">
+                <a:solidFill>
+                  <a:schemeClr val="tx1"/>
+                </a:solidFill>
+                <a:effectLst/>
+                <a:latin typeface="+mn-lt"/>
+                <a:ea typeface="+mn-ea"/>
+                <a:cs typeface="+mn-cs"/>
+              </a:rPr>
+              <a:t>DDoS standard protection can mitigate the following types of attacks:</a:t>
+            </a:r>
+          </a:p>
+          <a:p>
+            <a:pPr marL="171450" indent="-171450">
+              <a:buFont typeface="Arial" panose="020B0604020202020204" pitchFamily="34" charset="0"/>
+              <a:buChar char="•"/>
+            </a:pPr>
+            <a:r>
+              <a:rPr lang="en-IE" sz="1200" b="0" i="0" u="none" strike="noStrike" kern="1200" dirty="0">
+                <a:solidFill>
+                  <a:schemeClr val="tx1"/>
+                </a:solidFill>
+                <a:effectLst/>
+                <a:latin typeface="+mn-lt"/>
+                <a:ea typeface="+mn-ea"/>
+                <a:cs typeface="+mn-cs"/>
+              </a:rPr>
+              <a:t>Volumetric attacks. The attack's goal is to flood the network layer with a substantial amount of seemingly legitimate traffic.</a:t>
+            </a:r>
+          </a:p>
+          <a:p>
+            <a:pPr marL="171450" indent="-171450">
+              <a:buFont typeface="Arial" panose="020B0604020202020204" pitchFamily="34" charset="0"/>
+              <a:buChar char="•"/>
+            </a:pPr>
+            <a:r>
+              <a:rPr lang="en-IE" sz="1200" b="0" i="0" u="none" strike="noStrike" kern="1200" dirty="0">
+                <a:solidFill>
+                  <a:schemeClr val="tx1"/>
+                </a:solidFill>
+                <a:effectLst/>
+                <a:latin typeface="+mn-lt"/>
+                <a:ea typeface="+mn-ea"/>
+                <a:cs typeface="+mn-cs"/>
+              </a:rPr>
+              <a:t>Protocol attacks. These attacks render a target inaccessible, by exploiting a weakness in the layer 3 and layer 4 protocol stack.</a:t>
+            </a:r>
+          </a:p>
+          <a:p>
+            <a:pPr marL="171450" indent="-171450">
+              <a:buFont typeface="Arial" panose="020B0604020202020204" pitchFamily="34" charset="0"/>
+              <a:buChar char="•"/>
+            </a:pPr>
+            <a:r>
+              <a:rPr lang="en-IE" sz="1200" b="0" i="0" u="none" strike="noStrike" kern="1200" dirty="0">
+                <a:solidFill>
+                  <a:schemeClr val="tx1"/>
+                </a:solidFill>
+                <a:effectLst/>
+                <a:latin typeface="+mn-lt"/>
+                <a:ea typeface="+mn-ea"/>
+                <a:cs typeface="+mn-cs"/>
+              </a:rPr>
+              <a:t>Resource (application) layer attacks. These attacks target web application packets to disrupt the transmission of data between hosts.</a:t>
+            </a:r>
+          </a:p>
+          <a:p>
+            <a:endParaRPr lang="en-IE" sz="1200" b="1" kern="1200" dirty="0">
               <a:solidFill>
                 <a:schemeClr val="tx1"/>
               </a:solidFill>
               <a:effectLst/>
-              <a:latin typeface="Segoe UI Light" pitchFamily="34" charset="0"/>
+              <a:latin typeface="+mn-lt"/>
               <a:ea typeface="+mn-ea"/>
               <a:cs typeface="+mn-cs"/>
             </a:endParaRPr>
           </a:p>
           <a:p>
             <a:r>
-              <a:rPr lang="en-IE" sz="900" b="0" i="0" u="none" strike="noStrike" kern="1200" dirty="0">
+              <a:rPr lang="en-IE" sz="1200" b="1" kern="1200" dirty="0">
                 <a:solidFill>
                   <a:schemeClr val="tx1"/>
                 </a:solidFill>
                 <a:effectLst/>
-                <a:latin typeface="Segoe UI Light" pitchFamily="34" charset="0"/>
-                <a:ea typeface="+mn-ea"/>
-                <a:cs typeface="+mn-cs"/>
-              </a:rPr>
-              <a:t>For details about</a:t>
-            </a:r>
-            <a:r>
-              <a:rPr lang="en-IE" sz="900" b="0" i="0" u="none" strike="noStrike" kern="1200" baseline="0" dirty="0">
+                <a:latin typeface="+mn-lt"/>
+                <a:ea typeface="+mn-ea"/>
+                <a:cs typeface="+mn-cs"/>
+              </a:rPr>
+              <a:t>Note</a:t>
+            </a:r>
+            <a:r>
+              <a:rPr lang="en-IE" sz="1200" kern="1200" dirty="0">
                 <a:solidFill>
                   <a:schemeClr val="tx1"/>
                 </a:solidFill>
                 <a:effectLst/>
-                <a:latin typeface="Segoe UI Light" pitchFamily="34" charset="0"/>
-                <a:ea typeface="+mn-ea"/>
-                <a:cs typeface="+mn-cs"/>
-              </a:rPr>
-              <a:t> A</a:t>
-            </a:r>
-            <a:r>
-              <a:rPr lang="en-IE" sz="900" b="0" i="0" u="none" strike="noStrike" kern="1200" dirty="0">
+                <a:latin typeface="+mn-lt"/>
+                <a:ea typeface="+mn-ea"/>
+                <a:cs typeface="+mn-cs"/>
+              </a:rPr>
+              <a:t>: You can read more about Azure DDoS Protection from the page </a:t>
+            </a:r>
+            <a:r>
+              <a:rPr lang="en-IE" sz="1200" b="0" i="0" u="none" strike="noStrike" kern="1200" dirty="0">
                 <a:solidFill>
                   <a:schemeClr val="tx1"/>
                 </a:solidFill>
                 <a:effectLst/>
-                <a:latin typeface="Segoe UI Light" pitchFamily="34" charset="0"/>
-                <a:ea typeface="+mn-ea"/>
-                <a:cs typeface="+mn-cs"/>
-              </a:rPr>
-              <a:t>SG, see : https://docs.microsoft.com/en-us/azure/virtual-network/security-overview#application-security-groups</a:t>
-            </a:r>
+                <a:latin typeface="+mn-lt"/>
+                <a:ea typeface="+mn-ea"/>
+                <a:cs typeface="+mn-cs"/>
+              </a:rPr>
+              <a:t>https://azure.microsoft.com/en-us/services/ddos-protection/</a:t>
+            </a:r>
+            <a:endParaRPr lang="en-IE" sz="1200" kern="1200" dirty="0">
+              <a:solidFill>
+                <a:schemeClr val="tx1"/>
+              </a:solidFill>
+              <a:effectLst/>
+              <a:latin typeface="+mn-lt"/>
+              <a:ea typeface="+mn-ea"/>
+              <a:cs typeface="+mn-cs"/>
+            </a:endParaRPr>
           </a:p>
         </p:txBody>
       </p:sp>
@@ -12516,7 +12173,7 @@
             <a:spLocks noGrp="1"/>
           </p:cNvSpPr>
           <p:nvPr>
-            <p:ph type="hdr" sz="quarter" idx="10"/>
+            <p:ph type="hdr" sz="quarter"/>
           </p:nvPr>
         </p:nvSpPr>
         <p:spPr/>
@@ -12535,7 +12192,7 @@
             <a:spLocks noGrp="1"/>
           </p:cNvSpPr>
           <p:nvPr>
-            <p:ph type="ftr" sz="quarter" idx="11"/>
+            <p:ph type="ftr" sz="quarter" idx="4"/>
           </p:nvPr>
         </p:nvSpPr>
         <p:spPr/>
@@ -12573,7 +12230,7 @@
             <a:spLocks noGrp="1"/>
           </p:cNvSpPr>
           <p:nvPr>
-            <p:ph type="dt" idx="12"/>
+            <p:ph type="dt" idx="1"/>
           </p:nvPr>
         </p:nvSpPr>
         <p:spPr/>
@@ -12581,9 +12238,9 @@
           <a:bodyPr/>
           <a:lstStyle/>
           <a:p>
-            <a:fld id="{9427A7F7-BB1E-479D-AFAA-B52F4D0C99F2}" type="datetime8">
+            <a:fld id="{386CE63F-9E7F-4C04-9D0D-FCA25A8E9E86}" type="datetime8">
               <a:rPr lang="en-US" smtClean="0"/>
-              <a:t>10/1/2019 2:42 PM</a:t>
+              <a:t>12/16/2019 10:46 PM</a:t>
             </a:fld>
             <a:endParaRPr lang="en-US" dirty="0"/>
           </a:p>
@@ -12596,7 +12253,7 @@
             <a:spLocks noGrp="1"/>
           </p:cNvSpPr>
           <p:nvPr>
-            <p:ph type="sldNum" sz="quarter" idx="13"/>
+            <p:ph type="sldNum" sz="quarter" idx="5"/>
           </p:nvPr>
         </p:nvSpPr>
         <p:spPr/>
@@ -12616,7 +12273,7 @@
     </p:spTree>
     <p:extLst>
       <p:ext uri="{BB962C8B-B14F-4D97-AF65-F5344CB8AC3E}">
-        <p14:creationId xmlns:p14="http://schemas.microsoft.com/office/powerpoint/2010/main" val="4139056591"/>
+        <p14:creationId xmlns:p14="http://schemas.microsoft.com/office/powerpoint/2010/main" val="591890538"/>
       </p:ext>
     </p:extLst>
   </p:cSld>
@@ -12670,35 +12327,249 @@
           <a:bodyPr/>
           <a:lstStyle/>
           <a:p>
-            <a:pPr marL="0" marR="0" lvl="0" indent="0" algn="l" defTabSz="914367" rtl="0" eaLnBrk="1" fontAlgn="auto" latinLnBrk="0" hangingPunct="1">
-              <a:lnSpc>
-                <a:spcPct val="90000"/>
-              </a:lnSpc>
-              <a:spcBef>
-                <a:spcPts val="0"/>
-              </a:spcBef>
-              <a:spcAft>
-                <a:spcPts val="333"/>
-              </a:spcAft>
-              <a:buClrTx/>
-              <a:buSzTx/>
-              <a:buFontTx/>
-              <a:buNone/>
-              <a:tabLst/>
-              <a:defRPr/>
+            <a:r>
+              <a:rPr lang="en-IE" sz="1200" b="0" i="0" u="none" strike="noStrike" kern="1200" dirty="0">
+                <a:solidFill>
+                  <a:schemeClr val="tx1"/>
+                </a:solidFill>
+                <a:effectLst/>
+                <a:latin typeface="+mn-lt"/>
+                <a:ea typeface="+mn-ea"/>
+                <a:cs typeface="+mn-cs"/>
+              </a:rPr>
+              <a:t>Each rule specifies the following properties:</a:t>
+            </a:r>
+          </a:p>
+          <a:p>
+            <a:endParaRPr lang="en-IE" sz="1200" b="0" i="0" u="none" strike="noStrike" kern="1200" dirty="0">
+              <a:solidFill>
+                <a:schemeClr val="tx1"/>
+              </a:solidFill>
+              <a:effectLst/>
+              <a:latin typeface="+mn-lt"/>
+              <a:ea typeface="+mn-ea"/>
+              <a:cs typeface="+mn-cs"/>
+            </a:endParaRPr>
+          </a:p>
+          <a:p>
+            <a:pPr marL="171450" indent="-171450">
+              <a:buFont typeface="Arial" panose="020B0604020202020204" pitchFamily="34" charset="0"/>
+              <a:buChar char="•"/>
             </a:pPr>
             <a:r>
-              <a:rPr lang="en-US" sz="900" b="0" i="0" u="none" strike="noStrike" kern="1200" dirty="0">
-                <a:solidFill>
-                  <a:schemeClr val="tx1"/>
-                </a:solidFill>
+              <a:rPr lang="en-IE" dirty="0"/>
+              <a:t>Property Explanation </a:t>
+            </a:r>
+          </a:p>
+          <a:p>
+            <a:pPr marL="171450" indent="-171450">
+              <a:buFont typeface="Arial" panose="020B0604020202020204" pitchFamily="34" charset="0"/>
+              <a:buChar char="•"/>
+            </a:pPr>
+            <a:r>
+              <a:rPr lang="en-IE" dirty="0">
                 <a:effectLst/>
-                <a:latin typeface="Segoe UI Light" pitchFamily="34" charset="0"/>
-                <a:ea typeface="+mn-ea"/>
-                <a:cs typeface="+mn-cs"/>
-              </a:rPr>
-              <a:t>This is conceptual, to be kept high level, explaining how security options can be targeted at each layer. We will discuss two layers in more depth in the next slide.</a:t>
-            </a:r>
+              </a:rPr>
+              <a:t>Name</a:t>
+            </a:r>
+            <a:r>
+              <a:rPr lang="en-IE" dirty="0"/>
+              <a:t> &gt; &gt; </a:t>
+            </a:r>
+            <a:r>
+              <a:rPr lang="en-IE" dirty="0">
+                <a:effectLst/>
+              </a:rPr>
+              <a:t>Unique name of the NSG.</a:t>
+            </a:r>
+            <a:r>
+              <a:rPr lang="en-IE" dirty="0"/>
+              <a:t> </a:t>
+            </a:r>
+          </a:p>
+          <a:p>
+            <a:pPr marL="171450" indent="-171450">
+              <a:buFont typeface="Arial" panose="020B0604020202020204" pitchFamily="34" charset="0"/>
+              <a:buChar char="•"/>
+            </a:pPr>
+            <a:r>
+              <a:rPr lang="en-IE" dirty="0">
+                <a:effectLst/>
+              </a:rPr>
+              <a:t>Priority</a:t>
+            </a:r>
+            <a:r>
+              <a:rPr lang="en-IE" dirty="0"/>
+              <a:t> &gt; </a:t>
+            </a:r>
+            <a:r>
+              <a:rPr lang="en-IE" dirty="0">
+                <a:effectLst/>
+              </a:rPr>
+              <a:t>A number between 100 and 4096. Rules are processed in priority order, with lower numbers processed before higher numbers.</a:t>
+            </a:r>
+          </a:p>
+          <a:p>
+            <a:pPr marL="171450" indent="-171450">
+              <a:buFont typeface="Arial" panose="020B0604020202020204" pitchFamily="34" charset="0"/>
+              <a:buChar char="•"/>
+            </a:pPr>
+            <a:r>
+              <a:rPr lang="en-IE" dirty="0">
+                <a:effectLst/>
+              </a:rPr>
+              <a:t>Source or Destination</a:t>
+            </a:r>
+            <a:r>
+              <a:rPr lang="en-IE" dirty="0"/>
+              <a:t> &gt; </a:t>
+            </a:r>
+            <a:r>
+              <a:rPr lang="en-IE" dirty="0">
+                <a:effectLst/>
+              </a:rPr>
+              <a:t>Individual IP address or IP address range, service tag, or application security group.</a:t>
+            </a:r>
+            <a:r>
+              <a:rPr lang="en-IE" dirty="0"/>
+              <a:t> </a:t>
+            </a:r>
+          </a:p>
+          <a:p>
+            <a:pPr marL="171450" indent="-171450">
+              <a:buFont typeface="Arial" panose="020B0604020202020204" pitchFamily="34" charset="0"/>
+              <a:buChar char="•"/>
+            </a:pPr>
+            <a:r>
+              <a:rPr lang="en-IE" dirty="0">
+                <a:effectLst/>
+              </a:rPr>
+              <a:t>Protocol</a:t>
+            </a:r>
+            <a:r>
+              <a:rPr lang="en-IE" dirty="0"/>
+              <a:t> &gt; </a:t>
+            </a:r>
+            <a:r>
+              <a:rPr lang="en-IE" dirty="0">
+                <a:effectLst/>
+              </a:rPr>
+              <a:t>TCP, UDP, or Any</a:t>
+            </a:r>
+            <a:r>
+              <a:rPr lang="en-IE" dirty="0"/>
+              <a:t> </a:t>
+            </a:r>
+          </a:p>
+          <a:p>
+            <a:pPr marL="171450" indent="-171450">
+              <a:buFont typeface="Arial" panose="020B0604020202020204" pitchFamily="34" charset="0"/>
+              <a:buChar char="•"/>
+            </a:pPr>
+            <a:r>
+              <a:rPr lang="en-IE" dirty="0">
+                <a:effectLst/>
+              </a:rPr>
+              <a:t>Direction</a:t>
+            </a:r>
+            <a:r>
+              <a:rPr lang="en-IE" dirty="0"/>
+              <a:t>  &gt; </a:t>
+            </a:r>
+            <a:r>
+              <a:rPr lang="en-IE" dirty="0">
+                <a:effectLst/>
+              </a:rPr>
+              <a:t>Whether the rule applies to inbound or outbound traffic.</a:t>
+            </a:r>
+            <a:r>
+              <a:rPr lang="en-IE" dirty="0"/>
+              <a:t> </a:t>
+            </a:r>
+            <a:r>
+              <a:rPr lang="en-IE" dirty="0">
+                <a:effectLst/>
+              </a:rPr>
+              <a:t>Port Range</a:t>
+            </a:r>
+            <a:r>
+              <a:rPr lang="en-IE" dirty="0"/>
+              <a:t> </a:t>
+            </a:r>
+            <a:r>
+              <a:rPr lang="en-IE" dirty="0">
+                <a:effectLst/>
+              </a:rPr>
+              <a:t>An individual or range of ports.</a:t>
+            </a:r>
+            <a:r>
+              <a:rPr lang="en-IE" dirty="0"/>
+              <a:t> </a:t>
+            </a:r>
+            <a:r>
+              <a:rPr lang="en-IE" dirty="0">
+                <a:effectLst/>
+              </a:rPr>
+              <a:t>Action</a:t>
+            </a:r>
+            <a:r>
+              <a:rPr lang="en-IE" dirty="0"/>
+              <a:t> </a:t>
+            </a:r>
+            <a:r>
+              <a:rPr lang="en-IE" dirty="0">
+                <a:effectLst/>
+              </a:rPr>
+              <a:t>Allow or deny</a:t>
+            </a:r>
+          </a:p>
+          <a:p>
+            <a:endParaRPr lang="en-IE" sz="1200" kern="1200" dirty="0">
+              <a:solidFill>
+                <a:schemeClr val="tx1"/>
+              </a:solidFill>
+              <a:effectLst/>
+              <a:latin typeface="+mn-lt"/>
+              <a:ea typeface="+mn-ea"/>
+              <a:cs typeface="+mn-cs"/>
+            </a:endParaRPr>
+          </a:p>
+          <a:p>
+            <a:r>
+              <a:rPr lang="en-IE" sz="1200" b="0" i="0" u="none" strike="noStrike" kern="1200" dirty="0">
+                <a:solidFill>
+                  <a:schemeClr val="tx1"/>
+                </a:solidFill>
+                <a:effectLst/>
+                <a:latin typeface="+mn-lt"/>
+                <a:ea typeface="+mn-ea"/>
+                <a:cs typeface="+mn-cs"/>
+              </a:rPr>
+              <a:t>You can read more about NSGs on the https://docs.microsoft.com/en-us/azure/virtual-network/security-overview#network-security-groups</a:t>
+            </a:r>
+          </a:p>
+          <a:p>
+            <a:r>
+              <a:rPr lang="en-IE" sz="1200" b="0" i="0" u="none" strike="noStrike" kern="1200" dirty="0">
+                <a:solidFill>
+                  <a:schemeClr val="tx1"/>
+                </a:solidFill>
+                <a:effectLst/>
+                <a:latin typeface="+mn-lt"/>
+                <a:ea typeface="+mn-ea"/>
+                <a:cs typeface="+mn-cs"/>
+              </a:rPr>
+              <a:t>page.</a:t>
+            </a:r>
+            <a:endParaRPr lang="en-IE" sz="1200" kern="1200" dirty="0">
+              <a:solidFill>
+                <a:schemeClr val="tx1"/>
+              </a:solidFill>
+              <a:effectLst/>
+              <a:latin typeface="+mn-lt"/>
+              <a:ea typeface="+mn-ea"/>
+              <a:cs typeface="+mn-cs"/>
+            </a:endParaRPr>
           </a:p>
         </p:txBody>
       </p:sp>
@@ -12709,7 +12580,7 @@
             <a:spLocks noGrp="1"/>
           </p:cNvSpPr>
           <p:nvPr>
-            <p:ph type="hdr" sz="quarter" idx="10"/>
+            <p:ph type="hdr" sz="quarter"/>
           </p:nvPr>
         </p:nvSpPr>
         <p:spPr/>
@@ -12728,7 +12599,7 @@
             <a:spLocks noGrp="1"/>
           </p:cNvSpPr>
           <p:nvPr>
-            <p:ph type="ftr" sz="quarter" idx="11"/>
+            <p:ph type="ftr" sz="quarter" idx="4"/>
           </p:nvPr>
         </p:nvSpPr>
         <p:spPr/>
@@ -12766,7 +12637,7 @@
             <a:spLocks noGrp="1"/>
           </p:cNvSpPr>
           <p:nvPr>
-            <p:ph type="dt" idx="12"/>
+            <p:ph type="dt" idx="1"/>
           </p:nvPr>
         </p:nvSpPr>
         <p:spPr/>
@@ -12774,9 +12645,9 @@
           <a:bodyPr/>
           <a:lstStyle/>
           <a:p>
-            <a:fld id="{9427A7F7-BB1E-479D-AFAA-B52F4D0C99F2}" type="datetime8">
+            <a:fld id="{386CE63F-9E7F-4C04-9D0D-FCA25A8E9E86}" type="datetime8">
               <a:rPr lang="en-US" smtClean="0"/>
-              <a:t>10/1/2019 2:43 PM</a:t>
+              <a:t>12/16/2019 10:46 PM</a:t>
             </a:fld>
             <a:endParaRPr lang="en-US" dirty="0"/>
           </a:p>
@@ -12789,7 +12660,7 @@
             <a:spLocks noGrp="1"/>
           </p:cNvSpPr>
           <p:nvPr>
-            <p:ph type="sldNum" sz="quarter" idx="13"/>
+            <p:ph type="sldNum" sz="quarter" idx="5"/>
           </p:nvPr>
         </p:nvSpPr>
         <p:spPr/>
@@ -12809,7 +12680,7 @@
     </p:spTree>
     <p:extLst>
       <p:ext uri="{BB962C8B-B14F-4D97-AF65-F5344CB8AC3E}">
-        <p14:creationId xmlns:p14="http://schemas.microsoft.com/office/powerpoint/2010/main" val="576915161"/>
+        <p14:creationId xmlns:p14="http://schemas.microsoft.com/office/powerpoint/2010/main" val="702812395"/>
       </p:ext>
     </p:extLst>
   </p:cSld>
@@ -14182,7 +14053,7 @@
           <a:p>
             <a:fld id="{FFDB6D7C-7927-4CBB-8A3C-B48A277CE5CB}" type="datetimeFigureOut">
               <a:rPr lang="en-US" smtClean="0"/>
-              <a:t>10/1/2019</a:t>
+              <a:t>12/16/2019</a:t>
             </a:fld>
             <a:endParaRPr lang="en-US" dirty="0"/>
           </a:p>
@@ -14236,7 +14107,7 @@
           <a:p>
             <a:fld id="{4AA648C3-0431-4A67-B30B-7E65BA631734}" type="slidenum">
               <a:rPr lang="en-US" smtClean="0"/>
-              <a:t>‹Nr.›</a:t>
+              <a:t>‹#›</a:t>
             </a:fld>
             <a:endParaRPr lang="en-US" dirty="0"/>
           </a:p>
@@ -14323,7 +14194,7 @@
           <a:p>
             <a:fld id="{FFDB6D7C-7927-4CBB-8A3C-B48A277CE5CB}" type="datetimeFigureOut">
               <a:rPr lang="en-US" smtClean="0"/>
-              <a:t>10/1/2019</a:t>
+              <a:t>12/16/2019</a:t>
             </a:fld>
             <a:endParaRPr lang="en-US" dirty="0"/>
           </a:p>
@@ -14377,7 +14248,7 @@
           <a:p>
             <a:fld id="{4AA648C3-0431-4A67-B30B-7E65BA631734}" type="slidenum">
               <a:rPr lang="en-US" smtClean="0"/>
-              <a:t>‹Nr.›</a:t>
+              <a:t>‹#›</a:t>
             </a:fld>
             <a:endParaRPr lang="en-US" dirty="0"/>
           </a:p>
@@ -18386,150 +18257,374 @@
       </p:grpSpPr>
       <p:sp>
         <p:nvSpPr>
-          <p:cNvPr id="2" name="Title 1">
+          <p:cNvPr id="17" name="Title 16"/>
+          <p:cNvSpPr>
+            <a:spLocks noGrp="1"/>
+          </p:cNvSpPr>
+          <p:nvPr>
+            <p:ph type="title"/>
+          </p:nvPr>
+        </p:nvSpPr>
+        <p:spPr/>
+        <p:txBody>
+          <a:bodyPr/>
+          <a:lstStyle/>
+          <a:p>
+            <a:r>
+              <a:rPr lang="en-US" noProof="0" dirty="0"/>
+              <a:t>Application Security Groups</a:t>
+            </a:r>
+          </a:p>
+        </p:txBody>
+      </p:sp>
+      <p:sp>
+        <p:nvSpPr>
+          <p:cNvPr id="6" name="Text Placeholder 5"/>
+          <p:cNvSpPr>
+            <a:spLocks noGrp="1"/>
+          </p:cNvSpPr>
+          <p:nvPr>
+            <p:ph type="body" sz="quarter" idx="10"/>
+          </p:nvPr>
+        </p:nvSpPr>
+        <p:spPr/>
+        <p:txBody>
+          <a:bodyPr/>
+          <a:lstStyle/>
+          <a:p>
+            <a:pPr marL="0" indent="0">
+              <a:buNone/>
+            </a:pPr>
+            <a:r>
+              <a:rPr lang="en-IE" dirty="0"/>
+              <a:t>Provides for the grouping of servers with similar port filtering requirements, and group together servers with similar functions, such as web servers</a:t>
+            </a:r>
+          </a:p>
+        </p:txBody>
+      </p:sp>
+      <p:sp>
+        <p:nvSpPr>
+          <p:cNvPr id="5" name="Text Placeholder 5"/>
+          <p:cNvSpPr txBox="1">
+            <a:spLocks/>
+          </p:cNvSpPr>
+          <p:nvPr/>
+        </p:nvSpPr>
+        <p:spPr>
+          <a:xfrm>
+            <a:off x="2396853" y="3237218"/>
+            <a:ext cx="9793699" cy="2574140"/>
+          </a:xfrm>
+          <a:prstGeom prst="rect">
+            <a:avLst/>
+          </a:prstGeom>
+        </p:spPr>
+        <p:txBody>
+          <a:bodyPr vert="horz" wrap="square" lIns="0" tIns="0" rIns="0" bIns="0" rtlCol="0">
+            <a:spAutoFit/>
+          </a:bodyPr>
+          <a:lstStyle>
+            <a:lvl1pPr marL="228600" marR="0" indent="-228600" algn="l" defTabSz="932742" rtl="0" eaLnBrk="1" fontAlgn="auto" latinLnBrk="0" hangingPunct="1">
+              <a:lnSpc>
+                <a:spcPct val="100000"/>
+              </a:lnSpc>
+              <a:spcBef>
+                <a:spcPct val="20000"/>
+              </a:spcBef>
+              <a:spcAft>
+                <a:spcPts val="0"/>
+              </a:spcAft>
+              <a:buClrTx/>
+              <a:buSzPct val="90000"/>
+              <a:buFont typeface="Wingdings" panose="05000000000000000000" pitchFamily="2" charset="2"/>
+              <a:buChar char=""/>
+              <a:tabLst/>
+              <a:defRPr sz="2800" kern="1200" spc="0" baseline="0">
+                <a:gradFill>
+                  <a:gsLst>
+                    <a:gs pos="1250">
+                      <a:schemeClr val="tx1"/>
+                    </a:gs>
+                    <a:gs pos="100000">
+                      <a:schemeClr val="tx1"/>
+                    </a:gs>
+                  </a:gsLst>
+                  <a:lin ang="5400000" scaled="0"/>
+                </a:gradFill>
+                <a:latin typeface="Segoe UI Semilight" panose="020B0402040204020203" pitchFamily="34" charset="0"/>
+                <a:ea typeface="+mn-ea"/>
+                <a:cs typeface="Segoe UI Semilight" panose="020B0402040204020203" pitchFamily="34" charset="0"/>
+              </a:defRPr>
+            </a:lvl1pPr>
+            <a:lvl2pPr marL="457200" marR="0" indent="-228600" algn="l" defTabSz="932742" rtl="0" eaLnBrk="1" fontAlgn="auto" latinLnBrk="0" hangingPunct="1">
+              <a:lnSpc>
+                <a:spcPct val="100000"/>
+              </a:lnSpc>
+              <a:spcBef>
+                <a:spcPct val="20000"/>
+              </a:spcBef>
+              <a:spcAft>
+                <a:spcPts val="0"/>
+              </a:spcAft>
+              <a:buClrTx/>
+              <a:buSzPct val="90000"/>
+              <a:buFont typeface="Wingdings" panose="05000000000000000000" pitchFamily="2" charset="2"/>
+              <a:buChar char=""/>
+              <a:tabLst/>
+              <a:defRPr sz="2000" kern="1200" spc="0" baseline="0">
+                <a:gradFill>
+                  <a:gsLst>
+                    <a:gs pos="1250">
+                      <a:schemeClr val="tx1"/>
+                    </a:gs>
+                    <a:gs pos="100000">
+                      <a:schemeClr val="tx1"/>
+                    </a:gs>
+                  </a:gsLst>
+                  <a:lin ang="5400000" scaled="0"/>
+                </a:gradFill>
+                <a:latin typeface="+mn-lt"/>
+                <a:ea typeface="+mn-ea"/>
+                <a:cs typeface="+mn-cs"/>
+              </a:defRPr>
+            </a:lvl2pPr>
+            <a:lvl3pPr marL="657225" marR="0" indent="-200025" algn="l" defTabSz="932742" rtl="0" eaLnBrk="1" fontAlgn="auto" latinLnBrk="0" hangingPunct="1">
+              <a:lnSpc>
+                <a:spcPct val="100000"/>
+              </a:lnSpc>
+              <a:spcBef>
+                <a:spcPct val="20000"/>
+              </a:spcBef>
+              <a:spcAft>
+                <a:spcPts val="0"/>
+              </a:spcAft>
+              <a:buClrTx/>
+              <a:buSzPct val="90000"/>
+              <a:buFont typeface="Wingdings" panose="05000000000000000000" pitchFamily="2" charset="2"/>
+              <a:buChar char=""/>
+              <a:tabLst/>
+              <a:defRPr sz="1600" kern="1200" spc="0" baseline="0">
+                <a:gradFill>
+                  <a:gsLst>
+                    <a:gs pos="1250">
+                      <a:schemeClr val="tx1"/>
+                    </a:gs>
+                    <a:gs pos="100000">
+                      <a:schemeClr val="tx1"/>
+                    </a:gs>
+                  </a:gsLst>
+                  <a:lin ang="5400000" scaled="0"/>
+                </a:gradFill>
+                <a:latin typeface="+mn-lt"/>
+                <a:ea typeface="+mn-ea"/>
+                <a:cs typeface="+mn-cs"/>
+              </a:defRPr>
+            </a:lvl3pPr>
+            <a:lvl4pPr marL="842963" marR="0" indent="-180975" algn="l" defTabSz="932742" rtl="0" eaLnBrk="1" fontAlgn="auto" latinLnBrk="0" hangingPunct="1">
+              <a:lnSpc>
+                <a:spcPct val="100000"/>
+              </a:lnSpc>
+              <a:spcBef>
+                <a:spcPct val="20000"/>
+              </a:spcBef>
+              <a:spcAft>
+                <a:spcPts val="0"/>
+              </a:spcAft>
+              <a:buClrTx/>
+              <a:buSzPct val="90000"/>
+              <a:buFont typeface="Wingdings" panose="05000000000000000000" pitchFamily="2" charset="2"/>
+              <a:buChar char=""/>
+              <a:tabLst/>
+              <a:defRPr sz="1400" kern="1200" spc="0" baseline="0">
+                <a:gradFill>
+                  <a:gsLst>
+                    <a:gs pos="1250">
+                      <a:schemeClr val="tx1"/>
+                    </a:gs>
+                    <a:gs pos="100000">
+                      <a:schemeClr val="tx1"/>
+                    </a:gs>
+                  </a:gsLst>
+                  <a:lin ang="5400000" scaled="0"/>
+                </a:gradFill>
+                <a:latin typeface="+mn-lt"/>
+                <a:ea typeface="+mn-ea"/>
+                <a:cs typeface="+mn-cs"/>
+              </a:defRPr>
+            </a:lvl4pPr>
+            <a:lvl5pPr marL="1023938" marR="0" indent="-168275" algn="l" defTabSz="932742" rtl="0" eaLnBrk="1" fontAlgn="auto" latinLnBrk="0" hangingPunct="1">
+              <a:lnSpc>
+                <a:spcPct val="100000"/>
+              </a:lnSpc>
+              <a:spcBef>
+                <a:spcPct val="20000"/>
+              </a:spcBef>
+              <a:spcAft>
+                <a:spcPts val="0"/>
+              </a:spcAft>
+              <a:buClrTx/>
+              <a:buSzPct val="90000"/>
+              <a:buFont typeface="Wingdings" panose="05000000000000000000" pitchFamily="2" charset="2"/>
+              <a:buChar char=""/>
+              <a:tabLst/>
+              <a:defRPr sz="1400" kern="1200" spc="0" baseline="0">
+                <a:gradFill>
+                  <a:gsLst>
+                    <a:gs pos="1250">
+                      <a:schemeClr val="tx1"/>
+                    </a:gs>
+                    <a:gs pos="100000">
+                      <a:schemeClr val="tx1"/>
+                    </a:gs>
+                  </a:gsLst>
+                  <a:lin ang="5400000" scaled="0"/>
+                </a:gradFill>
+                <a:latin typeface="+mn-lt"/>
+                <a:ea typeface="+mn-ea"/>
+                <a:cs typeface="+mn-cs"/>
+              </a:defRPr>
+            </a:lvl5pPr>
+            <a:lvl6pPr marL="2565040" indent="-233186" algn="l" defTabSz="932742" rtl="0" eaLnBrk="1" latinLnBrk="0" hangingPunct="1">
+              <a:spcBef>
+                <a:spcPct val="20000"/>
+              </a:spcBef>
+              <a:buFont typeface="Arial" pitchFamily="34" charset="0"/>
+              <a:buChar char="•"/>
+              <a:defRPr sz="2000" kern="1200">
+                <a:solidFill>
+                  <a:schemeClr val="tx1"/>
+                </a:solidFill>
+                <a:latin typeface="+mn-lt"/>
+                <a:ea typeface="+mn-ea"/>
+                <a:cs typeface="+mn-cs"/>
+              </a:defRPr>
+            </a:lvl6pPr>
+            <a:lvl7pPr marL="3031412" indent="-233186" algn="l" defTabSz="932742" rtl="0" eaLnBrk="1" latinLnBrk="0" hangingPunct="1">
+              <a:spcBef>
+                <a:spcPct val="20000"/>
+              </a:spcBef>
+              <a:buFont typeface="Arial" pitchFamily="34" charset="0"/>
+              <a:buChar char="•"/>
+              <a:defRPr sz="2000" kern="1200">
+                <a:solidFill>
+                  <a:schemeClr val="tx1"/>
+                </a:solidFill>
+                <a:latin typeface="+mn-lt"/>
+                <a:ea typeface="+mn-ea"/>
+                <a:cs typeface="+mn-cs"/>
+              </a:defRPr>
+            </a:lvl7pPr>
+            <a:lvl8pPr marL="3497783" indent="-233186" algn="l" defTabSz="932742" rtl="0" eaLnBrk="1" latinLnBrk="0" hangingPunct="1">
+              <a:spcBef>
+                <a:spcPct val="20000"/>
+              </a:spcBef>
+              <a:buFont typeface="Arial" pitchFamily="34" charset="0"/>
+              <a:buChar char="•"/>
+              <a:defRPr sz="2000" kern="1200">
+                <a:solidFill>
+                  <a:schemeClr val="tx1"/>
+                </a:solidFill>
+                <a:latin typeface="+mn-lt"/>
+                <a:ea typeface="+mn-ea"/>
+                <a:cs typeface="+mn-cs"/>
+              </a:defRPr>
+            </a:lvl8pPr>
+            <a:lvl9pPr marL="3964155" indent="-233186" algn="l" defTabSz="932742" rtl="0" eaLnBrk="1" latinLnBrk="0" hangingPunct="1">
+              <a:spcBef>
+                <a:spcPct val="20000"/>
+              </a:spcBef>
+              <a:buFont typeface="Arial" pitchFamily="34" charset="0"/>
+              <a:buChar char="•"/>
+              <a:defRPr sz="2000" kern="1200">
+                <a:solidFill>
+                  <a:schemeClr val="tx1"/>
+                </a:solidFill>
+                <a:latin typeface="+mn-lt"/>
+                <a:ea typeface="+mn-ea"/>
+                <a:cs typeface="+mn-cs"/>
+              </a:defRPr>
+            </a:lvl9pPr>
+          </a:lstStyle>
+          <a:p>
+            <a:pPr marL="0" indent="0">
+              <a:buNone/>
+            </a:pPr>
+            <a:r>
+              <a:rPr lang="en-US" sz="2856" dirty="0"/>
+              <a:t>Application security group features :</a:t>
+            </a:r>
+          </a:p>
+          <a:p>
+            <a:pPr marL="0" indent="0">
+              <a:buNone/>
+            </a:pPr>
+            <a:endParaRPr lang="en-US" sz="816" dirty="0"/>
+          </a:p>
+          <a:p>
+            <a:r>
+              <a:rPr lang="en-IE" sz="2856" dirty="0"/>
+              <a:t>Allows you to reuse your security policy at scale without manual maintenance of explicit IP addresses</a:t>
+            </a:r>
+          </a:p>
+          <a:p>
+            <a:r>
+              <a:rPr lang="en-IE" sz="2856" dirty="0"/>
+              <a:t>handles the complexity of explicit IP addresses and multiple rule sets, allowing you to focus on your business logic</a:t>
+            </a:r>
+          </a:p>
+        </p:txBody>
+      </p:sp>
+      <p:pic>
+        <p:nvPicPr>
+          <p:cNvPr id="3" name="Picture 2" descr="A picture containing clipart&#10;&#10;Description automatically generated">
             <a:extLst>
               <a:ext uri="{FF2B5EF4-FFF2-40B4-BE49-F238E27FC236}">
-                <a16:creationId xmlns:a16="http://schemas.microsoft.com/office/drawing/2014/main" id="{1FF74ED2-7C0F-4A3B-99ED-148A0B1F1B8C}"/>
+                <a16:creationId xmlns:a16="http://schemas.microsoft.com/office/drawing/2014/main" id="{B46C1133-F69C-429F-B7D0-EA5B00E1EC4A}"/>
               </a:ext>
             </a:extLst>
           </p:cNvPr>
-          <p:cNvSpPr>
-            <a:spLocks noGrp="1"/>
-          </p:cNvSpPr>
-          <p:nvPr>
-            <p:ph type="title"/>
-          </p:nvPr>
-        </p:nvSpPr>
-        <p:spPr/>
-        <p:txBody>
-          <a:bodyPr/>
-          <a:lstStyle/>
-          <a:p>
-            <a:r>
-              <a:rPr lang="en-US" dirty="0"/>
-              <a:t>Choosing Azure network security solutions - layers</a:t>
-            </a:r>
-          </a:p>
-        </p:txBody>
-      </p:sp>
-      <p:sp>
-        <p:nvSpPr>
-          <p:cNvPr id="3" name="Text Placeholder 2">
+          <p:cNvPicPr>
+            <a:picLocks noChangeAspect="1"/>
+          </p:cNvPicPr>
+          <p:nvPr/>
+        </p:nvPicPr>
+        <p:blipFill>
+          <a:blip r:embed="rId3">
             <a:extLst>
-              <a:ext uri="{FF2B5EF4-FFF2-40B4-BE49-F238E27FC236}">
-                <a16:creationId xmlns:a16="http://schemas.microsoft.com/office/drawing/2014/main" id="{D5F441AD-60D1-4C98-BB47-C9F6A636C485}"/>
+              <a:ext uri="{BEBA8EAE-BF5A-486C-A8C5-ECC9F3942E4B}">
+                <a14:imgProps xmlns:a14="http://schemas.microsoft.com/office/drawing/2010/main">
+                  <a14:imgLayer r:embed="rId4">
+                    <a14:imgEffect>
+                      <a14:backgroundRemoval t="8462" b="93077" l="9709" r="88350">
+                        <a14:foregroundMark x1="15534" y1="36154" x2="15534" y2="36154"/>
+                        <a14:foregroundMark x1="49515" y1="8462" x2="49515" y2="8462"/>
+                        <a14:foregroundMark x1="84466" y1="49231" x2="84466" y2="49231"/>
+                        <a14:foregroundMark x1="47573" y1="93077" x2="47573" y2="93077"/>
+                      </a14:backgroundRemoval>
+                    </a14:imgEffect>
+                  </a14:imgLayer>
+                </a14:imgProps>
               </a:ext>
             </a:extLst>
-          </p:cNvPr>
-          <p:cNvSpPr>
-            <a:spLocks noGrp="1"/>
-          </p:cNvSpPr>
-          <p:nvPr>
-            <p:ph type="body" sz="quarter" idx="10"/>
-          </p:nvPr>
-        </p:nvSpPr>
-        <p:spPr/>
-        <p:txBody>
-          <a:bodyPr vert="horz" wrap="square" lIns="146304" tIns="91440" rIns="146304" bIns="91440" rtlCol="0">
-            <a:spAutoFit/>
-          </a:bodyPr>
-          <a:lstStyle/>
-          <a:p>
-            <a:pPr>
-              <a:lnSpc>
-                <a:spcPct val="150000"/>
-              </a:lnSpc>
-              <a:spcBef>
-                <a:spcPts val="0"/>
-              </a:spcBef>
-            </a:pPr>
-            <a:r>
-              <a:rPr lang="en-IE" sz="2400" dirty="0">
-                <a:latin typeface="+mn-lt"/>
-              </a:rPr>
-              <a:t>Perimeter layer. The network perimeter layer is about protecting organizations from network-based attacks against your resources. Some options are to use Azure DDoS Protection and Azure Firewall.</a:t>
-            </a:r>
-          </a:p>
-          <a:p>
-            <a:pPr>
-              <a:lnSpc>
-                <a:spcPct val="150000"/>
-              </a:lnSpc>
-              <a:spcBef>
-                <a:spcPts val="0"/>
-              </a:spcBef>
-            </a:pPr>
-            <a:r>
-              <a:rPr lang="en-IE" sz="2400" dirty="0">
-                <a:latin typeface="+mn-lt"/>
-              </a:rPr>
-              <a:t>Networking layer. At this layer, the focus is on limiting network connectivity across all your resources and only allowing what is required. Some options are deny by default, restrict inbound internet access, and limit outbound.</a:t>
-            </a:r>
-          </a:p>
-          <a:p>
-            <a:pPr>
-              <a:lnSpc>
-                <a:spcPct val="150000"/>
-              </a:lnSpc>
-              <a:spcBef>
-                <a:spcPts val="0"/>
-              </a:spcBef>
-            </a:pPr>
-            <a:r>
-              <a:rPr lang="en-IE" sz="2400" dirty="0">
-                <a:latin typeface="+mn-lt"/>
-              </a:rPr>
-              <a:t>Combining services. You can also combine multiple Azure networking and security services. Some examples are:</a:t>
-            </a:r>
-          </a:p>
-          <a:p>
-            <a:pPr lvl="1">
-              <a:lnSpc>
-                <a:spcPct val="150000"/>
-              </a:lnSpc>
-              <a:spcBef>
-                <a:spcPts val="0"/>
-              </a:spcBef>
-            </a:pPr>
-            <a:r>
-              <a:rPr lang="en-IE" sz="1800" dirty="0"/>
-              <a:t>Network security groups and Azure Firewall</a:t>
-            </a:r>
-          </a:p>
-          <a:p>
-            <a:pPr lvl="1">
-              <a:lnSpc>
-                <a:spcPct val="150000"/>
-              </a:lnSpc>
-              <a:spcBef>
-                <a:spcPts val="0"/>
-              </a:spcBef>
-            </a:pPr>
-            <a:r>
-              <a:rPr lang="en-IE" sz="1800" dirty="0"/>
-              <a:t>Application Gateway WAF and Azure Firewall.</a:t>
-            </a:r>
-            <a:endParaRPr lang="en-US" sz="1800" dirty="0"/>
-          </a:p>
-          <a:p>
-            <a:pPr>
-              <a:lnSpc>
-                <a:spcPct val="150000"/>
-              </a:lnSpc>
-              <a:spcBef>
-                <a:spcPts val="0"/>
-              </a:spcBef>
-            </a:pPr>
-            <a:endParaRPr lang="en-US" sz="2400" dirty="0">
-              <a:latin typeface="+mn-lt"/>
-            </a:endParaRPr>
-          </a:p>
-        </p:txBody>
-      </p:sp>
+          </a:blip>
+          <a:stretch>
+            <a:fillRect/>
+          </a:stretch>
+        </p:blipFill>
+        <p:spPr>
+          <a:xfrm>
+            <a:off x="419430" y="3419748"/>
+            <a:ext cx="1710376" cy="2158727"/>
+          </a:xfrm>
+          <a:prstGeom prst="rect">
+            <a:avLst/>
+          </a:prstGeom>
+        </p:spPr>
+      </p:pic>
     </p:spTree>
     <p:extLst>
       <p:ext uri="{BB962C8B-B14F-4D97-AF65-F5344CB8AC3E}">
-        <p14:creationId xmlns:p14="http://schemas.microsoft.com/office/powerpoint/2010/main" val="2623619105"/>
+        <p14:creationId xmlns:p14="http://schemas.microsoft.com/office/powerpoint/2010/main" val="402244338"/>
       </p:ext>
     </p:extLst>
   </p:cSld>
@@ -18570,83 +18665,6 @@
       </p:grpSpPr>
       <p:sp>
         <p:nvSpPr>
-          <p:cNvPr id="7" name="Rechteck 6">
-            <a:extLst>
-              <a:ext uri="{FF2B5EF4-FFF2-40B4-BE49-F238E27FC236}">
-                <a16:creationId xmlns:a16="http://schemas.microsoft.com/office/drawing/2014/main" id="{5F161D8D-F0B1-499E-9B93-D7BC5DFCB831}"/>
-              </a:ext>
-            </a:extLst>
-          </p:cNvPr>
-          <p:cNvSpPr/>
-          <p:nvPr/>
-        </p:nvSpPr>
-        <p:spPr bwMode="auto">
-          <a:xfrm>
-            <a:off x="257503" y="0"/>
-            <a:ext cx="4272456" cy="6994525"/>
-          </a:xfrm>
-          <a:prstGeom prst="rect">
-            <a:avLst/>
-          </a:prstGeom>
-          <a:solidFill>
-            <a:schemeClr val="tx2"/>
-          </a:solidFill>
-          <a:ln>
-            <a:noFill/>
-            <a:headEnd type="none" w="med" len="med"/>
-            <a:tailEnd type="none" w="med" len="med"/>
-          </a:ln>
-        </p:spPr>
-        <p:style>
-          <a:lnRef idx="2">
-            <a:schemeClr val="accent1">
-              <a:shade val="50000"/>
-            </a:schemeClr>
-          </a:lnRef>
-          <a:fillRef idx="1">
-            <a:schemeClr val="accent1"/>
-          </a:fillRef>
-          <a:effectRef idx="0">
-            <a:schemeClr val="accent1"/>
-          </a:effectRef>
-          <a:fontRef idx="minor">
-            <a:schemeClr val="lt1"/>
-          </a:fontRef>
-        </p:style>
-        <p:txBody>
-          <a:bodyPr vert="horz" wrap="square" lIns="0" tIns="46637" rIns="0" bIns="46637" numCol="1" rtlCol="0" anchor="ctr" anchorCtr="0" compatLnSpc="1">
-            <a:prstTxWarp prst="textNoShape">
-              <a:avLst/>
-            </a:prstTxWarp>
-          </a:bodyPr>
-          <a:lstStyle/>
-          <a:p>
-            <a:pPr algn="ctr" defTabSz="932472" fontAlgn="base">
-              <a:spcBef>
-                <a:spcPct val="0"/>
-              </a:spcBef>
-              <a:spcAft>
-                <a:spcPct val="0"/>
-              </a:spcAft>
-            </a:pPr>
-            <a:endParaRPr lang="de-DE" sz="2000" dirty="0">
-              <a:gradFill>
-                <a:gsLst>
-                  <a:gs pos="0">
-                    <a:srgbClr val="FFFFFF"/>
-                  </a:gs>
-                  <a:gs pos="100000">
-                    <a:srgbClr val="FFFFFF"/>
-                  </a:gs>
-                </a:gsLst>
-                <a:lin ang="5400000" scaled="0"/>
-              </a:gradFill>
-            </a:endParaRPr>
-          </a:p>
-        </p:txBody>
-      </p:sp>
-      <p:sp>
-        <p:nvSpPr>
           <p:cNvPr id="2" name="Title 1">
             <a:extLst>
               <a:ext uri="{FF2B5EF4-FFF2-40B4-BE49-F238E27FC236}">
@@ -18661,42 +18679,15 @@
             <p:ph type="title"/>
           </p:nvPr>
         </p:nvSpPr>
-        <p:spPr>
-          <a:xfrm>
-            <a:off x="657158" y="656277"/>
-            <a:ext cx="3430942" cy="1629113"/>
-          </a:xfrm>
-          <a:noFill/>
-          <a:ln w="19050">
-            <a:solidFill>
-              <a:schemeClr val="bg1"/>
-            </a:solidFill>
-          </a:ln>
-        </p:spPr>
-        <p:txBody>
-          <a:bodyPr vert="horz" wrap="square" lIns="93260" tIns="46630" rIns="93260" bIns="46630" rtlCol="0" anchor="ctr">
-            <a:normAutofit/>
-          </a:bodyPr>
+        <p:spPr/>
+        <p:txBody>
+          <a:bodyPr/>
           <a:lstStyle/>
           <a:p>
-            <a:pPr algn="ctr"/>
-            <a:r>
-              <a:rPr lang="en-US" sz="2856" b="1" dirty="0">
-                <a:solidFill>
-                  <a:schemeClr val="bg1"/>
-                </a:solidFill>
-                <a:ea typeface="+mj-ea"/>
-                <a:cs typeface="+mj-cs"/>
-              </a:rPr>
+            <a:r>
+              <a:rPr lang="en-US" dirty="0"/>
               <a:t>Choosing Azure network security solutions - layers</a:t>
             </a:r>
-            <a:endParaRPr lang="en-US" sz="2856" dirty="0">
-              <a:solidFill>
-                <a:schemeClr val="bg1"/>
-              </a:solidFill>
-              <a:ea typeface="+mj-ea"/>
-              <a:cs typeface="+mj-cs"/>
-            </a:endParaRPr>
           </a:p>
         </p:txBody>
       </p:sp>
@@ -18716,107 +18707,126 @@
             <p:ph type="body" sz="quarter" idx="10"/>
           </p:nvPr>
         </p:nvSpPr>
-        <p:spPr>
-          <a:xfrm>
-            <a:off x="657159" y="2690560"/>
-            <a:ext cx="3430942" cy="3483618"/>
-          </a:xfrm>
-        </p:spPr>
-        <p:txBody>
-          <a:bodyPr vert="horz" wrap="square" lIns="93260" tIns="46630" rIns="93260" bIns="46630" rtlCol="0">
-            <a:normAutofit/>
+        <p:spPr/>
+        <p:txBody>
+          <a:bodyPr vert="horz" wrap="square" lIns="146304" tIns="91440" rIns="146304" bIns="91440" rtlCol="0">
+            <a:spAutoFit/>
           </a:bodyPr>
           <a:lstStyle/>
           <a:p>
-            <a:pPr marL="0" indent="0">
-              <a:buNone/>
+            <a:pPr>
+              <a:lnSpc>
+                <a:spcPct val="150000"/>
+              </a:lnSpc>
+              <a:spcBef>
+                <a:spcPts val="0"/>
+              </a:spcBef>
             </a:pPr>
             <a:r>
-              <a:rPr lang="en-US" sz="2040" b="1" dirty="0">
-                <a:solidFill>
-                  <a:schemeClr val="bg1"/>
-                </a:solidFill>
-              </a:rPr>
-              <a:t>Shared responsibility</a:t>
-            </a:r>
-          </a:p>
-          <a:p>
-            <a:pPr marL="0" indent="0">
-              <a:buNone/>
+              <a:rPr lang="en-IE" sz="2400" dirty="0">
+                <a:latin typeface="+mn-lt"/>
+              </a:rPr>
+              <a:t>Perimeter layer. The network perimeter layer is about protecting organizations from network-based attacks against your resources. Some options are to use Azure DDoS Protection and Azure Firewall.</a:t>
+            </a:r>
+          </a:p>
+          <a:p>
+            <a:pPr>
+              <a:lnSpc>
+                <a:spcPct val="150000"/>
+              </a:lnSpc>
+              <a:spcBef>
+                <a:spcPts val="0"/>
+              </a:spcBef>
             </a:pPr>
             <a:r>
-              <a:rPr lang="en-US" sz="2040" dirty="0">
-                <a:solidFill>
-                  <a:schemeClr val="bg1"/>
-                </a:solidFill>
-              </a:rPr>
-              <a:t>As computing environments move from customer-controlled datacenters to cloud datacenters, the responsibility for security also shifts. Security is now a concern shared by cloud providers and customers.</a:t>
-            </a:r>
-            <a:endParaRPr lang="en-US" sz="2040" b="1" dirty="0">
-              <a:solidFill>
-                <a:schemeClr val="bg1"/>
-              </a:solidFill>
+              <a:rPr lang="en-IE" sz="2400" dirty="0">
+                <a:latin typeface="+mn-lt"/>
+              </a:rPr>
+              <a:t>Networking layer. At this layer, the focus is on limiting network connectivity across all your resources and only allowing what is required. Some options are deny by default, restrict inbound internet access, and limit outbound.</a:t>
+            </a:r>
+          </a:p>
+          <a:p>
+            <a:pPr>
+              <a:lnSpc>
+                <a:spcPct val="150000"/>
+              </a:lnSpc>
+              <a:spcBef>
+                <a:spcPts val="0"/>
+              </a:spcBef>
+            </a:pPr>
+            <a:r>
+              <a:rPr lang="en-IE" sz="2400" dirty="0">
+                <a:latin typeface="+mn-lt"/>
+              </a:rPr>
+              <a:t>Combining services. You can also combine multiple Azure networking and security services. Some examples are:</a:t>
+            </a:r>
+          </a:p>
+          <a:p>
+            <a:pPr lvl="1">
+              <a:lnSpc>
+                <a:spcPct val="150000"/>
+              </a:lnSpc>
+              <a:spcBef>
+                <a:spcPts val="0"/>
+              </a:spcBef>
+            </a:pPr>
+            <a:r>
+              <a:rPr lang="en-IE" sz="1800" dirty="0"/>
+              <a:t>Network security groups and Azure Firewall</a:t>
+            </a:r>
+          </a:p>
+          <a:p>
+            <a:pPr lvl="1">
+              <a:lnSpc>
+                <a:spcPct val="150000"/>
+              </a:lnSpc>
+              <a:spcBef>
+                <a:spcPts val="0"/>
+              </a:spcBef>
+            </a:pPr>
+            <a:r>
+              <a:rPr lang="en-IE" sz="1800" dirty="0"/>
+              <a:t>Application Gateway WAF and Azure Firewall.</a:t>
+            </a:r>
+            <a:endParaRPr lang="en-US" sz="1800" dirty="0"/>
+          </a:p>
+          <a:p>
+            <a:pPr>
+              <a:lnSpc>
+                <a:spcPct val="150000"/>
+              </a:lnSpc>
+              <a:spcBef>
+                <a:spcPts val="0"/>
+              </a:spcBef>
+            </a:pPr>
+            <a:endParaRPr lang="en-US" sz="2400" dirty="0">
+              <a:latin typeface="+mn-lt"/>
             </a:endParaRPr>
           </a:p>
-          <a:p>
-            <a:pPr marL="0"/>
-            <a:endParaRPr lang="en-US" sz="2040" b="1" dirty="0">
-              <a:solidFill>
-                <a:schemeClr val="bg1"/>
-              </a:solidFill>
-            </a:endParaRPr>
-          </a:p>
-        </p:txBody>
-      </p:sp>
-      <p:pic>
-        <p:nvPicPr>
-          <p:cNvPr id="6" name="Picture 5" descr="A screenshot of a cell phone&#10;&#10;Description automatically generated">
-            <a:extLst>
-              <a:ext uri="{FF2B5EF4-FFF2-40B4-BE49-F238E27FC236}">
-                <a16:creationId xmlns:a16="http://schemas.microsoft.com/office/drawing/2014/main" id="{2596FE22-A04D-4826-8D41-2C755541290E}"/>
-              </a:ext>
-            </a:extLst>
-          </p:cNvPr>
-          <p:cNvPicPr>
-            <a:picLocks noChangeAspect="1"/>
-          </p:cNvPicPr>
-          <p:nvPr/>
-        </p:nvPicPr>
-        <p:blipFill>
-          <a:blip r:embed="rId3">
-            <a:extLst>
-              <a:ext uri="{28A0092B-C50C-407E-A947-70E740481C1C}">
-                <a14:useLocalDpi xmlns:a14="http://schemas.microsoft.com/office/drawing/2010/main" val="0"/>
-              </a:ext>
-            </a:extLst>
-          </a:blip>
-          <a:stretch>
-            <a:fillRect/>
-          </a:stretch>
-        </p:blipFill>
-        <p:spPr>
-          <a:xfrm>
-            <a:off x="5404109" y="671849"/>
-            <a:ext cx="6490022" cy="5897823"/>
-          </a:xfrm>
-          <a:prstGeom prst="rect">
-            <a:avLst/>
-          </a:prstGeom>
-        </p:spPr>
-      </p:pic>
+        </p:txBody>
+      </p:sp>
     </p:spTree>
     <p:extLst>
       <p:ext uri="{BB962C8B-B14F-4D97-AF65-F5344CB8AC3E}">
-        <p14:creationId xmlns:p14="http://schemas.microsoft.com/office/powerpoint/2010/main" val="3920113232"/>
+        <p14:creationId xmlns:p14="http://schemas.microsoft.com/office/powerpoint/2010/main" val="2623619105"/>
       </p:ext>
     </p:extLst>
   </p:cSld>
   <p:clrMapOvr>
     <a:masterClrMapping/>
   </p:clrMapOvr>
-  <p:transition>
-    <p:fade/>
-  </p:transition>
+  <mc:AlternateContent xmlns:mc="http://schemas.openxmlformats.org/markup-compatibility/2006" xmlns:p14="http://schemas.microsoft.com/office/powerpoint/2010/main">
+    <mc:Choice Requires="p14">
+      <p:transition spd="med" p14:dur="700">
+        <p:fade/>
+      </p:transition>
+    </mc:Choice>
+    <mc:Fallback xmlns="">
+      <p:transition spd="med">
+        <p:fade/>
+      </p:transition>
+    </mc:Fallback>
+  </mc:AlternateContent>
 </p:sld>
 </file>
 
@@ -19889,341 +19899,122 @@
       </p:grpSpPr>
       <p:sp>
         <p:nvSpPr>
-          <p:cNvPr id="2" name="Title 1">
+          <p:cNvPr id="17" name="Title 16"/>
+          <p:cNvSpPr>
+            <a:spLocks noGrp="1"/>
+          </p:cNvSpPr>
+          <p:nvPr>
+            <p:ph type="title"/>
+          </p:nvPr>
+        </p:nvSpPr>
+        <p:spPr/>
+        <p:txBody>
+          <a:bodyPr/>
+          <a:lstStyle/>
+          <a:p>
+            <a:r>
+              <a:rPr lang="en-US" dirty="0"/>
+              <a:t>Azure Multi-Factor Authentication</a:t>
+            </a:r>
+          </a:p>
+        </p:txBody>
+      </p:sp>
+      <p:sp>
+        <p:nvSpPr>
+          <p:cNvPr id="6" name="Text Placeholder 5"/>
+          <p:cNvSpPr>
+            <a:spLocks noGrp="1"/>
+          </p:cNvSpPr>
+          <p:nvPr>
+            <p:ph type="body" sz="quarter" idx="10"/>
+          </p:nvPr>
+        </p:nvSpPr>
+        <p:spPr>
+          <a:xfrm>
+            <a:off x="599302" y="1247701"/>
+            <a:ext cx="11237870" cy="2426177"/>
+          </a:xfrm>
+        </p:spPr>
+        <p:txBody>
+          <a:bodyPr/>
+          <a:lstStyle/>
+          <a:p>
+            <a:pPr marL="0" indent="0">
+              <a:buNone/>
+            </a:pPr>
+            <a:r>
+              <a:rPr lang="en-IE" sz="2856" dirty="0">
+                <a:latin typeface="Segoe UI Semilight" pitchFamily="34" charset="0"/>
+                <a:cs typeface="Segoe UI Semilight" pitchFamily="34" charset="0"/>
+              </a:rPr>
+              <a:t>Provides additional security for your identities by requiring two or more elements for full authentication. </a:t>
+            </a:r>
+          </a:p>
+          <a:p>
+            <a:pPr lvl="1"/>
+            <a:r>
+              <a:rPr lang="en-IE" sz="2856" dirty="0">
+                <a:latin typeface="Segoe UI Semilight" pitchFamily="34" charset="0"/>
+                <a:cs typeface="Segoe UI Semilight" pitchFamily="34" charset="0"/>
+              </a:rPr>
+              <a:t>Something you know.</a:t>
+            </a:r>
+          </a:p>
+          <a:p>
+            <a:pPr lvl="1"/>
+            <a:r>
+              <a:rPr lang="en-IE" sz="2856" dirty="0">
+                <a:latin typeface="Segoe UI Semilight" pitchFamily="34" charset="0"/>
+                <a:cs typeface="Segoe UI Semilight" pitchFamily="34" charset="0"/>
+              </a:rPr>
+              <a:t>Something you possess. </a:t>
+            </a:r>
+          </a:p>
+          <a:p>
+            <a:pPr lvl="1"/>
+            <a:r>
+              <a:rPr lang="en-IE" sz="2856" dirty="0">
+                <a:latin typeface="Segoe UI Semilight" pitchFamily="34" charset="0"/>
+                <a:cs typeface="Segoe UI Semilight" pitchFamily="34" charset="0"/>
+              </a:rPr>
+              <a:t>Something you are.</a:t>
+            </a:r>
+          </a:p>
+        </p:txBody>
+      </p:sp>
+      <p:pic>
+        <p:nvPicPr>
+          <p:cNvPr id="3" name="Picture 2" descr="Image of a username and password entry screen, mobile phone, usb key, smart card, image representing various types of biometric authentication, and certificate all in a line, representing how they can all be tied together to provide MFA">
             <a:extLst>
               <a:ext uri="{FF2B5EF4-FFF2-40B4-BE49-F238E27FC236}">
-                <a16:creationId xmlns:a16="http://schemas.microsoft.com/office/drawing/2014/main" id="{1FF74ED2-7C0F-4A3B-99ED-148A0B1F1B8C}"/>
+                <a16:creationId xmlns:a16="http://schemas.microsoft.com/office/drawing/2014/main" id="{9BF9CC26-404C-4BDF-84AF-4B9DB2CC7694}"/>
               </a:ext>
             </a:extLst>
           </p:cNvPr>
-          <p:cNvSpPr>
-            <a:spLocks noGrp="1"/>
-          </p:cNvSpPr>
-          <p:nvPr>
-            <p:ph type="title"/>
-          </p:nvPr>
-        </p:nvSpPr>
-        <p:spPr/>
-        <p:txBody>
-          <a:bodyPr/>
-          <a:lstStyle/>
-          <a:p>
-            <a:r>
-              <a:rPr lang="en-US" dirty="0"/>
-              <a:t>Azure Multi-Factor Authentication</a:t>
-            </a:r>
-          </a:p>
-        </p:txBody>
-      </p:sp>
-      <p:sp>
-        <p:nvSpPr>
-          <p:cNvPr id="5" name="Textplatzhalter 4">
-            <a:extLst>
-              <a:ext uri="{FF2B5EF4-FFF2-40B4-BE49-F238E27FC236}">
-                <a16:creationId xmlns:a16="http://schemas.microsoft.com/office/drawing/2014/main" id="{93B35494-5626-4785-8E07-FC9329F586AD}"/>
-              </a:ext>
-            </a:extLst>
-          </p:cNvPr>
-          <p:cNvSpPr>
-            <a:spLocks noGrp="1"/>
-          </p:cNvSpPr>
-          <p:nvPr>
-            <p:ph type="body" sz="quarter" idx="10"/>
-          </p:nvPr>
-        </p:nvSpPr>
+          <p:cNvPicPr>
+            <a:picLocks noChangeAspect="1"/>
+          </p:cNvPicPr>
+          <p:nvPr/>
+        </p:nvPicPr>
+        <p:blipFill>
+          <a:blip r:embed="rId3"/>
+          <a:srcRect/>
+          <a:stretch/>
+        </p:blipFill>
         <p:spPr>
           <a:xfrm>
-            <a:off x="274702" y="1367630"/>
-            <a:ext cx="11888787" cy="5101846"/>
-          </a:xfrm>
-        </p:spPr>
-        <p:txBody>
-          <a:bodyPr vert="horz" wrap="square" lIns="146304" tIns="91440" rIns="146304" bIns="91440" rtlCol="0">
-            <a:spAutoFit/>
-          </a:bodyPr>
-          <a:lstStyle/>
-          <a:p>
-            <a:pPr>
-              <a:lnSpc>
-                <a:spcPct val="150000"/>
-              </a:lnSpc>
-              <a:spcBef>
-                <a:spcPts val="0"/>
-              </a:spcBef>
-            </a:pPr>
-            <a:r>
-              <a:rPr lang="en-US" sz="2400" dirty="0">
-                <a:latin typeface="+mn-lt"/>
-              </a:rPr>
-              <a:t>Azure Multi-Factor Authentication (MFA) provides additional security for your identities by requiring two or more elements for full authentication. These elements fall into three categories:</a:t>
-            </a:r>
-          </a:p>
-          <a:p>
-            <a:pPr>
-              <a:lnSpc>
-                <a:spcPct val="150000"/>
-              </a:lnSpc>
-              <a:spcBef>
-                <a:spcPts val="0"/>
-              </a:spcBef>
-            </a:pPr>
-            <a:r>
-              <a:rPr lang="en-US" sz="2400" dirty="0">
-                <a:latin typeface="+mn-lt"/>
-              </a:rPr>
-              <a:t>Something you know: This could be a password or the answer to a security question.</a:t>
-            </a:r>
-          </a:p>
-          <a:p>
-            <a:pPr>
-              <a:lnSpc>
-                <a:spcPct val="150000"/>
-              </a:lnSpc>
-              <a:spcBef>
-                <a:spcPts val="0"/>
-              </a:spcBef>
-            </a:pPr>
-            <a:r>
-              <a:rPr lang="en-US" sz="2400" dirty="0">
-                <a:latin typeface="+mn-lt"/>
-              </a:rPr>
-              <a:t>Something you possess: This might be a mobile app that receives a notification, or a token-generating device.</a:t>
-            </a:r>
-          </a:p>
-          <a:p>
-            <a:pPr>
-              <a:lnSpc>
-                <a:spcPct val="150000"/>
-              </a:lnSpc>
-              <a:spcBef>
-                <a:spcPts val="0"/>
-              </a:spcBef>
-            </a:pPr>
-            <a:r>
-              <a:rPr lang="en-US" sz="2400" dirty="0">
-                <a:latin typeface="+mn-lt"/>
-              </a:rPr>
-              <a:t>Something you are: This is typically some sort of biometric property, such as a fingerprint or face scan used on many mobile devices.</a:t>
-            </a:r>
-          </a:p>
-          <a:p>
-            <a:pPr>
-              <a:lnSpc>
-                <a:spcPct val="150000"/>
-              </a:lnSpc>
-              <a:spcBef>
-                <a:spcPts val="0"/>
-              </a:spcBef>
-            </a:pPr>
-            <a:endParaRPr lang="de-DE" sz="2400" dirty="0">
-              <a:latin typeface="+mn-lt"/>
-            </a:endParaRPr>
-          </a:p>
-        </p:txBody>
-      </p:sp>
-      <p:sp>
-        <p:nvSpPr>
-          <p:cNvPr id="7" name="Text Placeholder 2">
-            <a:extLst>
-              <a:ext uri="{FF2B5EF4-FFF2-40B4-BE49-F238E27FC236}">
-                <a16:creationId xmlns:a16="http://schemas.microsoft.com/office/drawing/2014/main" id="{772D5180-5E98-4780-A225-59A15326F967}"/>
-              </a:ext>
-            </a:extLst>
-          </p:cNvPr>
-          <p:cNvSpPr txBox="1">
-            <a:spLocks/>
-          </p:cNvSpPr>
-          <p:nvPr/>
-        </p:nvSpPr>
-        <p:spPr>
-          <a:xfrm>
-            <a:off x="784268" y="1724675"/>
-            <a:ext cx="10284526" cy="4556927"/>
+            <a:off x="794216" y="3925077"/>
+            <a:ext cx="10694212" cy="2673554"/>
           </a:xfrm>
           <a:prstGeom prst="rect">
             <a:avLst/>
           </a:prstGeom>
         </p:spPr>
-        <p:txBody>
-          <a:bodyPr vert="horz" lIns="93260" tIns="46630" rIns="93260" bIns="46630" rtlCol="0">
-            <a:noAutofit/>
-          </a:bodyPr>
-          <a:lstStyle>
-            <a:lvl1pPr marL="228600" indent="-228600" algn="l" defTabSz="914400" rtl="0" eaLnBrk="1" latinLnBrk="0" hangingPunct="1">
-              <a:lnSpc>
-                <a:spcPct val="90000"/>
-              </a:lnSpc>
-              <a:spcBef>
-                <a:spcPts val="1000"/>
-              </a:spcBef>
-              <a:buFont typeface="Arial" panose="020B0604020202020204" pitchFamily="34" charset="0"/>
-              <a:buChar char="•"/>
-              <a:defRPr sz="2800" kern="1200">
-                <a:solidFill>
-                  <a:schemeClr val="tx1"/>
-                </a:solidFill>
-                <a:latin typeface="+mn-lt"/>
-                <a:ea typeface="+mn-ea"/>
-                <a:cs typeface="+mn-cs"/>
-              </a:defRPr>
-            </a:lvl1pPr>
-            <a:lvl2pPr marL="685800" indent="-228600" algn="l" defTabSz="914400" rtl="0" eaLnBrk="1" latinLnBrk="0" hangingPunct="1">
-              <a:lnSpc>
-                <a:spcPct val="90000"/>
-              </a:lnSpc>
-              <a:spcBef>
-                <a:spcPts val="500"/>
-              </a:spcBef>
-              <a:buFont typeface="Arial" panose="020B0604020202020204" pitchFamily="34" charset="0"/>
-              <a:buChar char="•"/>
-              <a:defRPr sz="2400" kern="1200">
-                <a:solidFill>
-                  <a:schemeClr val="tx1"/>
-                </a:solidFill>
-                <a:latin typeface="+mn-lt"/>
-                <a:ea typeface="+mn-ea"/>
-                <a:cs typeface="+mn-cs"/>
-              </a:defRPr>
-            </a:lvl2pPr>
-            <a:lvl3pPr marL="1143000" indent="-228600" algn="l" defTabSz="914400" rtl="0" eaLnBrk="1" latinLnBrk="0" hangingPunct="1">
-              <a:lnSpc>
-                <a:spcPct val="90000"/>
-              </a:lnSpc>
-              <a:spcBef>
-                <a:spcPts val="500"/>
-              </a:spcBef>
-              <a:buFont typeface="Arial" panose="020B0604020202020204" pitchFamily="34" charset="0"/>
-              <a:buChar char="•"/>
-              <a:defRPr sz="2000" kern="1200">
-                <a:solidFill>
-                  <a:schemeClr val="tx1"/>
-                </a:solidFill>
-                <a:latin typeface="+mn-lt"/>
-                <a:ea typeface="+mn-ea"/>
-                <a:cs typeface="+mn-cs"/>
-              </a:defRPr>
-            </a:lvl3pPr>
-            <a:lvl4pPr marL="1600200" indent="-228600" algn="l" defTabSz="914400" rtl="0" eaLnBrk="1" latinLnBrk="0" hangingPunct="1">
-              <a:lnSpc>
-                <a:spcPct val="90000"/>
-              </a:lnSpc>
-              <a:spcBef>
-                <a:spcPts val="500"/>
-              </a:spcBef>
-              <a:buFont typeface="Arial" panose="020B0604020202020204" pitchFamily="34" charset="0"/>
-              <a:buChar char="•"/>
-              <a:defRPr sz="1800" kern="1200">
-                <a:solidFill>
-                  <a:schemeClr val="tx1"/>
-                </a:solidFill>
-                <a:latin typeface="+mn-lt"/>
-                <a:ea typeface="+mn-ea"/>
-                <a:cs typeface="+mn-cs"/>
-              </a:defRPr>
-            </a:lvl4pPr>
-            <a:lvl5pPr marL="2057400" indent="-228600" algn="l" defTabSz="914400" rtl="0" eaLnBrk="1" latinLnBrk="0" hangingPunct="1">
-              <a:lnSpc>
-                <a:spcPct val="90000"/>
-              </a:lnSpc>
-              <a:spcBef>
-                <a:spcPts val="500"/>
-              </a:spcBef>
-              <a:buFont typeface="Arial" panose="020B0604020202020204" pitchFamily="34" charset="0"/>
-              <a:buChar char="•"/>
-              <a:defRPr sz="1800" kern="1200">
-                <a:solidFill>
-                  <a:schemeClr val="tx1"/>
-                </a:solidFill>
-                <a:latin typeface="+mn-lt"/>
-                <a:ea typeface="+mn-ea"/>
-                <a:cs typeface="+mn-cs"/>
-              </a:defRPr>
-            </a:lvl5pPr>
-            <a:lvl6pPr marL="2514600" indent="-228600" algn="l" defTabSz="914400" rtl="0" eaLnBrk="1" latinLnBrk="0" hangingPunct="1">
-              <a:lnSpc>
-                <a:spcPct val="90000"/>
-              </a:lnSpc>
-              <a:spcBef>
-                <a:spcPts val="500"/>
-              </a:spcBef>
-              <a:buFont typeface="Arial" panose="020B0604020202020204" pitchFamily="34" charset="0"/>
-              <a:buChar char="•"/>
-              <a:defRPr sz="1800" kern="1200">
-                <a:solidFill>
-                  <a:schemeClr val="tx1"/>
-                </a:solidFill>
-                <a:latin typeface="+mn-lt"/>
-                <a:ea typeface="+mn-ea"/>
-                <a:cs typeface="+mn-cs"/>
-              </a:defRPr>
-            </a:lvl6pPr>
-            <a:lvl7pPr marL="2971800" indent="-228600" algn="l" defTabSz="914400" rtl="0" eaLnBrk="1" latinLnBrk="0" hangingPunct="1">
-              <a:lnSpc>
-                <a:spcPct val="90000"/>
-              </a:lnSpc>
-              <a:spcBef>
-                <a:spcPts val="500"/>
-              </a:spcBef>
-              <a:buFont typeface="Arial" panose="020B0604020202020204" pitchFamily="34" charset="0"/>
-              <a:buChar char="•"/>
-              <a:defRPr sz="1800" kern="1200">
-                <a:solidFill>
-                  <a:schemeClr val="tx1"/>
-                </a:solidFill>
-                <a:latin typeface="+mn-lt"/>
-                <a:ea typeface="+mn-ea"/>
-                <a:cs typeface="+mn-cs"/>
-              </a:defRPr>
-            </a:lvl7pPr>
-            <a:lvl8pPr marL="3429000" indent="-228600" algn="l" defTabSz="914400" rtl="0" eaLnBrk="1" latinLnBrk="0" hangingPunct="1">
-              <a:lnSpc>
-                <a:spcPct val="90000"/>
-              </a:lnSpc>
-              <a:spcBef>
-                <a:spcPts val="500"/>
-              </a:spcBef>
-              <a:buFont typeface="Arial" panose="020B0604020202020204" pitchFamily="34" charset="0"/>
-              <a:buChar char="•"/>
-              <a:defRPr sz="1800" kern="1200">
-                <a:solidFill>
-                  <a:schemeClr val="tx1"/>
-                </a:solidFill>
-                <a:latin typeface="+mn-lt"/>
-                <a:ea typeface="+mn-ea"/>
-                <a:cs typeface="+mn-cs"/>
-              </a:defRPr>
-            </a:lvl8pPr>
-            <a:lvl9pPr marL="3886200" indent="-228600" algn="l" defTabSz="914400" rtl="0" eaLnBrk="1" latinLnBrk="0" hangingPunct="1">
-              <a:lnSpc>
-                <a:spcPct val="90000"/>
-              </a:lnSpc>
-              <a:spcBef>
-                <a:spcPts val="500"/>
-              </a:spcBef>
-              <a:buFont typeface="Arial" panose="020B0604020202020204" pitchFamily="34" charset="0"/>
-              <a:buChar char="•"/>
-              <a:defRPr sz="1800" kern="1200">
-                <a:solidFill>
-                  <a:schemeClr val="tx1"/>
-                </a:solidFill>
-                <a:latin typeface="+mn-lt"/>
-                <a:ea typeface="+mn-ea"/>
-                <a:cs typeface="+mn-cs"/>
-              </a:defRPr>
-            </a:lvl9pPr>
-          </a:lstStyle>
-          <a:p>
-            <a:pPr marL="0" indent="0">
-              <a:buNone/>
-            </a:pPr>
-            <a:endParaRPr lang="en-IE" sz="2856" dirty="0"/>
-          </a:p>
-        </p:txBody>
-      </p:sp>
+      </p:pic>
     </p:spTree>
     <p:extLst>
       <p:ext uri="{BB962C8B-B14F-4D97-AF65-F5344CB8AC3E}">
-        <p14:creationId xmlns:p14="http://schemas.microsoft.com/office/powerpoint/2010/main" val="1658519768"/>
+        <p14:creationId xmlns:p14="http://schemas.microsoft.com/office/powerpoint/2010/main" val="553796035"/>
       </p:ext>
     </p:extLst>
   </p:cSld>
@@ -23845,140 +23636,1046 @@
       </p:grpSpPr>
       <p:sp>
         <p:nvSpPr>
-          <p:cNvPr id="2" name="Title 1">
+          <p:cNvPr id="17" name="Title 16"/>
+          <p:cNvSpPr>
+            <a:spLocks noGrp="1"/>
+          </p:cNvSpPr>
+          <p:nvPr>
+            <p:ph type="title"/>
+          </p:nvPr>
+        </p:nvSpPr>
+        <p:spPr/>
+        <p:txBody>
+          <a:bodyPr/>
+          <a:lstStyle/>
+          <a:p>
+            <a:r>
+              <a:rPr lang="en-US" noProof="0" dirty="0"/>
+              <a:t>Role-based access control (RBAC)</a:t>
+            </a:r>
+          </a:p>
+        </p:txBody>
+      </p:sp>
+      <p:sp>
+        <p:nvSpPr>
+          <p:cNvPr id="6" name="Text Placeholder 5"/>
+          <p:cNvSpPr>
+            <a:spLocks noGrp="1"/>
+          </p:cNvSpPr>
+          <p:nvPr>
+            <p:ph type="body" sz="quarter" idx="10"/>
+          </p:nvPr>
+        </p:nvSpPr>
+        <p:spPr>
+          <a:xfrm>
+            <a:off x="598945" y="1462925"/>
+            <a:ext cx="5619292" cy="3459409"/>
+          </a:xfrm>
+        </p:spPr>
+        <p:txBody>
+          <a:bodyPr/>
+          <a:lstStyle/>
+          <a:p>
+            <a:pPr marL="291436" indent="-291436">
+              <a:buFont typeface="Arial" panose="020B0604020202020204" pitchFamily="34" charset="0"/>
+              <a:buChar char="•"/>
+            </a:pPr>
+            <a:r>
+              <a:rPr lang="en-US" sz="2800" noProof="0" dirty="0"/>
+              <a:t>Fine-grained access management</a:t>
+            </a:r>
+          </a:p>
+          <a:p>
+            <a:pPr marL="291436" indent="-291436">
+              <a:buFont typeface="Arial" panose="020B0604020202020204" pitchFamily="34" charset="0"/>
+              <a:buChar char="•"/>
+            </a:pPr>
+            <a:r>
+              <a:rPr lang="en-US" sz="2800" dirty="0"/>
+              <a:t>Segregate duties within your team and grant only the amount of access to users that they need to perform their jobs.</a:t>
+            </a:r>
+          </a:p>
+          <a:p>
+            <a:pPr marL="291436" indent="-291436">
+              <a:buFont typeface="Arial" panose="020B0604020202020204" pitchFamily="34" charset="0"/>
+              <a:buChar char="•"/>
+            </a:pPr>
+            <a:r>
+              <a:rPr lang="en-US" sz="2800" dirty="0"/>
+              <a:t>Enables allowing or disallowing access to the Azure portal, and controlling access to resources.</a:t>
+            </a:r>
+          </a:p>
+        </p:txBody>
+      </p:sp>
+      <p:grpSp>
+        <p:nvGrpSpPr>
+          <p:cNvPr id="7" name="Group 6" descr="Users, apps, and user groups are shown using Azure Active Directory to access an Azure subscription with resource groups. ">
             <a:extLst>
               <a:ext uri="{FF2B5EF4-FFF2-40B4-BE49-F238E27FC236}">
-                <a16:creationId xmlns:a16="http://schemas.microsoft.com/office/drawing/2014/main" id="{1FF74ED2-7C0F-4A3B-99ED-148A0B1F1B8C}"/>
+                <a16:creationId xmlns:a16="http://schemas.microsoft.com/office/drawing/2014/main" id="{70B0E3CB-0EC7-411F-8A0B-4DAAECFD6F02}"/>
               </a:ext>
             </a:extLst>
           </p:cNvPr>
-          <p:cNvSpPr>
-            <a:spLocks noGrp="1"/>
-          </p:cNvSpPr>
-          <p:nvPr>
-            <p:ph type="title"/>
-          </p:nvPr>
-        </p:nvSpPr>
-        <p:spPr/>
-        <p:txBody>
-          <a:bodyPr/>
-          <a:lstStyle/>
-          <a:p>
-            <a:r>
-              <a:rPr lang="en-US" dirty="0"/>
-              <a:t>Role-based access control</a:t>
-            </a:r>
-          </a:p>
-        </p:txBody>
-      </p:sp>
-      <p:sp>
-        <p:nvSpPr>
-          <p:cNvPr id="3" name="Text Placeholder 2">
-            <a:extLst>
-              <a:ext uri="{FF2B5EF4-FFF2-40B4-BE49-F238E27FC236}">
-                <a16:creationId xmlns:a16="http://schemas.microsoft.com/office/drawing/2014/main" id="{D5F441AD-60D1-4C98-BB47-C9F6A636C485}"/>
-              </a:ext>
-            </a:extLst>
-          </p:cNvPr>
-          <p:cNvSpPr>
-            <a:spLocks noGrp="1"/>
-          </p:cNvSpPr>
-          <p:nvPr>
-            <p:ph type="body" sz="quarter" idx="10"/>
-          </p:nvPr>
-        </p:nvSpPr>
-        <p:spPr/>
-        <p:txBody>
-          <a:bodyPr vert="horz" wrap="square" lIns="146304" tIns="91440" rIns="146304" bIns="91440" rtlCol="0">
-            <a:spAutoFit/>
-          </a:bodyPr>
-          <a:lstStyle/>
-          <a:p>
-            <a:pPr>
-              <a:lnSpc>
-                <a:spcPct val="150000"/>
-              </a:lnSpc>
-              <a:spcBef>
-                <a:spcPts val="0"/>
-              </a:spcBef>
-            </a:pPr>
-            <a:r>
-              <a:rPr lang="en-IE" sz="2400" dirty="0">
-                <a:latin typeface="+mn-lt"/>
-              </a:rPr>
-              <a:t>Role-based access control (RBAC) provides fine-grained access management for Azure resources:</a:t>
-            </a:r>
-          </a:p>
-          <a:p>
-            <a:pPr lvl="1"/>
-            <a:r>
-              <a:rPr lang="en-IE" sz="2000" dirty="0"/>
-              <a:t>Grant users only the rights they need to perform their jobs</a:t>
-            </a:r>
-          </a:p>
-          <a:p>
-            <a:pPr lvl="1"/>
-            <a:r>
-              <a:rPr lang="en-IE" sz="2000" dirty="0"/>
-              <a:t>Provided at no additional cost to all Azure subscribers</a:t>
-            </a:r>
-          </a:p>
-          <a:p>
-            <a:pPr>
-              <a:lnSpc>
-                <a:spcPct val="150000"/>
-              </a:lnSpc>
-              <a:spcBef>
-                <a:spcPts val="0"/>
-              </a:spcBef>
-            </a:pPr>
-            <a:r>
-              <a:rPr lang="en-IE" sz="2400" dirty="0">
-                <a:latin typeface="+mn-lt"/>
-              </a:rPr>
-              <a:t>Examples of when you might use RBAC include when you want to:</a:t>
-            </a:r>
-          </a:p>
-          <a:p>
-            <a:pPr lvl="1"/>
-            <a:r>
-              <a:rPr lang="en-IE" sz="2000" dirty="0"/>
-              <a:t>Allow one user to manage VMs in a subscription, and another user to manage virtual networks.</a:t>
-            </a:r>
-          </a:p>
-          <a:p>
-            <a:pPr lvl="1"/>
-            <a:r>
-              <a:rPr lang="en-IE" sz="2000" dirty="0"/>
-              <a:t>Allow a database administrator (DBA) group to manage Microsoft SQL Server databases in a subscription.</a:t>
-            </a:r>
-          </a:p>
-          <a:p>
-            <a:pPr lvl="1"/>
-            <a:r>
-              <a:rPr lang="en-IE" sz="2000" dirty="0"/>
-              <a:t>Allow a user to manage all resources in a resource group, such as VMs, websites, and subnets.</a:t>
-            </a:r>
-          </a:p>
-          <a:p>
-            <a:pPr>
-              <a:lnSpc>
-                <a:spcPct val="150000"/>
-              </a:lnSpc>
-              <a:spcBef>
-                <a:spcPts val="0"/>
-              </a:spcBef>
-            </a:pPr>
-            <a:endParaRPr lang="en-IE" sz="2400" dirty="0">
-              <a:latin typeface="+mn-lt"/>
-            </a:endParaRPr>
-          </a:p>
-        </p:txBody>
-      </p:sp>
+          <p:cNvGrpSpPr/>
+          <p:nvPr/>
+        </p:nvGrpSpPr>
+        <p:grpSpPr>
+          <a:xfrm>
+            <a:off x="6551310" y="1212384"/>
+            <a:ext cx="5620533" cy="4194233"/>
+            <a:chOff x="6145148" y="1188720"/>
+            <a:chExt cx="5792482" cy="4272192"/>
+          </a:xfrm>
+        </p:grpSpPr>
+        <p:pic>
+          <p:nvPicPr>
+            <p:cNvPr id="8" name="Picture 7">
+              <a:extLst>
+                <a:ext uri="{FF2B5EF4-FFF2-40B4-BE49-F238E27FC236}">
+                  <a16:creationId xmlns:a16="http://schemas.microsoft.com/office/drawing/2014/main" id="{B2A2A828-8E9B-40C6-B14E-6C4A45470637}"/>
+                </a:ext>
+              </a:extLst>
+            </p:cNvPr>
+            <p:cNvPicPr>
+              <a:picLocks noChangeAspect="1"/>
+            </p:cNvPicPr>
+            <p:nvPr/>
+          </p:nvPicPr>
+          <p:blipFill>
+            <a:blip r:embed="rId3" cstate="print">
+              <a:extLst>
+                <a:ext uri="{28A0092B-C50C-407E-A947-70E740481C1C}">
+                  <a14:useLocalDpi xmlns:a14="http://schemas.microsoft.com/office/drawing/2010/main" val="0"/>
+                </a:ext>
+              </a:extLst>
+            </a:blip>
+            <a:stretch>
+              <a:fillRect/>
+            </a:stretch>
+          </p:blipFill>
+          <p:spPr>
+            <a:xfrm>
+              <a:off x="6935901" y="3638169"/>
+              <a:ext cx="542676" cy="542676"/>
+            </a:xfrm>
+            <a:prstGeom prst="rect">
+              <a:avLst/>
+            </a:prstGeom>
+          </p:spPr>
+        </p:pic>
+        <p:pic>
+          <p:nvPicPr>
+            <p:cNvPr id="9" name="Picture 8">
+              <a:extLst>
+                <a:ext uri="{FF2B5EF4-FFF2-40B4-BE49-F238E27FC236}">
+                  <a16:creationId xmlns:a16="http://schemas.microsoft.com/office/drawing/2014/main" id="{313A3BAA-233D-47EE-AFBA-254E99117139}"/>
+                </a:ext>
+              </a:extLst>
+            </p:cNvPr>
+            <p:cNvPicPr>
+              <a:picLocks noChangeAspect="1"/>
+            </p:cNvPicPr>
+            <p:nvPr/>
+          </p:nvPicPr>
+          <p:blipFill>
+            <a:blip r:embed="rId4" cstate="print">
+              <a:extLst>
+                <a:ext uri="{28A0092B-C50C-407E-A947-70E740481C1C}">
+                  <a14:useLocalDpi xmlns:a14="http://schemas.microsoft.com/office/drawing/2010/main" val="0"/>
+                </a:ext>
+              </a:extLst>
+            </a:blip>
+            <a:stretch>
+              <a:fillRect/>
+            </a:stretch>
+          </p:blipFill>
+          <p:spPr>
+            <a:xfrm>
+              <a:off x="6145148" y="3638169"/>
+              <a:ext cx="542676" cy="542676"/>
+            </a:xfrm>
+            <a:prstGeom prst="rect">
+              <a:avLst/>
+            </a:prstGeom>
+          </p:spPr>
+        </p:pic>
+        <p:sp>
+          <p:nvSpPr>
+            <p:cNvPr id="10" name="Freeform 30">
+              <a:extLst>
+                <a:ext uri="{FF2B5EF4-FFF2-40B4-BE49-F238E27FC236}">
+                  <a16:creationId xmlns:a16="http://schemas.microsoft.com/office/drawing/2014/main" id="{DC23977A-8C5E-4ECD-A1D0-62EE1BF9FAF3}"/>
+                </a:ext>
+              </a:extLst>
+            </p:cNvPr>
+            <p:cNvSpPr/>
+            <p:nvPr/>
+          </p:nvSpPr>
+          <p:spPr>
+            <a:xfrm>
+              <a:off x="7206998" y="1739900"/>
+              <a:ext cx="3022600" cy="1892300"/>
+            </a:xfrm>
+            <a:custGeom>
+              <a:avLst/>
+              <a:gdLst>
+                <a:gd name="connsiteX0" fmla="*/ 0 w 3022600"/>
+                <a:gd name="connsiteY0" fmla="*/ 1892300 h 1892300"/>
+                <a:gd name="connsiteX1" fmla="*/ 0 w 3022600"/>
+                <a:gd name="connsiteY1" fmla="*/ 0 h 1892300"/>
+                <a:gd name="connsiteX2" fmla="*/ 3022600 w 3022600"/>
+                <a:gd name="connsiteY2" fmla="*/ 0 h 1892300"/>
+                <a:gd name="connsiteX3" fmla="*/ 3022600 w 3022600"/>
+                <a:gd name="connsiteY3" fmla="*/ 1562100 h 1892300"/>
+              </a:gdLst>
+              <a:ahLst/>
+              <a:cxnLst>
+                <a:cxn ang="0">
+                  <a:pos x="connsiteX0" y="connsiteY0"/>
+                </a:cxn>
+                <a:cxn ang="0">
+                  <a:pos x="connsiteX1" y="connsiteY1"/>
+                </a:cxn>
+                <a:cxn ang="0">
+                  <a:pos x="connsiteX2" y="connsiteY2"/>
+                </a:cxn>
+                <a:cxn ang="0">
+                  <a:pos x="connsiteX3" y="connsiteY3"/>
+                </a:cxn>
+              </a:cxnLst>
+              <a:rect l="l" t="t" r="r" b="b"/>
+              <a:pathLst>
+                <a:path w="3022600" h="1892300">
+                  <a:moveTo>
+                    <a:pt x="0" y="1892300"/>
+                  </a:moveTo>
+                  <a:lnTo>
+                    <a:pt x="0" y="0"/>
+                  </a:lnTo>
+                  <a:lnTo>
+                    <a:pt x="3022600" y="0"/>
+                  </a:lnTo>
+                  <a:lnTo>
+                    <a:pt x="3022600" y="1562100"/>
+                  </a:lnTo>
+                </a:path>
+              </a:pathLst>
+            </a:custGeom>
+            <a:noFill/>
+            <a:ln w="3175">
+              <a:solidFill>
+                <a:schemeClr val="bg1">
+                  <a:lumMod val="75000"/>
+                </a:schemeClr>
+              </a:solidFill>
+            </a:ln>
+          </p:spPr>
+          <p:txBody>
+            <a:bodyPr rtlCol="0" anchor="ctr"/>
+            <a:lstStyle/>
+            <a:p>
+              <a:pPr algn="ctr" defTabSz="932597">
+                <a:defRPr/>
+              </a:pPr>
+              <a:endParaRPr lang="en-US">
+                <a:solidFill>
+                  <a:srgbClr val="505050"/>
+                </a:solidFill>
+                <a:latin typeface="Segoe UI"/>
+              </a:endParaRPr>
+            </a:p>
+          </p:txBody>
+        </p:sp>
+        <p:sp>
+          <p:nvSpPr>
+            <p:cNvPr id="11" name="Freeform 31">
+              <a:extLst>
+                <a:ext uri="{FF2B5EF4-FFF2-40B4-BE49-F238E27FC236}">
+                  <a16:creationId xmlns:a16="http://schemas.microsoft.com/office/drawing/2014/main" id="{80D6E929-CA03-4664-9537-A06A9D35863F}"/>
+                </a:ext>
+              </a:extLst>
+            </p:cNvPr>
+            <p:cNvSpPr/>
+            <p:nvPr/>
+          </p:nvSpPr>
+          <p:spPr>
+            <a:xfrm>
+              <a:off x="6414998" y="3224213"/>
+              <a:ext cx="1583022" cy="419100"/>
+            </a:xfrm>
+            <a:custGeom>
+              <a:avLst/>
+              <a:gdLst>
+                <a:gd name="connsiteX0" fmla="*/ 0 w 1628775"/>
+                <a:gd name="connsiteY0" fmla="*/ 404812 h 419100"/>
+                <a:gd name="connsiteX1" fmla="*/ 0 w 1628775"/>
+                <a:gd name="connsiteY1" fmla="*/ 0 h 419100"/>
+                <a:gd name="connsiteX2" fmla="*/ 1628775 w 1628775"/>
+                <a:gd name="connsiteY2" fmla="*/ 0 h 419100"/>
+                <a:gd name="connsiteX3" fmla="*/ 1628775 w 1628775"/>
+                <a:gd name="connsiteY3" fmla="*/ 419100 h 419100"/>
+              </a:gdLst>
+              <a:ahLst/>
+              <a:cxnLst>
+                <a:cxn ang="0">
+                  <a:pos x="connsiteX0" y="connsiteY0"/>
+                </a:cxn>
+                <a:cxn ang="0">
+                  <a:pos x="connsiteX1" y="connsiteY1"/>
+                </a:cxn>
+                <a:cxn ang="0">
+                  <a:pos x="connsiteX2" y="connsiteY2"/>
+                </a:cxn>
+                <a:cxn ang="0">
+                  <a:pos x="connsiteX3" y="connsiteY3"/>
+                </a:cxn>
+              </a:cxnLst>
+              <a:rect l="l" t="t" r="r" b="b"/>
+              <a:pathLst>
+                <a:path w="1628775" h="419100">
+                  <a:moveTo>
+                    <a:pt x="0" y="404812"/>
+                  </a:moveTo>
+                  <a:lnTo>
+                    <a:pt x="0" y="0"/>
+                  </a:lnTo>
+                  <a:lnTo>
+                    <a:pt x="1628775" y="0"/>
+                  </a:lnTo>
+                  <a:lnTo>
+                    <a:pt x="1628775" y="419100"/>
+                  </a:lnTo>
+                </a:path>
+              </a:pathLst>
+            </a:custGeom>
+            <a:noFill/>
+            <a:ln w="3175">
+              <a:solidFill>
+                <a:schemeClr val="bg1">
+                  <a:lumMod val="75000"/>
+                </a:schemeClr>
+              </a:solidFill>
+            </a:ln>
+          </p:spPr>
+          <p:txBody>
+            <a:bodyPr rtlCol="0" anchor="ctr"/>
+            <a:lstStyle/>
+            <a:p>
+              <a:pPr algn="ctr" defTabSz="932597">
+                <a:defRPr/>
+              </a:pPr>
+              <a:endParaRPr lang="en-US">
+                <a:solidFill>
+                  <a:srgbClr val="505050"/>
+                </a:solidFill>
+                <a:latin typeface="Segoe UI"/>
+              </a:endParaRPr>
+            </a:p>
+          </p:txBody>
+        </p:sp>
+        <p:sp>
+          <p:nvSpPr>
+            <p:cNvPr id="12" name="Freeform 32">
+              <a:extLst>
+                <a:ext uri="{FF2B5EF4-FFF2-40B4-BE49-F238E27FC236}">
+                  <a16:creationId xmlns:a16="http://schemas.microsoft.com/office/drawing/2014/main" id="{8342C213-7970-481F-81D3-AD56ABF607AF}"/>
+                </a:ext>
+              </a:extLst>
+            </p:cNvPr>
+            <p:cNvSpPr/>
+            <p:nvPr/>
+          </p:nvSpPr>
+          <p:spPr>
+            <a:xfrm>
+              <a:off x="10496460" y="3454400"/>
+              <a:ext cx="376238" cy="1558777"/>
+            </a:xfrm>
+            <a:custGeom>
+              <a:avLst/>
+              <a:gdLst>
+                <a:gd name="connsiteX0" fmla="*/ 0 w 466725"/>
+                <a:gd name="connsiteY0" fmla="*/ 0 h 1481137"/>
+                <a:gd name="connsiteX1" fmla="*/ 309563 w 466725"/>
+                <a:gd name="connsiteY1" fmla="*/ 0 h 1481137"/>
+                <a:gd name="connsiteX2" fmla="*/ 309563 w 466725"/>
+                <a:gd name="connsiteY2" fmla="*/ 1481137 h 1481137"/>
+                <a:gd name="connsiteX3" fmla="*/ 466725 w 466725"/>
+                <a:gd name="connsiteY3" fmla="*/ 1481137 h 1481137"/>
+              </a:gdLst>
+              <a:ahLst/>
+              <a:cxnLst>
+                <a:cxn ang="0">
+                  <a:pos x="connsiteX0" y="connsiteY0"/>
+                </a:cxn>
+                <a:cxn ang="0">
+                  <a:pos x="connsiteX1" y="connsiteY1"/>
+                </a:cxn>
+                <a:cxn ang="0">
+                  <a:pos x="connsiteX2" y="connsiteY2"/>
+                </a:cxn>
+                <a:cxn ang="0">
+                  <a:pos x="connsiteX3" y="connsiteY3"/>
+                </a:cxn>
+              </a:cxnLst>
+              <a:rect l="l" t="t" r="r" b="b"/>
+              <a:pathLst>
+                <a:path w="466725" h="1481137">
+                  <a:moveTo>
+                    <a:pt x="0" y="0"/>
+                  </a:moveTo>
+                  <a:lnTo>
+                    <a:pt x="309563" y="0"/>
+                  </a:lnTo>
+                  <a:lnTo>
+                    <a:pt x="309563" y="1481137"/>
+                  </a:lnTo>
+                  <a:lnTo>
+                    <a:pt x="466725" y="1481137"/>
+                  </a:lnTo>
+                </a:path>
+              </a:pathLst>
+            </a:custGeom>
+            <a:noFill/>
+            <a:ln w="3175">
+              <a:solidFill>
+                <a:schemeClr val="bg1">
+                  <a:lumMod val="75000"/>
+                </a:schemeClr>
+              </a:solidFill>
+            </a:ln>
+          </p:spPr>
+          <p:txBody>
+            <a:bodyPr rtlCol="0" anchor="ctr"/>
+            <a:lstStyle/>
+            <a:p>
+              <a:pPr algn="ctr" defTabSz="932597">
+                <a:defRPr/>
+              </a:pPr>
+              <a:endParaRPr lang="en-US">
+                <a:solidFill>
+                  <a:srgbClr val="505050"/>
+                </a:solidFill>
+                <a:latin typeface="Segoe UI"/>
+              </a:endParaRPr>
+            </a:p>
+          </p:txBody>
+        </p:sp>
+        <p:pic>
+          <p:nvPicPr>
+            <p:cNvPr id="13" name="Picture 12">
+              <a:extLst>
+                <a:ext uri="{FF2B5EF4-FFF2-40B4-BE49-F238E27FC236}">
+                  <a16:creationId xmlns:a16="http://schemas.microsoft.com/office/drawing/2014/main" id="{D908310F-B467-40E9-9339-679122D9A46D}"/>
+                </a:ext>
+              </a:extLst>
+            </p:cNvPr>
+            <p:cNvPicPr>
+              <a:picLocks noChangeAspect="1"/>
+            </p:cNvPicPr>
+            <p:nvPr/>
+          </p:nvPicPr>
+          <p:blipFill>
+            <a:blip r:embed="rId5" cstate="print">
+              <a:extLst>
+                <a:ext uri="{28A0092B-C50C-407E-A947-70E740481C1C}">
+                  <a14:useLocalDpi xmlns:a14="http://schemas.microsoft.com/office/drawing/2010/main" val="0"/>
+                </a:ext>
+              </a:extLst>
+            </a:blip>
+            <a:stretch>
+              <a:fillRect/>
+            </a:stretch>
+          </p:blipFill>
+          <p:spPr>
+            <a:xfrm>
+              <a:off x="8250445" y="1188720"/>
+              <a:ext cx="935706" cy="935706"/>
+            </a:xfrm>
+            <a:prstGeom prst="rect">
+              <a:avLst/>
+            </a:prstGeom>
+            <a:solidFill>
+              <a:schemeClr val="bg1"/>
+            </a:solidFill>
+          </p:spPr>
+        </p:pic>
+        <p:sp>
+          <p:nvSpPr>
+            <p:cNvPr id="14" name="Rectangle 13">
+              <a:extLst>
+                <a:ext uri="{FF2B5EF4-FFF2-40B4-BE49-F238E27FC236}">
+                  <a16:creationId xmlns:a16="http://schemas.microsoft.com/office/drawing/2014/main" id="{68F6E8E7-BA73-4283-97BD-088BE833DC6B}"/>
+                </a:ext>
+              </a:extLst>
+            </p:cNvPr>
+            <p:cNvSpPr/>
+            <p:nvPr/>
+          </p:nvSpPr>
+          <p:spPr>
+            <a:xfrm>
+              <a:off x="8043891" y="2132856"/>
+              <a:ext cx="1348821" cy="487335"/>
+            </a:xfrm>
+            <a:prstGeom prst="rect">
+              <a:avLst/>
+            </a:prstGeom>
+          </p:spPr>
+          <p:txBody>
+            <a:bodyPr wrap="none">
+              <a:spAutoFit/>
+            </a:bodyPr>
+            <a:lstStyle/>
+            <a:p>
+              <a:pPr algn="ctr" defTabSz="932597">
+                <a:defRPr/>
+              </a:pPr>
+              <a:r>
+                <a:rPr lang="en-US" sz="1224" dirty="0">
+                  <a:solidFill>
+                    <a:srgbClr val="0072C6"/>
+                  </a:solidFill>
+                  <a:latin typeface="Segoe UI"/>
+                </a:rPr>
+                <a:t>Azure</a:t>
+              </a:r>
+            </a:p>
+            <a:p>
+              <a:pPr algn="ctr" defTabSz="932597">
+                <a:defRPr/>
+              </a:pPr>
+              <a:r>
+                <a:rPr lang="en-US" sz="1224" dirty="0">
+                  <a:solidFill>
+                    <a:srgbClr val="0072C6"/>
+                  </a:solidFill>
+                  <a:latin typeface="Segoe UI"/>
+                </a:rPr>
+                <a:t>Active Directory</a:t>
+              </a:r>
+              <a:endParaRPr lang="en-US" sz="1224" dirty="0">
+                <a:solidFill>
+                  <a:srgbClr val="505050"/>
+                </a:solidFill>
+                <a:latin typeface="Segoe UI"/>
+              </a:endParaRPr>
+            </a:p>
+          </p:txBody>
+        </p:sp>
+        <p:sp>
+          <p:nvSpPr>
+            <p:cNvPr id="15" name="Rectangle 14">
+              <a:extLst>
+                <a:ext uri="{FF2B5EF4-FFF2-40B4-BE49-F238E27FC236}">
+                  <a16:creationId xmlns:a16="http://schemas.microsoft.com/office/drawing/2014/main" id="{9A8FAB1A-CB69-44FD-BD1F-AB9A21BEABC6}"/>
+                </a:ext>
+              </a:extLst>
+            </p:cNvPr>
+            <p:cNvSpPr/>
+            <p:nvPr/>
+          </p:nvSpPr>
+          <p:spPr>
+            <a:xfrm>
+              <a:off x="10789798" y="4473116"/>
+              <a:ext cx="1141913" cy="195707"/>
+            </a:xfrm>
+            <a:prstGeom prst="rect">
+              <a:avLst/>
+            </a:prstGeom>
+          </p:spPr>
+          <p:txBody>
+            <a:bodyPr wrap="none" lIns="0" tIns="0" rIns="0" bIns="0">
+              <a:spAutoFit/>
+            </a:bodyPr>
+            <a:lstStyle/>
+            <a:p>
+              <a:pPr defTabSz="932597">
+                <a:defRPr/>
+              </a:pPr>
+              <a:r>
+                <a:rPr lang="en-US" sz="1224">
+                  <a:solidFill>
+                    <a:srgbClr val="0072C6"/>
+                  </a:solidFill>
+                  <a:latin typeface="Segoe UI"/>
+                </a:rPr>
+                <a:t>Resource group</a:t>
+              </a:r>
+              <a:endParaRPr lang="en-US" sz="1224">
+                <a:solidFill>
+                  <a:srgbClr val="505050"/>
+                </a:solidFill>
+                <a:latin typeface="Segoe UI"/>
+              </a:endParaRPr>
+            </a:p>
+          </p:txBody>
+        </p:sp>
+        <p:sp>
+          <p:nvSpPr>
+            <p:cNvPr id="16" name="Rectangle 15">
+              <a:extLst>
+                <a:ext uri="{FF2B5EF4-FFF2-40B4-BE49-F238E27FC236}">
+                  <a16:creationId xmlns:a16="http://schemas.microsoft.com/office/drawing/2014/main" id="{AE22B93B-6D97-4A44-A4D2-2BDDA3BA6CAF}"/>
+                </a:ext>
+              </a:extLst>
+            </p:cNvPr>
+            <p:cNvSpPr/>
+            <p:nvPr/>
+          </p:nvSpPr>
+          <p:spPr>
+            <a:xfrm>
+              <a:off x="10786821" y="5265205"/>
+              <a:ext cx="1150809" cy="195707"/>
+            </a:xfrm>
+            <a:prstGeom prst="rect">
+              <a:avLst/>
+            </a:prstGeom>
+          </p:spPr>
+          <p:txBody>
+            <a:bodyPr wrap="none" lIns="0" tIns="0" rIns="0" bIns="0">
+              <a:spAutoFit/>
+            </a:bodyPr>
+            <a:lstStyle/>
+            <a:p>
+              <a:pPr defTabSz="932597">
+                <a:defRPr/>
+              </a:pPr>
+              <a:r>
+                <a:rPr lang="en-US" sz="1224">
+                  <a:solidFill>
+                    <a:srgbClr val="0072C6"/>
+                  </a:solidFill>
+                  <a:latin typeface="Segoe UI"/>
+                </a:rPr>
+                <a:t>Resource group</a:t>
+              </a:r>
+              <a:endParaRPr lang="en-US" sz="1224">
+                <a:solidFill>
+                  <a:srgbClr val="505050"/>
+                </a:solidFill>
+                <a:latin typeface="Segoe UI"/>
+              </a:endParaRPr>
+            </a:p>
+          </p:txBody>
+        </p:sp>
+        <p:cxnSp>
+          <p:nvCxnSpPr>
+            <p:cNvPr id="18" name="Straight Connector 17">
+              <a:extLst>
+                <a:ext uri="{FF2B5EF4-FFF2-40B4-BE49-F238E27FC236}">
+                  <a16:creationId xmlns:a16="http://schemas.microsoft.com/office/drawing/2014/main" id="{4CF370D2-2F9F-4F15-9627-0090613B419A}"/>
+                </a:ext>
+              </a:extLst>
+            </p:cNvPr>
+            <p:cNvCxnSpPr/>
+            <p:nvPr/>
+          </p:nvCxnSpPr>
+          <p:spPr>
+            <a:xfrm>
+              <a:off x="10744892" y="4287091"/>
+              <a:ext cx="305078" cy="0"/>
+            </a:xfrm>
+            <a:prstGeom prst="line">
+              <a:avLst/>
+            </a:prstGeom>
+            <a:noFill/>
+            <a:ln w="3175">
+              <a:solidFill>
+                <a:schemeClr val="bg1">
+                  <a:lumMod val="75000"/>
+                </a:schemeClr>
+              </a:solidFill>
+            </a:ln>
+          </p:spPr>
+        </p:cxnSp>
+        <p:cxnSp>
+          <p:nvCxnSpPr>
+            <p:cNvPr id="19" name="Straight Connector 18">
+              <a:extLst>
+                <a:ext uri="{FF2B5EF4-FFF2-40B4-BE49-F238E27FC236}">
+                  <a16:creationId xmlns:a16="http://schemas.microsoft.com/office/drawing/2014/main" id="{B09FFB16-77FF-4057-9334-C2964659033C}"/>
+                </a:ext>
+              </a:extLst>
+            </p:cNvPr>
+            <p:cNvCxnSpPr/>
+            <p:nvPr/>
+          </p:nvCxnSpPr>
+          <p:spPr>
+            <a:xfrm>
+              <a:off x="10744892" y="5013177"/>
+              <a:ext cx="305078" cy="0"/>
+            </a:xfrm>
+            <a:prstGeom prst="line">
+              <a:avLst/>
+            </a:prstGeom>
+            <a:noFill/>
+            <a:ln w="3175">
+              <a:solidFill>
+                <a:schemeClr val="bg1">
+                  <a:lumMod val="75000"/>
+                </a:schemeClr>
+              </a:solidFill>
+            </a:ln>
+          </p:spPr>
+        </p:cxnSp>
+        <p:pic>
+          <p:nvPicPr>
+            <p:cNvPr id="20" name="Picture 19">
+              <a:extLst>
+                <a:ext uri="{FF2B5EF4-FFF2-40B4-BE49-F238E27FC236}">
+                  <a16:creationId xmlns:a16="http://schemas.microsoft.com/office/drawing/2014/main" id="{97B9F2D5-B926-4EA2-953E-B2DC019EEE9A}"/>
+                </a:ext>
+              </a:extLst>
+            </p:cNvPr>
+            <p:cNvPicPr>
+              <a:picLocks noChangeAspect="1"/>
+            </p:cNvPicPr>
+            <p:nvPr/>
+          </p:nvPicPr>
+          <p:blipFill>
+            <a:blip r:embed="rId6" cstate="print">
+              <a:extLst>
+                <a:ext uri="{28A0092B-C50C-407E-A947-70E740481C1C}">
+                  <a14:useLocalDpi xmlns:a14="http://schemas.microsoft.com/office/drawing/2010/main" val="0"/>
+                </a:ext>
+              </a:extLst>
+            </a:blip>
+            <a:stretch>
+              <a:fillRect/>
+            </a:stretch>
+          </p:blipFill>
+          <p:spPr>
+            <a:xfrm>
+              <a:off x="11049970" y="4016862"/>
+              <a:ext cx="540458" cy="540458"/>
+            </a:xfrm>
+            <a:prstGeom prst="rect">
+              <a:avLst/>
+            </a:prstGeom>
+          </p:spPr>
+        </p:pic>
+        <p:pic>
+          <p:nvPicPr>
+            <p:cNvPr id="21" name="Picture 20">
+              <a:extLst>
+                <a:ext uri="{FF2B5EF4-FFF2-40B4-BE49-F238E27FC236}">
+                  <a16:creationId xmlns:a16="http://schemas.microsoft.com/office/drawing/2014/main" id="{09DE48B0-0F00-40BA-9B90-FAF7F39A49AF}"/>
+                </a:ext>
+              </a:extLst>
+            </p:cNvPr>
+            <p:cNvPicPr>
+              <a:picLocks noChangeAspect="1"/>
+            </p:cNvPicPr>
+            <p:nvPr/>
+          </p:nvPicPr>
+          <p:blipFill>
+            <a:blip r:embed="rId6" cstate="print">
+              <a:extLst>
+                <a:ext uri="{28A0092B-C50C-407E-A947-70E740481C1C}">
+                  <a14:useLocalDpi xmlns:a14="http://schemas.microsoft.com/office/drawing/2010/main" val="0"/>
+                </a:ext>
+              </a:extLst>
+            </a:blip>
+            <a:stretch>
+              <a:fillRect/>
+            </a:stretch>
+          </p:blipFill>
+          <p:spPr>
+            <a:xfrm>
+              <a:off x="11049970" y="4725144"/>
+              <a:ext cx="540458" cy="540458"/>
+            </a:xfrm>
+            <a:prstGeom prst="rect">
+              <a:avLst/>
+            </a:prstGeom>
+          </p:spPr>
+        </p:pic>
+        <p:pic>
+          <p:nvPicPr>
+            <p:cNvPr id="22" name="Picture 21">
+              <a:extLst>
+                <a:ext uri="{FF2B5EF4-FFF2-40B4-BE49-F238E27FC236}">
+                  <a16:creationId xmlns:a16="http://schemas.microsoft.com/office/drawing/2014/main" id="{D1883536-C726-4036-A727-AD9988E40CA8}"/>
+                </a:ext>
+              </a:extLst>
+            </p:cNvPr>
+            <p:cNvPicPr>
+              <a:picLocks noChangeAspect="1"/>
+            </p:cNvPicPr>
+            <p:nvPr/>
+          </p:nvPicPr>
+          <p:blipFill>
+            <a:blip r:embed="rId7"/>
+            <a:stretch>
+              <a:fillRect/>
+            </a:stretch>
+          </p:blipFill>
+          <p:spPr>
+            <a:xfrm>
+              <a:off x="7691267" y="3675774"/>
+              <a:ext cx="621846" cy="469433"/>
+            </a:xfrm>
+            <a:prstGeom prst="rect">
+              <a:avLst/>
+            </a:prstGeom>
+          </p:spPr>
+        </p:pic>
+        <p:sp>
+          <p:nvSpPr>
+            <p:cNvPr id="23" name="Rectangle 22">
+              <a:extLst>
+                <a:ext uri="{FF2B5EF4-FFF2-40B4-BE49-F238E27FC236}">
+                  <a16:creationId xmlns:a16="http://schemas.microsoft.com/office/drawing/2014/main" id="{F2E1E3C6-BA28-4271-BD12-98D00B8ED4F3}"/>
+                </a:ext>
+              </a:extLst>
+            </p:cNvPr>
+            <p:cNvSpPr/>
+            <p:nvPr/>
+          </p:nvSpPr>
+          <p:spPr>
+            <a:xfrm>
+              <a:off x="6156266" y="4159746"/>
+              <a:ext cx="520981" cy="291628"/>
+            </a:xfrm>
+            <a:prstGeom prst="rect">
+              <a:avLst/>
+            </a:prstGeom>
+          </p:spPr>
+          <p:txBody>
+            <a:bodyPr wrap="none">
+              <a:spAutoFit/>
+            </a:bodyPr>
+            <a:lstStyle/>
+            <a:p>
+              <a:pPr algn="ctr" defTabSz="932597">
+                <a:defRPr/>
+              </a:pPr>
+              <a:r>
+                <a:rPr lang="en-US" sz="1224">
+                  <a:solidFill>
+                    <a:srgbClr val="0072C6"/>
+                  </a:solidFill>
+                  <a:latin typeface="Segoe UI"/>
+                </a:rPr>
+                <a:t>User</a:t>
+              </a:r>
+              <a:endParaRPr lang="en-US" sz="1224">
+                <a:solidFill>
+                  <a:srgbClr val="505050"/>
+                </a:solidFill>
+                <a:latin typeface="Segoe UI"/>
+              </a:endParaRPr>
+            </a:p>
+          </p:txBody>
+        </p:sp>
+        <p:sp>
+          <p:nvSpPr>
+            <p:cNvPr id="24" name="Rectangle 23">
+              <a:extLst>
+                <a:ext uri="{FF2B5EF4-FFF2-40B4-BE49-F238E27FC236}">
+                  <a16:creationId xmlns:a16="http://schemas.microsoft.com/office/drawing/2014/main" id="{9F0C9A37-CE2E-420A-8392-953A2123CCAD}"/>
+                </a:ext>
+              </a:extLst>
+            </p:cNvPr>
+            <p:cNvSpPr/>
+            <p:nvPr/>
+          </p:nvSpPr>
+          <p:spPr>
+            <a:xfrm>
+              <a:off x="6905731" y="4159746"/>
+              <a:ext cx="566474" cy="291628"/>
+            </a:xfrm>
+            <a:prstGeom prst="rect">
+              <a:avLst/>
+            </a:prstGeom>
+          </p:spPr>
+          <p:txBody>
+            <a:bodyPr wrap="none">
+              <a:spAutoFit/>
+            </a:bodyPr>
+            <a:lstStyle/>
+            <a:p>
+              <a:pPr algn="ctr" defTabSz="932597">
+                <a:defRPr/>
+              </a:pPr>
+              <a:r>
+                <a:rPr lang="en-US" sz="1224">
+                  <a:solidFill>
+                    <a:srgbClr val="0072C6"/>
+                  </a:solidFill>
+                  <a:latin typeface="Segoe UI"/>
+                </a:rPr>
+                <a:t>Apps</a:t>
+              </a:r>
+              <a:endParaRPr lang="en-US" sz="1224">
+                <a:solidFill>
+                  <a:srgbClr val="505050"/>
+                </a:solidFill>
+                <a:latin typeface="Segoe UI"/>
+              </a:endParaRPr>
+            </a:p>
+          </p:txBody>
+        </p:sp>
+        <p:sp>
+          <p:nvSpPr>
+            <p:cNvPr id="25" name="Rectangle 24">
+              <a:extLst>
+                <a:ext uri="{FF2B5EF4-FFF2-40B4-BE49-F238E27FC236}">
+                  <a16:creationId xmlns:a16="http://schemas.microsoft.com/office/drawing/2014/main" id="{628F00B6-1F4B-478F-A8D4-525A7666CBD4}"/>
+                </a:ext>
+              </a:extLst>
+            </p:cNvPr>
+            <p:cNvSpPr/>
+            <p:nvPr/>
+          </p:nvSpPr>
+          <p:spPr>
+            <a:xfrm>
+              <a:off x="7464955" y="4159746"/>
+              <a:ext cx="1078694" cy="291628"/>
+            </a:xfrm>
+            <a:prstGeom prst="rect">
+              <a:avLst/>
+            </a:prstGeom>
+          </p:spPr>
+          <p:txBody>
+            <a:bodyPr wrap="none">
+              <a:spAutoFit/>
+            </a:bodyPr>
+            <a:lstStyle/>
+            <a:p>
+              <a:pPr algn="ctr" defTabSz="932597">
+                <a:defRPr/>
+              </a:pPr>
+              <a:r>
+                <a:rPr lang="en-US" sz="1224">
+                  <a:solidFill>
+                    <a:srgbClr val="0072C6"/>
+                  </a:solidFill>
+                  <a:latin typeface="Segoe UI"/>
+                </a:rPr>
+                <a:t>User groups</a:t>
+              </a:r>
+              <a:endParaRPr lang="en-US" sz="1224">
+                <a:solidFill>
+                  <a:srgbClr val="505050"/>
+                </a:solidFill>
+                <a:latin typeface="Segoe UI"/>
+              </a:endParaRPr>
+            </a:p>
+          </p:txBody>
+        </p:sp>
+        <p:sp>
+          <p:nvSpPr>
+            <p:cNvPr id="26" name="Rectangle 25">
+              <a:extLst>
+                <a:ext uri="{FF2B5EF4-FFF2-40B4-BE49-F238E27FC236}">
+                  <a16:creationId xmlns:a16="http://schemas.microsoft.com/office/drawing/2014/main" id="{044FD503-0CA6-4162-9BA8-3DEA6F1034B1}"/>
+                </a:ext>
+              </a:extLst>
+            </p:cNvPr>
+            <p:cNvSpPr/>
+            <p:nvPr/>
+          </p:nvSpPr>
+          <p:spPr>
+            <a:xfrm>
+              <a:off x="9432381" y="3643313"/>
+              <a:ext cx="1082064" cy="487335"/>
+            </a:xfrm>
+            <a:prstGeom prst="rect">
+              <a:avLst/>
+            </a:prstGeom>
+          </p:spPr>
+          <p:txBody>
+            <a:bodyPr wrap="none">
+              <a:spAutoFit/>
+            </a:bodyPr>
+            <a:lstStyle/>
+            <a:p>
+              <a:pPr algn="ctr" defTabSz="932597">
+                <a:defRPr/>
+              </a:pPr>
+              <a:r>
+                <a:rPr lang="en-US" sz="1224">
+                  <a:solidFill>
+                    <a:srgbClr val="0072C6"/>
+                  </a:solidFill>
+                  <a:latin typeface="Segoe UI"/>
+                </a:rPr>
+                <a:t>Azure</a:t>
+              </a:r>
+            </a:p>
+            <a:p>
+              <a:pPr algn="ctr" defTabSz="932597">
+                <a:defRPr/>
+              </a:pPr>
+              <a:r>
+                <a:rPr lang="en-US" sz="1224">
+                  <a:solidFill>
+                    <a:srgbClr val="0072C6"/>
+                  </a:solidFill>
+                  <a:latin typeface="Segoe UI"/>
+                </a:rPr>
+                <a:t>subscription</a:t>
+              </a:r>
+              <a:endParaRPr lang="en-US" sz="1224">
+                <a:solidFill>
+                  <a:srgbClr val="505050"/>
+                </a:solidFill>
+                <a:latin typeface="Segoe UI"/>
+              </a:endParaRPr>
+            </a:p>
+          </p:txBody>
+        </p:sp>
+        <p:pic>
+          <p:nvPicPr>
+            <p:cNvPr id="27" name="Picture 26">
+              <a:extLst>
+                <a:ext uri="{FF2B5EF4-FFF2-40B4-BE49-F238E27FC236}">
+                  <a16:creationId xmlns:a16="http://schemas.microsoft.com/office/drawing/2014/main" id="{C0EBD996-9BCE-428C-86F7-E60671ED93A0}"/>
+                </a:ext>
+              </a:extLst>
+            </p:cNvPr>
+            <p:cNvPicPr>
+              <a:picLocks noChangeAspect="1"/>
+            </p:cNvPicPr>
+            <p:nvPr/>
+          </p:nvPicPr>
+          <p:blipFill>
+            <a:blip r:embed="rId8" cstate="print">
+              <a:clrChange>
+                <a:clrFrom>
+                  <a:srgbClr val="FFFFFF"/>
+                </a:clrFrom>
+                <a:clrTo>
+                  <a:srgbClr val="FFFFFF">
+                    <a:alpha val="0"/>
+                  </a:srgbClr>
+                </a:clrTo>
+              </a:clrChange>
+              <a:extLst>
+                <a:ext uri="{28A0092B-C50C-407E-A947-70E740481C1C}">
+                  <a14:useLocalDpi xmlns:a14="http://schemas.microsoft.com/office/drawing/2010/main" val="0"/>
+                </a:ext>
+              </a:extLst>
+            </a:blip>
+            <a:stretch>
+              <a:fillRect/>
+            </a:stretch>
+          </p:blipFill>
+          <p:spPr>
+            <a:xfrm>
+              <a:off x="9265155" y="3213636"/>
+              <a:ext cx="1361218" cy="476496"/>
+            </a:xfrm>
+            <a:prstGeom prst="rect">
+              <a:avLst/>
+            </a:prstGeom>
+          </p:spPr>
+        </p:pic>
+      </p:grpSp>
     </p:spTree>
     <p:extLst>
       <p:ext uri="{BB962C8B-B14F-4D97-AF65-F5344CB8AC3E}">
-        <p14:creationId xmlns:p14="http://schemas.microsoft.com/office/powerpoint/2010/main" val="1040622842"/>
+        <p14:creationId xmlns:p14="http://schemas.microsoft.com/office/powerpoint/2010/main" val="2188913812"/>
       </p:ext>
     </p:extLst>
   </p:cSld>
@@ -30803,6 +31500,469 @@
       </p:grpSpPr>
       <p:sp>
         <p:nvSpPr>
+          <p:cNvPr id="17" name="Title 16"/>
+          <p:cNvSpPr>
+            <a:spLocks noGrp="1"/>
+          </p:cNvSpPr>
+          <p:nvPr>
+            <p:ph type="title"/>
+          </p:nvPr>
+        </p:nvSpPr>
+        <p:spPr>
+          <a:xfrm>
+            <a:off x="600855" y="466301"/>
+            <a:ext cx="11237870" cy="565027"/>
+          </a:xfrm>
+        </p:spPr>
+        <p:txBody>
+          <a:bodyPr/>
+          <a:lstStyle/>
+          <a:p>
+            <a:r>
+              <a:rPr lang="en-US" dirty="0">
+                <a:solidFill>
+                  <a:schemeClr val="tx1"/>
+                </a:solidFill>
+              </a:rPr>
+              <a:t>Defense in Depth</a:t>
+            </a:r>
+          </a:p>
+        </p:txBody>
+      </p:sp>
+      <p:sp>
+        <p:nvSpPr>
+          <p:cNvPr id="6" name="Text Placeholder 5"/>
+          <p:cNvSpPr>
+            <a:spLocks noGrp="1"/>
+          </p:cNvSpPr>
+          <p:nvPr>
+            <p:ph type="body" sz="quarter" idx="10"/>
+          </p:nvPr>
+        </p:nvSpPr>
+        <p:spPr>
+          <a:xfrm>
+            <a:off x="597748" y="1692078"/>
+            <a:ext cx="4934345" cy="3051989"/>
+          </a:xfrm>
+        </p:spPr>
+        <p:txBody>
+          <a:bodyPr/>
+          <a:lstStyle/>
+          <a:p>
+            <a:pPr marL="0" indent="0">
+              <a:buNone/>
+            </a:pPr>
+            <a:r>
+              <a:rPr lang="en-US" sz="2400" dirty="0">
+                <a:solidFill>
+                  <a:schemeClr val="tx1"/>
+                </a:solidFill>
+              </a:rPr>
+              <a:t>A layered approach to securing computer systems.</a:t>
+            </a:r>
+          </a:p>
+          <a:p>
+            <a:pPr marL="0" indent="0">
+              <a:buNone/>
+            </a:pPr>
+            <a:endParaRPr lang="en-US" sz="2400" dirty="0">
+              <a:solidFill>
+                <a:schemeClr val="tx1"/>
+              </a:solidFill>
+            </a:endParaRPr>
+          </a:p>
+          <a:p>
+            <a:pPr>
+              <a:lnSpc>
+                <a:spcPct val="114000"/>
+              </a:lnSpc>
+            </a:pPr>
+            <a:r>
+              <a:rPr lang="en-US" sz="2400" dirty="0">
+                <a:solidFill>
+                  <a:schemeClr val="tx1"/>
+                </a:solidFill>
+              </a:rPr>
+              <a:t>Provides multiple levels of protection. </a:t>
+            </a:r>
+          </a:p>
+          <a:p>
+            <a:pPr>
+              <a:lnSpc>
+                <a:spcPct val="114000"/>
+              </a:lnSpc>
+            </a:pPr>
+            <a:r>
+              <a:rPr lang="en-US" sz="2400" dirty="0">
+                <a:solidFill>
+                  <a:schemeClr val="tx1"/>
+                </a:solidFill>
+              </a:rPr>
+              <a:t>Attacks against one layer are isolated from subsequent layers. </a:t>
+            </a:r>
+          </a:p>
+        </p:txBody>
+      </p:sp>
+      <p:pic>
+        <p:nvPicPr>
+          <p:cNvPr id="5" name="Picture 2" descr="Image representing the defense in depth concept with seven layers, each one on top of the other. From top to bottom: Physical security, Identity and access, perimeter, network, compute, application, and data.">
+            <a:extLst>
+              <a:ext uri="{FF2B5EF4-FFF2-40B4-BE49-F238E27FC236}">
+                <a16:creationId xmlns:a16="http://schemas.microsoft.com/office/drawing/2014/main" id="{652F3B15-C685-4DA7-BAD9-569D69C16F9C}"/>
+              </a:ext>
+            </a:extLst>
+          </p:cNvPr>
+          <p:cNvPicPr>
+            <a:picLocks noChangeAspect="1" noChangeArrowheads="1"/>
+          </p:cNvPicPr>
+          <p:nvPr/>
+        </p:nvPicPr>
+        <p:blipFill>
+          <a:blip r:embed="rId3">
+            <a:extLst>
+              <a:ext uri="{28A0092B-C50C-407E-A947-70E740481C1C}">
+                <a14:useLocalDpi xmlns:a14="http://schemas.microsoft.com/office/drawing/2010/main" val="0"/>
+              </a:ext>
+            </a:extLst>
+          </a:blip>
+          <a:srcRect/>
+          <a:stretch>
+            <a:fillRect/>
+          </a:stretch>
+        </p:blipFill>
+        <p:spPr bwMode="auto">
+          <a:xfrm>
+            <a:off x="6407449" y="1067428"/>
+            <a:ext cx="5431276" cy="5409638"/>
+          </a:xfrm>
+          <a:prstGeom prst="rect">
+            <a:avLst/>
+          </a:prstGeom>
+          <a:noFill/>
+          <a:extLst>
+            <a:ext uri="{909E8E84-426E-40DD-AFC4-6F175D3DCCD1}">
+              <a14:hiddenFill xmlns:a14="http://schemas.microsoft.com/office/drawing/2010/main">
+                <a:solidFill>
+                  <a:srgbClr val="FFFFFF"/>
+                </a:solidFill>
+              </a14:hiddenFill>
+            </a:ext>
+          </a:extLst>
+        </p:spPr>
+      </p:pic>
+    </p:spTree>
+    <p:extLst>
+      <p:ext uri="{BB962C8B-B14F-4D97-AF65-F5344CB8AC3E}">
+        <p14:creationId xmlns:p14="http://schemas.microsoft.com/office/powerpoint/2010/main" val="2607894275"/>
+      </p:ext>
+    </p:extLst>
+  </p:cSld>
+  <p:clrMapOvr>
+    <a:masterClrMapping/>
+  </p:clrMapOvr>
+  <mc:AlternateContent xmlns:mc="http://schemas.openxmlformats.org/markup-compatibility/2006" xmlns:p14="http://schemas.microsoft.com/office/powerpoint/2010/main">
+    <mc:Choice Requires="p14">
+      <p:transition spd="med" p14:dur="700">
+        <p:fade/>
+      </p:transition>
+    </mc:Choice>
+    <mc:Fallback xmlns="">
+      <p:transition spd="med">
+        <p:fade/>
+      </p:transition>
+    </mc:Fallback>
+  </mc:AlternateContent>
+</p:sld>
+</file>
+
+<file path=ppt/slides/slide6.xml><?xml version="1.0" encoding="utf-8"?>
+<p:sld xmlns:a="http://schemas.openxmlformats.org/drawingml/2006/main" xmlns:r="http://schemas.openxmlformats.org/officeDocument/2006/relationships" xmlns:p="http://schemas.openxmlformats.org/presentationml/2006/main">
+  <p:cSld>
+    <p:spTree>
+      <p:nvGrpSpPr>
+        <p:cNvPr id="1" name=""/>
+        <p:cNvGrpSpPr/>
+        <p:nvPr/>
+      </p:nvGrpSpPr>
+      <p:grpSpPr>
+        <a:xfrm>
+          <a:off x="0" y="0"/>
+          <a:ext cx="0" cy="0"/>
+          <a:chOff x="0" y="0"/>
+          <a:chExt cx="0" cy="0"/>
+        </a:xfrm>
+      </p:grpSpPr>
+      <p:sp>
+        <p:nvSpPr>
+          <p:cNvPr id="7" name="Rechteck 6">
+            <a:extLst>
+              <a:ext uri="{FF2B5EF4-FFF2-40B4-BE49-F238E27FC236}">
+                <a16:creationId xmlns:a16="http://schemas.microsoft.com/office/drawing/2014/main" id="{5F161D8D-F0B1-499E-9B93-D7BC5DFCB831}"/>
+              </a:ext>
+            </a:extLst>
+          </p:cNvPr>
+          <p:cNvSpPr/>
+          <p:nvPr/>
+        </p:nvSpPr>
+        <p:spPr bwMode="auto">
+          <a:xfrm>
+            <a:off x="257503" y="0"/>
+            <a:ext cx="4272456" cy="6994525"/>
+          </a:xfrm>
+          <a:prstGeom prst="rect">
+            <a:avLst/>
+          </a:prstGeom>
+          <a:solidFill>
+            <a:schemeClr val="tx2"/>
+          </a:solidFill>
+          <a:ln>
+            <a:noFill/>
+            <a:headEnd type="none" w="med" len="med"/>
+            <a:tailEnd type="none" w="med" len="med"/>
+          </a:ln>
+        </p:spPr>
+        <p:style>
+          <a:lnRef idx="2">
+            <a:schemeClr val="accent1">
+              <a:shade val="50000"/>
+            </a:schemeClr>
+          </a:lnRef>
+          <a:fillRef idx="1">
+            <a:schemeClr val="accent1"/>
+          </a:fillRef>
+          <a:effectRef idx="0">
+            <a:schemeClr val="accent1"/>
+          </a:effectRef>
+          <a:fontRef idx="minor">
+            <a:schemeClr val="lt1"/>
+          </a:fontRef>
+        </p:style>
+        <p:txBody>
+          <a:bodyPr vert="horz" wrap="square" lIns="0" tIns="46637" rIns="0" bIns="46637" numCol="1" rtlCol="0" anchor="ctr" anchorCtr="0" compatLnSpc="1">
+            <a:prstTxWarp prst="textNoShape">
+              <a:avLst/>
+            </a:prstTxWarp>
+          </a:bodyPr>
+          <a:lstStyle/>
+          <a:p>
+            <a:pPr algn="ctr" defTabSz="932472" fontAlgn="base">
+              <a:spcBef>
+                <a:spcPct val="0"/>
+              </a:spcBef>
+              <a:spcAft>
+                <a:spcPct val="0"/>
+              </a:spcAft>
+            </a:pPr>
+            <a:endParaRPr lang="de-DE" sz="2000" dirty="0">
+              <a:gradFill>
+                <a:gsLst>
+                  <a:gs pos="0">
+                    <a:srgbClr val="FFFFFF"/>
+                  </a:gs>
+                  <a:gs pos="100000">
+                    <a:srgbClr val="FFFFFF"/>
+                  </a:gs>
+                </a:gsLst>
+                <a:lin ang="5400000" scaled="0"/>
+              </a:gradFill>
+            </a:endParaRPr>
+          </a:p>
+        </p:txBody>
+      </p:sp>
+      <p:sp>
+        <p:nvSpPr>
+          <p:cNvPr id="2" name="Title 1">
+            <a:extLst>
+              <a:ext uri="{FF2B5EF4-FFF2-40B4-BE49-F238E27FC236}">
+                <a16:creationId xmlns:a16="http://schemas.microsoft.com/office/drawing/2014/main" id="{1FF74ED2-7C0F-4A3B-99ED-148A0B1F1B8C}"/>
+              </a:ext>
+            </a:extLst>
+          </p:cNvPr>
+          <p:cNvSpPr>
+            <a:spLocks noGrp="1"/>
+          </p:cNvSpPr>
+          <p:nvPr>
+            <p:ph type="title"/>
+          </p:nvPr>
+        </p:nvSpPr>
+        <p:spPr>
+          <a:xfrm>
+            <a:off x="657158" y="656277"/>
+            <a:ext cx="3430942" cy="1629113"/>
+          </a:xfrm>
+          <a:noFill/>
+          <a:ln w="19050">
+            <a:solidFill>
+              <a:schemeClr val="bg1"/>
+            </a:solidFill>
+          </a:ln>
+        </p:spPr>
+        <p:txBody>
+          <a:bodyPr vert="horz" wrap="square" lIns="93260" tIns="46630" rIns="93260" bIns="46630" rtlCol="0" anchor="ctr">
+            <a:normAutofit/>
+          </a:bodyPr>
+          <a:lstStyle/>
+          <a:p>
+            <a:pPr algn="ctr"/>
+            <a:r>
+              <a:rPr lang="en-US" sz="2856" b="1" dirty="0">
+                <a:solidFill>
+                  <a:schemeClr val="bg1"/>
+                </a:solidFill>
+                <a:ea typeface="+mj-ea"/>
+                <a:cs typeface="+mj-cs"/>
+              </a:rPr>
+              <a:t>Choosing Azure network security solutions - layers</a:t>
+            </a:r>
+            <a:endParaRPr lang="en-US" sz="2856" dirty="0">
+              <a:solidFill>
+                <a:schemeClr val="bg1"/>
+              </a:solidFill>
+              <a:ea typeface="+mj-ea"/>
+              <a:cs typeface="+mj-cs"/>
+            </a:endParaRPr>
+          </a:p>
+        </p:txBody>
+      </p:sp>
+      <p:sp>
+        <p:nvSpPr>
+          <p:cNvPr id="3" name="Text Placeholder 2">
+            <a:extLst>
+              <a:ext uri="{FF2B5EF4-FFF2-40B4-BE49-F238E27FC236}">
+                <a16:creationId xmlns:a16="http://schemas.microsoft.com/office/drawing/2014/main" id="{D5F441AD-60D1-4C98-BB47-C9F6A636C485}"/>
+              </a:ext>
+            </a:extLst>
+          </p:cNvPr>
+          <p:cNvSpPr>
+            <a:spLocks noGrp="1"/>
+          </p:cNvSpPr>
+          <p:nvPr>
+            <p:ph type="body" sz="quarter" idx="10"/>
+          </p:nvPr>
+        </p:nvSpPr>
+        <p:spPr>
+          <a:xfrm>
+            <a:off x="657159" y="2690560"/>
+            <a:ext cx="3430942" cy="3483618"/>
+          </a:xfrm>
+        </p:spPr>
+        <p:txBody>
+          <a:bodyPr vert="horz" wrap="square" lIns="93260" tIns="46630" rIns="93260" bIns="46630" rtlCol="0">
+            <a:normAutofit/>
+          </a:bodyPr>
+          <a:lstStyle/>
+          <a:p>
+            <a:pPr marL="0" indent="0">
+              <a:buNone/>
+            </a:pPr>
+            <a:r>
+              <a:rPr lang="en-US" sz="2040" b="1" dirty="0">
+                <a:solidFill>
+                  <a:schemeClr val="bg1"/>
+                </a:solidFill>
+              </a:rPr>
+              <a:t>Shared responsibility</a:t>
+            </a:r>
+          </a:p>
+          <a:p>
+            <a:pPr marL="0" indent="0">
+              <a:buNone/>
+            </a:pPr>
+            <a:r>
+              <a:rPr lang="en-US" sz="2040" dirty="0">
+                <a:solidFill>
+                  <a:schemeClr val="bg1"/>
+                </a:solidFill>
+              </a:rPr>
+              <a:t>As computing environments move from customer-controlled datacenters to cloud datacenters, the responsibility for security also shifts. Security is now a concern shared by cloud providers and customers.</a:t>
+            </a:r>
+            <a:endParaRPr lang="en-US" sz="2040" b="1" dirty="0">
+              <a:solidFill>
+                <a:schemeClr val="bg1"/>
+              </a:solidFill>
+            </a:endParaRPr>
+          </a:p>
+          <a:p>
+            <a:pPr marL="0"/>
+            <a:endParaRPr lang="en-US" sz="2040" b="1" dirty="0">
+              <a:solidFill>
+                <a:schemeClr val="bg1"/>
+              </a:solidFill>
+            </a:endParaRPr>
+          </a:p>
+        </p:txBody>
+      </p:sp>
+      <p:pic>
+        <p:nvPicPr>
+          <p:cNvPr id="6" name="Picture 5" descr="A screenshot of a cell phone&#10;&#10;Description automatically generated">
+            <a:extLst>
+              <a:ext uri="{FF2B5EF4-FFF2-40B4-BE49-F238E27FC236}">
+                <a16:creationId xmlns:a16="http://schemas.microsoft.com/office/drawing/2014/main" id="{2596FE22-A04D-4826-8D41-2C755541290E}"/>
+              </a:ext>
+            </a:extLst>
+          </p:cNvPr>
+          <p:cNvPicPr>
+            <a:picLocks noChangeAspect="1"/>
+          </p:cNvPicPr>
+          <p:nvPr/>
+        </p:nvPicPr>
+        <p:blipFill>
+          <a:blip r:embed="rId3">
+            <a:extLst>
+              <a:ext uri="{28A0092B-C50C-407E-A947-70E740481C1C}">
+                <a14:useLocalDpi xmlns:a14="http://schemas.microsoft.com/office/drawing/2010/main" val="0"/>
+              </a:ext>
+            </a:extLst>
+          </a:blip>
+          <a:stretch>
+            <a:fillRect/>
+          </a:stretch>
+        </p:blipFill>
+        <p:spPr>
+          <a:xfrm>
+            <a:off x="5404109" y="671849"/>
+            <a:ext cx="6490022" cy="5897823"/>
+          </a:xfrm>
+          <a:prstGeom prst="rect">
+            <a:avLst/>
+          </a:prstGeom>
+        </p:spPr>
+      </p:pic>
+    </p:spTree>
+    <p:extLst>
+      <p:ext uri="{BB962C8B-B14F-4D97-AF65-F5344CB8AC3E}">
+        <p14:creationId xmlns:p14="http://schemas.microsoft.com/office/powerpoint/2010/main" val="3920113232"/>
+      </p:ext>
+    </p:extLst>
+  </p:cSld>
+  <p:clrMapOvr>
+    <a:masterClrMapping/>
+  </p:clrMapOvr>
+  <p:transition>
+    <p:fade/>
+  </p:transition>
+</p:sld>
+</file>
+
+<file path=ppt/slides/slide7.xml><?xml version="1.0" encoding="utf-8"?>
+<p:sld xmlns:a="http://schemas.openxmlformats.org/drawingml/2006/main" xmlns:r="http://schemas.openxmlformats.org/officeDocument/2006/relationships" xmlns:p="http://schemas.openxmlformats.org/presentationml/2006/main">
+  <p:cSld>
+    <p:spTree>
+      <p:nvGrpSpPr>
+        <p:cNvPr id="1" name=""/>
+        <p:cNvGrpSpPr/>
+        <p:nvPr/>
+      </p:nvGrpSpPr>
+      <p:grpSpPr>
+        <a:xfrm>
+          <a:off x="0" y="0"/>
+          <a:ext cx="0" cy="0"/>
+          <a:chOff x="0" y="0"/>
+          <a:chExt cx="0" cy="0"/>
+        </a:xfrm>
+      </p:grpSpPr>
+      <p:sp>
+        <p:nvSpPr>
           <p:cNvPr id="2" name="Title 1">
             <a:extLst>
               <a:ext uri="{FF2B5EF4-FFF2-40B4-BE49-F238E27FC236}">
@@ -31069,7 +32229,7 @@
 </p:sld>
 </file>
 
-<file path=ppt/slides/slide6.xml><?xml version="1.0" encoding="utf-8"?>
+<file path=ppt/slides/slide8.xml><?xml version="1.0" encoding="utf-8"?>
 <p:sld xmlns:a="http://schemas.openxmlformats.org/drawingml/2006/main" xmlns:r="http://schemas.openxmlformats.org/officeDocument/2006/relationships" xmlns:p="http://schemas.openxmlformats.org/presentationml/2006/main">
   <p:cSld>
     <p:spTree>
@@ -31293,7 +32453,7 @@
 </p:sld>
 </file>
 
-<file path=ppt/slides/slide7.xml><?xml version="1.0" encoding="utf-8"?>
+<file path=ppt/slides/slide9.xml><?xml version="1.0" encoding="utf-8"?>
 <p:sld xmlns:a="http://schemas.openxmlformats.org/drawingml/2006/main" xmlns:r="http://schemas.openxmlformats.org/officeDocument/2006/relationships" xmlns:p="http://schemas.openxmlformats.org/presentationml/2006/main">
   <p:cSld>
     <p:spTree>
@@ -31636,608 +32796,6 @@
     <p:extLst>
       <p:ext uri="{BB962C8B-B14F-4D97-AF65-F5344CB8AC3E}">
         <p14:creationId xmlns:p14="http://schemas.microsoft.com/office/powerpoint/2010/main" val="3839791861"/>
-      </p:ext>
-    </p:extLst>
-  </p:cSld>
-  <p:clrMapOvr>
-    <a:masterClrMapping/>
-  </p:clrMapOvr>
-  <mc:AlternateContent xmlns:mc="http://schemas.openxmlformats.org/markup-compatibility/2006" xmlns:p14="http://schemas.microsoft.com/office/powerpoint/2010/main">
-    <mc:Choice Requires="p14">
-      <p:transition spd="med" p14:dur="700">
-        <p:fade/>
-      </p:transition>
-    </mc:Choice>
-    <mc:Fallback xmlns="">
-      <p:transition spd="med">
-        <p:fade/>
-      </p:transition>
-    </mc:Fallback>
-  </mc:AlternateContent>
-</p:sld>
-</file>
-
-<file path=ppt/slides/slide8.xml><?xml version="1.0" encoding="utf-8"?>
-<p:sld xmlns:a="http://schemas.openxmlformats.org/drawingml/2006/main" xmlns:r="http://schemas.openxmlformats.org/officeDocument/2006/relationships" xmlns:p="http://schemas.openxmlformats.org/presentationml/2006/main">
-  <p:cSld>
-    <p:spTree>
-      <p:nvGrpSpPr>
-        <p:cNvPr id="1" name=""/>
-        <p:cNvGrpSpPr/>
-        <p:nvPr/>
-      </p:nvGrpSpPr>
-      <p:grpSpPr>
-        <a:xfrm>
-          <a:off x="0" y="0"/>
-          <a:ext cx="0" cy="0"/>
-          <a:chOff x="0" y="0"/>
-          <a:chExt cx="0" cy="0"/>
-        </a:xfrm>
-      </p:grpSpPr>
-      <p:sp>
-        <p:nvSpPr>
-          <p:cNvPr id="17" name="Title 16"/>
-          <p:cNvSpPr>
-            <a:spLocks noGrp="1"/>
-          </p:cNvSpPr>
-          <p:nvPr>
-            <p:ph type="title"/>
-          </p:nvPr>
-        </p:nvSpPr>
-        <p:spPr/>
-        <p:txBody>
-          <a:bodyPr/>
-          <a:lstStyle/>
-          <a:p>
-            <a:r>
-              <a:rPr lang="en-US" noProof="0" dirty="0"/>
-              <a:t>Application Security Groups</a:t>
-            </a:r>
-          </a:p>
-        </p:txBody>
-      </p:sp>
-      <p:sp>
-        <p:nvSpPr>
-          <p:cNvPr id="6" name="Text Placeholder 5"/>
-          <p:cNvSpPr>
-            <a:spLocks noGrp="1"/>
-          </p:cNvSpPr>
-          <p:nvPr>
-            <p:ph type="body" sz="quarter" idx="10"/>
-          </p:nvPr>
-        </p:nvSpPr>
-        <p:spPr/>
-        <p:txBody>
-          <a:bodyPr/>
-          <a:lstStyle/>
-          <a:p>
-            <a:pPr marL="0" indent="0">
-              <a:buNone/>
-            </a:pPr>
-            <a:r>
-              <a:rPr lang="en-IE" dirty="0"/>
-              <a:t>Provides for the grouping of servers with similar port filtering requirements, and group together servers with similar functions, such as web servers</a:t>
-            </a:r>
-          </a:p>
-        </p:txBody>
-      </p:sp>
-      <p:sp>
-        <p:nvSpPr>
-          <p:cNvPr id="5" name="Text Placeholder 5"/>
-          <p:cNvSpPr txBox="1">
-            <a:spLocks/>
-          </p:cNvSpPr>
-          <p:nvPr/>
-        </p:nvSpPr>
-        <p:spPr>
-          <a:xfrm>
-            <a:off x="2396853" y="3237218"/>
-            <a:ext cx="9793699" cy="2574140"/>
-          </a:xfrm>
-          <a:prstGeom prst="rect">
-            <a:avLst/>
-          </a:prstGeom>
-        </p:spPr>
-        <p:txBody>
-          <a:bodyPr vert="horz" wrap="square" lIns="0" tIns="0" rIns="0" bIns="0" rtlCol="0">
-            <a:spAutoFit/>
-          </a:bodyPr>
-          <a:lstStyle>
-            <a:lvl1pPr marL="228600" marR="0" indent="-228600" algn="l" defTabSz="932742" rtl="0" eaLnBrk="1" fontAlgn="auto" latinLnBrk="0" hangingPunct="1">
-              <a:lnSpc>
-                <a:spcPct val="100000"/>
-              </a:lnSpc>
-              <a:spcBef>
-                <a:spcPct val="20000"/>
-              </a:spcBef>
-              <a:spcAft>
-                <a:spcPts val="0"/>
-              </a:spcAft>
-              <a:buClrTx/>
-              <a:buSzPct val="90000"/>
-              <a:buFont typeface="Wingdings" panose="05000000000000000000" pitchFamily="2" charset="2"/>
-              <a:buChar char=""/>
-              <a:tabLst/>
-              <a:defRPr sz="2800" kern="1200" spc="0" baseline="0">
-                <a:gradFill>
-                  <a:gsLst>
-                    <a:gs pos="1250">
-                      <a:schemeClr val="tx1"/>
-                    </a:gs>
-                    <a:gs pos="100000">
-                      <a:schemeClr val="tx1"/>
-                    </a:gs>
-                  </a:gsLst>
-                  <a:lin ang="5400000" scaled="0"/>
-                </a:gradFill>
-                <a:latin typeface="Segoe UI Semilight" panose="020B0402040204020203" pitchFamily="34" charset="0"/>
-                <a:ea typeface="+mn-ea"/>
-                <a:cs typeface="Segoe UI Semilight" panose="020B0402040204020203" pitchFamily="34" charset="0"/>
-              </a:defRPr>
-            </a:lvl1pPr>
-            <a:lvl2pPr marL="457200" marR="0" indent="-228600" algn="l" defTabSz="932742" rtl="0" eaLnBrk="1" fontAlgn="auto" latinLnBrk="0" hangingPunct="1">
-              <a:lnSpc>
-                <a:spcPct val="100000"/>
-              </a:lnSpc>
-              <a:spcBef>
-                <a:spcPct val="20000"/>
-              </a:spcBef>
-              <a:spcAft>
-                <a:spcPts val="0"/>
-              </a:spcAft>
-              <a:buClrTx/>
-              <a:buSzPct val="90000"/>
-              <a:buFont typeface="Wingdings" panose="05000000000000000000" pitchFamily="2" charset="2"/>
-              <a:buChar char=""/>
-              <a:tabLst/>
-              <a:defRPr sz="2000" kern="1200" spc="0" baseline="0">
-                <a:gradFill>
-                  <a:gsLst>
-                    <a:gs pos="1250">
-                      <a:schemeClr val="tx1"/>
-                    </a:gs>
-                    <a:gs pos="100000">
-                      <a:schemeClr val="tx1"/>
-                    </a:gs>
-                  </a:gsLst>
-                  <a:lin ang="5400000" scaled="0"/>
-                </a:gradFill>
-                <a:latin typeface="+mn-lt"/>
-                <a:ea typeface="+mn-ea"/>
-                <a:cs typeface="+mn-cs"/>
-              </a:defRPr>
-            </a:lvl2pPr>
-            <a:lvl3pPr marL="657225" marR="0" indent="-200025" algn="l" defTabSz="932742" rtl="0" eaLnBrk="1" fontAlgn="auto" latinLnBrk="0" hangingPunct="1">
-              <a:lnSpc>
-                <a:spcPct val="100000"/>
-              </a:lnSpc>
-              <a:spcBef>
-                <a:spcPct val="20000"/>
-              </a:spcBef>
-              <a:spcAft>
-                <a:spcPts val="0"/>
-              </a:spcAft>
-              <a:buClrTx/>
-              <a:buSzPct val="90000"/>
-              <a:buFont typeface="Wingdings" panose="05000000000000000000" pitchFamily="2" charset="2"/>
-              <a:buChar char=""/>
-              <a:tabLst/>
-              <a:defRPr sz="1600" kern="1200" spc="0" baseline="0">
-                <a:gradFill>
-                  <a:gsLst>
-                    <a:gs pos="1250">
-                      <a:schemeClr val="tx1"/>
-                    </a:gs>
-                    <a:gs pos="100000">
-                      <a:schemeClr val="tx1"/>
-                    </a:gs>
-                  </a:gsLst>
-                  <a:lin ang="5400000" scaled="0"/>
-                </a:gradFill>
-                <a:latin typeface="+mn-lt"/>
-                <a:ea typeface="+mn-ea"/>
-                <a:cs typeface="+mn-cs"/>
-              </a:defRPr>
-            </a:lvl3pPr>
-            <a:lvl4pPr marL="842963" marR="0" indent="-180975" algn="l" defTabSz="932742" rtl="0" eaLnBrk="1" fontAlgn="auto" latinLnBrk="0" hangingPunct="1">
-              <a:lnSpc>
-                <a:spcPct val="100000"/>
-              </a:lnSpc>
-              <a:spcBef>
-                <a:spcPct val="20000"/>
-              </a:spcBef>
-              <a:spcAft>
-                <a:spcPts val="0"/>
-              </a:spcAft>
-              <a:buClrTx/>
-              <a:buSzPct val="90000"/>
-              <a:buFont typeface="Wingdings" panose="05000000000000000000" pitchFamily="2" charset="2"/>
-              <a:buChar char=""/>
-              <a:tabLst/>
-              <a:defRPr sz="1400" kern="1200" spc="0" baseline="0">
-                <a:gradFill>
-                  <a:gsLst>
-                    <a:gs pos="1250">
-                      <a:schemeClr val="tx1"/>
-                    </a:gs>
-                    <a:gs pos="100000">
-                      <a:schemeClr val="tx1"/>
-                    </a:gs>
-                  </a:gsLst>
-                  <a:lin ang="5400000" scaled="0"/>
-                </a:gradFill>
-                <a:latin typeface="+mn-lt"/>
-                <a:ea typeface="+mn-ea"/>
-                <a:cs typeface="+mn-cs"/>
-              </a:defRPr>
-            </a:lvl4pPr>
-            <a:lvl5pPr marL="1023938" marR="0" indent="-168275" algn="l" defTabSz="932742" rtl="0" eaLnBrk="1" fontAlgn="auto" latinLnBrk="0" hangingPunct="1">
-              <a:lnSpc>
-                <a:spcPct val="100000"/>
-              </a:lnSpc>
-              <a:spcBef>
-                <a:spcPct val="20000"/>
-              </a:spcBef>
-              <a:spcAft>
-                <a:spcPts val="0"/>
-              </a:spcAft>
-              <a:buClrTx/>
-              <a:buSzPct val="90000"/>
-              <a:buFont typeface="Wingdings" panose="05000000000000000000" pitchFamily="2" charset="2"/>
-              <a:buChar char=""/>
-              <a:tabLst/>
-              <a:defRPr sz="1400" kern="1200" spc="0" baseline="0">
-                <a:gradFill>
-                  <a:gsLst>
-                    <a:gs pos="1250">
-                      <a:schemeClr val="tx1"/>
-                    </a:gs>
-                    <a:gs pos="100000">
-                      <a:schemeClr val="tx1"/>
-                    </a:gs>
-                  </a:gsLst>
-                  <a:lin ang="5400000" scaled="0"/>
-                </a:gradFill>
-                <a:latin typeface="+mn-lt"/>
-                <a:ea typeface="+mn-ea"/>
-                <a:cs typeface="+mn-cs"/>
-              </a:defRPr>
-            </a:lvl5pPr>
-            <a:lvl6pPr marL="2565040" indent="-233186" algn="l" defTabSz="932742" rtl="0" eaLnBrk="1" latinLnBrk="0" hangingPunct="1">
-              <a:spcBef>
-                <a:spcPct val="20000"/>
-              </a:spcBef>
-              <a:buFont typeface="Arial" pitchFamily="34" charset="0"/>
-              <a:buChar char="•"/>
-              <a:defRPr sz="2000" kern="1200">
-                <a:solidFill>
-                  <a:schemeClr val="tx1"/>
-                </a:solidFill>
-                <a:latin typeface="+mn-lt"/>
-                <a:ea typeface="+mn-ea"/>
-                <a:cs typeface="+mn-cs"/>
-              </a:defRPr>
-            </a:lvl6pPr>
-            <a:lvl7pPr marL="3031412" indent="-233186" algn="l" defTabSz="932742" rtl="0" eaLnBrk="1" latinLnBrk="0" hangingPunct="1">
-              <a:spcBef>
-                <a:spcPct val="20000"/>
-              </a:spcBef>
-              <a:buFont typeface="Arial" pitchFamily="34" charset="0"/>
-              <a:buChar char="•"/>
-              <a:defRPr sz="2000" kern="1200">
-                <a:solidFill>
-                  <a:schemeClr val="tx1"/>
-                </a:solidFill>
-                <a:latin typeface="+mn-lt"/>
-                <a:ea typeface="+mn-ea"/>
-                <a:cs typeface="+mn-cs"/>
-              </a:defRPr>
-            </a:lvl7pPr>
-            <a:lvl8pPr marL="3497783" indent="-233186" algn="l" defTabSz="932742" rtl="0" eaLnBrk="1" latinLnBrk="0" hangingPunct="1">
-              <a:spcBef>
-                <a:spcPct val="20000"/>
-              </a:spcBef>
-              <a:buFont typeface="Arial" pitchFamily="34" charset="0"/>
-              <a:buChar char="•"/>
-              <a:defRPr sz="2000" kern="1200">
-                <a:solidFill>
-                  <a:schemeClr val="tx1"/>
-                </a:solidFill>
-                <a:latin typeface="+mn-lt"/>
-                <a:ea typeface="+mn-ea"/>
-                <a:cs typeface="+mn-cs"/>
-              </a:defRPr>
-            </a:lvl8pPr>
-            <a:lvl9pPr marL="3964155" indent="-233186" algn="l" defTabSz="932742" rtl="0" eaLnBrk="1" latinLnBrk="0" hangingPunct="1">
-              <a:spcBef>
-                <a:spcPct val="20000"/>
-              </a:spcBef>
-              <a:buFont typeface="Arial" pitchFamily="34" charset="0"/>
-              <a:buChar char="•"/>
-              <a:defRPr sz="2000" kern="1200">
-                <a:solidFill>
-                  <a:schemeClr val="tx1"/>
-                </a:solidFill>
-                <a:latin typeface="+mn-lt"/>
-                <a:ea typeface="+mn-ea"/>
-                <a:cs typeface="+mn-cs"/>
-              </a:defRPr>
-            </a:lvl9pPr>
-          </a:lstStyle>
-          <a:p>
-            <a:pPr marL="0" indent="0">
-              <a:buNone/>
-            </a:pPr>
-            <a:r>
-              <a:rPr lang="en-US" sz="2856" dirty="0"/>
-              <a:t>Application security group features :</a:t>
-            </a:r>
-          </a:p>
-          <a:p>
-            <a:pPr marL="0" indent="0">
-              <a:buNone/>
-            </a:pPr>
-            <a:endParaRPr lang="en-US" sz="816" dirty="0"/>
-          </a:p>
-          <a:p>
-            <a:r>
-              <a:rPr lang="en-IE" sz="2856" dirty="0"/>
-              <a:t>Allows you to reuse your security policy at scale without manual maintenance of explicit IP addresses</a:t>
-            </a:r>
-          </a:p>
-          <a:p>
-            <a:r>
-              <a:rPr lang="en-IE" sz="2856" dirty="0"/>
-              <a:t>handles the complexity of explicit IP addresses and multiple rule sets, allowing you to focus on your business logic</a:t>
-            </a:r>
-          </a:p>
-        </p:txBody>
-      </p:sp>
-      <p:pic>
-        <p:nvPicPr>
-          <p:cNvPr id="3" name="Picture 2" descr="A picture containing clipart&#10;&#10;Description automatically generated">
-            <a:extLst>
-              <a:ext uri="{FF2B5EF4-FFF2-40B4-BE49-F238E27FC236}">
-                <a16:creationId xmlns:a16="http://schemas.microsoft.com/office/drawing/2014/main" id="{B46C1133-F69C-429F-B7D0-EA5B00E1EC4A}"/>
-              </a:ext>
-            </a:extLst>
-          </p:cNvPr>
-          <p:cNvPicPr>
-            <a:picLocks noChangeAspect="1"/>
-          </p:cNvPicPr>
-          <p:nvPr/>
-        </p:nvPicPr>
-        <p:blipFill>
-          <a:blip r:embed="rId3">
-            <a:extLst>
-              <a:ext uri="{BEBA8EAE-BF5A-486C-A8C5-ECC9F3942E4B}">
-                <a14:imgProps xmlns:a14="http://schemas.microsoft.com/office/drawing/2010/main">
-                  <a14:imgLayer r:embed="rId4">
-                    <a14:imgEffect>
-                      <a14:backgroundRemoval t="8462" b="93077" l="9709" r="88350">
-                        <a14:foregroundMark x1="15534" y1="36154" x2="15534" y2="36154"/>
-                        <a14:foregroundMark x1="49515" y1="8462" x2="49515" y2="8462"/>
-                        <a14:foregroundMark x1="84466" y1="49231" x2="84466" y2="49231"/>
-                        <a14:foregroundMark x1="47573" y1="93077" x2="47573" y2="93077"/>
-                      </a14:backgroundRemoval>
-                    </a14:imgEffect>
-                  </a14:imgLayer>
-                </a14:imgProps>
-              </a:ext>
-            </a:extLst>
-          </a:blip>
-          <a:stretch>
-            <a:fillRect/>
-          </a:stretch>
-        </p:blipFill>
-        <p:spPr>
-          <a:xfrm>
-            <a:off x="419430" y="3419748"/>
-            <a:ext cx="1710376" cy="2158727"/>
-          </a:xfrm>
-          <a:prstGeom prst="rect">
-            <a:avLst/>
-          </a:prstGeom>
-        </p:spPr>
-      </p:pic>
-    </p:spTree>
-    <p:extLst>
-      <p:ext uri="{BB962C8B-B14F-4D97-AF65-F5344CB8AC3E}">
-        <p14:creationId xmlns:p14="http://schemas.microsoft.com/office/powerpoint/2010/main" val="402244338"/>
-      </p:ext>
-    </p:extLst>
-  </p:cSld>
-  <p:clrMapOvr>
-    <a:masterClrMapping/>
-  </p:clrMapOvr>
-  <mc:AlternateContent xmlns:mc="http://schemas.openxmlformats.org/markup-compatibility/2006" xmlns:p14="http://schemas.microsoft.com/office/powerpoint/2010/main">
-    <mc:Choice Requires="p14">
-      <p:transition spd="med" p14:dur="700">
-        <p:fade/>
-      </p:transition>
-    </mc:Choice>
-    <mc:Fallback xmlns="">
-      <p:transition spd="med">
-        <p:fade/>
-      </p:transition>
-    </mc:Fallback>
-  </mc:AlternateContent>
-</p:sld>
-</file>
-
-<file path=ppt/slides/slide9.xml><?xml version="1.0" encoding="utf-8"?>
-<p:sld xmlns:a="http://schemas.openxmlformats.org/drawingml/2006/main" xmlns:r="http://schemas.openxmlformats.org/officeDocument/2006/relationships" xmlns:p="http://schemas.openxmlformats.org/presentationml/2006/main">
-  <p:cSld>
-    <p:spTree>
-      <p:nvGrpSpPr>
-        <p:cNvPr id="1" name=""/>
-        <p:cNvGrpSpPr/>
-        <p:nvPr/>
-      </p:nvGrpSpPr>
-      <p:grpSpPr>
-        <a:xfrm>
-          <a:off x="0" y="0"/>
-          <a:ext cx="0" cy="0"/>
-          <a:chOff x="0" y="0"/>
-          <a:chExt cx="0" cy="0"/>
-        </a:xfrm>
-      </p:grpSpPr>
-      <p:sp>
-        <p:nvSpPr>
-          <p:cNvPr id="17" name="Title 16"/>
-          <p:cNvSpPr>
-            <a:spLocks noGrp="1"/>
-          </p:cNvSpPr>
-          <p:nvPr>
-            <p:ph type="title"/>
-          </p:nvPr>
-        </p:nvSpPr>
-        <p:spPr>
-          <a:xfrm>
-            <a:off x="600855" y="466301"/>
-            <a:ext cx="11237870" cy="565027"/>
-          </a:xfrm>
-        </p:spPr>
-        <p:txBody>
-          <a:bodyPr/>
-          <a:lstStyle/>
-          <a:p>
-            <a:r>
-              <a:rPr lang="en-US" dirty="0">
-                <a:solidFill>
-                  <a:schemeClr val="tx1"/>
-                </a:solidFill>
-              </a:rPr>
-              <a:t>Defense in Depth</a:t>
-            </a:r>
-          </a:p>
-        </p:txBody>
-      </p:sp>
-      <p:sp>
-        <p:nvSpPr>
-          <p:cNvPr id="6" name="Text Placeholder 5"/>
-          <p:cNvSpPr>
-            <a:spLocks noGrp="1"/>
-          </p:cNvSpPr>
-          <p:nvPr>
-            <p:ph type="body" sz="quarter" idx="10"/>
-          </p:nvPr>
-        </p:nvSpPr>
-        <p:spPr>
-          <a:xfrm>
-            <a:off x="597748" y="1692078"/>
-            <a:ext cx="4934345" cy="3051989"/>
-          </a:xfrm>
-        </p:spPr>
-        <p:txBody>
-          <a:bodyPr/>
-          <a:lstStyle/>
-          <a:p>
-            <a:pPr marL="0" indent="0">
-              <a:buNone/>
-            </a:pPr>
-            <a:r>
-              <a:rPr lang="en-US" sz="2400" dirty="0">
-                <a:solidFill>
-                  <a:schemeClr val="tx1"/>
-                </a:solidFill>
-              </a:rPr>
-              <a:t>A layered approach to securing computer systems.</a:t>
-            </a:r>
-          </a:p>
-          <a:p>
-            <a:pPr marL="0" indent="0">
-              <a:buNone/>
-            </a:pPr>
-            <a:endParaRPr lang="en-US" sz="2400" dirty="0">
-              <a:solidFill>
-                <a:schemeClr val="tx1"/>
-              </a:solidFill>
-            </a:endParaRPr>
-          </a:p>
-          <a:p>
-            <a:pPr>
-              <a:lnSpc>
-                <a:spcPct val="114000"/>
-              </a:lnSpc>
-            </a:pPr>
-            <a:r>
-              <a:rPr lang="en-US" sz="2400" dirty="0">
-                <a:solidFill>
-                  <a:schemeClr val="tx1"/>
-                </a:solidFill>
-              </a:rPr>
-              <a:t>Provides multiple levels of protection. </a:t>
-            </a:r>
-          </a:p>
-          <a:p>
-            <a:pPr>
-              <a:lnSpc>
-                <a:spcPct val="114000"/>
-              </a:lnSpc>
-            </a:pPr>
-            <a:r>
-              <a:rPr lang="en-US" sz="2400" dirty="0">
-                <a:solidFill>
-                  <a:schemeClr val="tx1"/>
-                </a:solidFill>
-              </a:rPr>
-              <a:t>Attacks against one layer are isolated from subsequent layers. </a:t>
-            </a:r>
-          </a:p>
-        </p:txBody>
-      </p:sp>
-      <p:pic>
-        <p:nvPicPr>
-          <p:cNvPr id="5" name="Picture 2" descr="Image representing the defense in depth concept with seven layers, each one on top of the other. From top to bottom: Physical security, Identity and access, perimeter, network, compute, application, and data.">
-            <a:extLst>
-              <a:ext uri="{FF2B5EF4-FFF2-40B4-BE49-F238E27FC236}">
-                <a16:creationId xmlns:a16="http://schemas.microsoft.com/office/drawing/2014/main" id="{652F3B15-C685-4DA7-BAD9-569D69C16F9C}"/>
-              </a:ext>
-            </a:extLst>
-          </p:cNvPr>
-          <p:cNvPicPr>
-            <a:picLocks noChangeAspect="1" noChangeArrowheads="1"/>
-          </p:cNvPicPr>
-          <p:nvPr/>
-        </p:nvPicPr>
-        <p:blipFill>
-          <a:blip r:embed="rId3">
-            <a:extLst>
-              <a:ext uri="{28A0092B-C50C-407E-A947-70E740481C1C}">
-                <a14:useLocalDpi xmlns:a14="http://schemas.microsoft.com/office/drawing/2010/main" val="0"/>
-              </a:ext>
-            </a:extLst>
-          </a:blip>
-          <a:srcRect/>
-          <a:stretch>
-            <a:fillRect/>
-          </a:stretch>
-        </p:blipFill>
-        <p:spPr bwMode="auto">
-          <a:xfrm>
-            <a:off x="6407449" y="1067428"/>
-            <a:ext cx="5431276" cy="5409638"/>
-          </a:xfrm>
-          <a:prstGeom prst="rect">
-            <a:avLst/>
-          </a:prstGeom>
-          <a:noFill/>
-          <a:extLst>
-            <a:ext uri="{909E8E84-426E-40DD-AFC4-6F175D3DCCD1}">
-              <a14:hiddenFill xmlns:a14="http://schemas.microsoft.com/office/drawing/2010/main">
-                <a:solidFill>
-                  <a:srgbClr val="FFFFFF"/>
-                </a:solidFill>
-              </a14:hiddenFill>
-            </a:ext>
-          </a:extLst>
-        </p:spPr>
-      </p:pic>
-    </p:spTree>
-    <p:extLst>
-      <p:ext uri="{BB962C8B-B14F-4D97-AF65-F5344CB8AC3E}">
-        <p14:creationId xmlns:p14="http://schemas.microsoft.com/office/powerpoint/2010/main" val="2607894275"/>
       </p:ext>
     </p:extLst>
   </p:cSld>
@@ -33144,6 +33702,21 @@
 </file>
 
 <file path=customXml/item1.xml><?xml version="1.0" encoding="utf-8"?>
+<p:properties xmlns:p="http://schemas.microsoft.com/office/2006/metadata/properties" xmlns:xsi="http://www.w3.org/2001/XMLSchema-instance" xmlns:pc="http://schemas.microsoft.com/office/infopath/2007/PartnerControls">
+  <documentManagement/>
+</p:properties>
+</file>
+
+<file path=customXml/item2.xml><?xml version="1.0" encoding="utf-8"?>
+<?mso-contentType ?>
+<FormTemplates xmlns="http://schemas.microsoft.com/sharepoint/v3/contenttype/forms">
+  <Display>DocumentLibraryForm</Display>
+  <Edit>DocumentLibraryForm</Edit>
+  <New>DocumentLibraryForm</New>
+</FormTemplates>
+</file>
+
+<file path=customXml/item3.xml><?xml version="1.0" encoding="utf-8"?>
 <ct:contentTypeSchema xmlns:ct="http://schemas.microsoft.com/office/2006/metadata/contentType" xmlns:ma="http://schemas.microsoft.com/office/2006/metadata/properties/metaAttributes" ct:_="" ma:_="" ma:contentTypeName="Document" ma:contentTypeID="0x0101004F366B2263FCDC41B3571AF58DF324C9" ma:contentTypeVersion="0" ma:contentTypeDescription="Create a new document." ma:contentTypeScope="" ma:versionID="f3d3620f147d7f01d107c44eceebb519">
   <xsd:schema xmlns:xsd="http://www.w3.org/2001/XMLSchema" xmlns:xs="http://www.w3.org/2001/XMLSchema" xmlns:p="http://schemas.microsoft.com/office/2006/metadata/properties" targetNamespace="http://schemas.microsoft.com/office/2006/metadata/properties" ma:root="true" ma:fieldsID="ba2458a5a1f72a5b1ad9072b9281da93">
     <xsd:element name="properties">
@@ -33257,38 +33830,7 @@
 </ct:contentTypeSchema>
 </file>
 
-<file path=customXml/item2.xml><?xml version="1.0" encoding="utf-8"?>
-<p:properties xmlns:p="http://schemas.microsoft.com/office/2006/metadata/properties" xmlns:xsi="http://www.w3.org/2001/XMLSchema-instance" xmlns:pc="http://schemas.microsoft.com/office/infopath/2007/PartnerControls">
-  <documentManagement/>
-</p:properties>
-</file>
-
-<file path=customXml/item3.xml><?xml version="1.0" encoding="utf-8"?>
-<?mso-contentType ?>
-<FormTemplates xmlns="http://schemas.microsoft.com/sharepoint/v3/contenttype/forms">
-  <Display>DocumentLibraryForm</Display>
-  <Edit>DocumentLibraryForm</Edit>
-  <New>DocumentLibraryForm</New>
-</FormTemplates>
-</file>
-
 <file path=customXml/itemProps1.xml><?xml version="1.0" encoding="utf-8"?>
-<ds:datastoreItem xmlns:ds="http://schemas.openxmlformats.org/officeDocument/2006/customXml" ds:itemID="{05CDDA49-6D84-41B9-8FEC-258C48043127}">
-  <ds:schemaRefs>
-    <ds:schemaRef ds:uri="http://schemas.microsoft.com/office/2006/metadata/contentType"/>
-    <ds:schemaRef ds:uri="http://schemas.microsoft.com/office/2006/metadata/properties/metaAttributes"/>
-    <ds:schemaRef ds:uri="http://www.w3.org/2001/XMLSchema"/>
-    <ds:schemaRef ds:uri="http://schemas.microsoft.com/office/2006/metadata/properties"/>
-    <ds:schemaRef ds:uri="http://schemas.openxmlformats.org/package/2006/metadata/core-properties"/>
-    <ds:schemaRef ds:uri="http://purl.org/dc/elements/1.1/"/>
-    <ds:schemaRef ds:uri="http://purl.org/dc/terms/"/>
-    <ds:schemaRef ds:uri="http://schemas.microsoft.com/internal/obd"/>
-    <ds:schemaRef ds:uri="http://schemas.microsoft.com/office/infopath/2007/PartnerControls"/>
-  </ds:schemaRefs>
-</ds:datastoreItem>
-</file>
-
-<file path=customXml/itemProps2.xml><?xml version="1.0" encoding="utf-8"?>
 <ds:datastoreItem xmlns:ds="http://schemas.openxmlformats.org/officeDocument/2006/customXml" ds:itemID="{6A311F3F-FC1F-49F7-86D4-93433AD32505}">
   <ds:schemaRefs>
     <ds:schemaRef ds:uri="http://schemas.openxmlformats.org/package/2006/metadata/core-properties"/>
@@ -33303,10 +33845,26 @@
 </ds:datastoreItem>
 </file>
 
-<file path=customXml/itemProps3.xml><?xml version="1.0" encoding="utf-8"?>
+<file path=customXml/itemProps2.xml><?xml version="1.0" encoding="utf-8"?>
 <ds:datastoreItem xmlns:ds="http://schemas.openxmlformats.org/officeDocument/2006/customXml" ds:itemID="{19E37ADE-E088-4B5A-A682-488D095075CF}">
   <ds:schemaRefs>
     <ds:schemaRef ds:uri="http://schemas.microsoft.com/sharepoint/v3/contenttype/forms"/>
   </ds:schemaRefs>
 </ds:datastoreItem>
+</file>
+
+<file path=customXml/itemProps3.xml><?xml version="1.0" encoding="utf-8"?>
+<ds:datastoreItem xmlns:ds="http://schemas.openxmlformats.org/officeDocument/2006/customXml" ds:itemID="{05CDDA49-6D84-41B9-8FEC-258C48043127}">
+  <ds:schemaRefs>
+    <ds:schemaRef ds:uri="http://schemas.microsoft.com/office/2006/metadata/contentType"/>
+    <ds:schemaRef ds:uri="http://schemas.microsoft.com/office/2006/metadata/properties/metaAttributes"/>
+    <ds:schemaRef ds:uri="http://www.w3.org/2001/XMLSchema"/>
+    <ds:schemaRef ds:uri="http://schemas.microsoft.com/office/2006/metadata/properties"/>
+    <ds:schemaRef ds:uri="http://schemas.openxmlformats.org/package/2006/metadata/core-properties"/>
+    <ds:schemaRef ds:uri="http://purl.org/dc/elements/1.1/"/>
+    <ds:schemaRef ds:uri="http://purl.org/dc/terms/"/>
+    <ds:schemaRef ds:uri="http://schemas.microsoft.com/internal/obd"/>
+    <ds:schemaRef ds:uri="http://schemas.microsoft.com/office/infopath/2007/PartnerControls"/>
+  </ds:schemaRefs>
+</ds:datastoreItem>
 </file>